--- a/presentatie/plaatjes.pptx
+++ b/presentatie/plaatjes.pptx
@@ -5,16 +5,20 @@
     <p:sldMasterId id="2147483720" r:id="rId4"/>
   </p:sldMasterIdLst>
   <p:notesMasterIdLst>
-    <p:notesMasterId r:id="rId9"/>
+    <p:notesMasterId r:id="rId13"/>
   </p:notesMasterIdLst>
   <p:handoutMasterIdLst>
-    <p:handoutMasterId r:id="rId10"/>
+    <p:handoutMasterId r:id="rId14"/>
   </p:handoutMasterIdLst>
   <p:sldIdLst>
     <p:sldId id="259" r:id="rId5"/>
     <p:sldId id="262" r:id="rId6"/>
     <p:sldId id="260" r:id="rId7"/>
     <p:sldId id="261" r:id="rId8"/>
+    <p:sldId id="263" r:id="rId9"/>
+    <p:sldId id="264" r:id="rId10"/>
+    <p:sldId id="265" r:id="rId11"/>
+    <p:sldId id="266" r:id="rId12"/>
   </p:sldIdLst>
   <p:sldSz cx="12188825" cy="6858000"/>
   <p:notesSz cx="6858000" cy="9144000"/>
@@ -255,7 +259,7 @@
             <a:pPr rtl="0"/>
             <a:fld id="{3A6FBF1E-C4F2-4243-9DC6-F239D845E59F}" type="datetime1">
               <a:rPr lang="nl-NL" smtClean="0"/>
-              <a:t>26-9-2018</a:t>
+              <a:t>10-10-2018</a:t>
             </a:fld>
             <a:endParaRPr lang="nl-NL" dirty="0"/>
           </a:p>
@@ -323,7 +327,7 @@
             <a:pPr rtl="0"/>
             <a:fld id="{04360E59-1627-4404-ACC5-51C744AB0F27}" type="slidenum">
               <a:rPr lang="nl-NL" smtClean="0"/>
-              <a:t>‹nr.›</a:t>
+              <a:t>‹#›</a:t>
             </a:fld>
             <a:endParaRPr lang="nl-NL" dirty="0"/>
           </a:p>
@@ -432,7 +436,7 @@
             <a:fld id="{4B7914FC-CF06-4AB5-AD3F-8E162DDC032C}" type="datetime1">
               <a:rPr lang="nl-NL" smtClean="0"/>
               <a:pPr/>
-              <a:t>26-9-2018</a:t>
+              <a:t>10-10-2018</a:t>
             </a:fld>
             <a:endParaRPr lang="nl-NL" dirty="0"/>
           </a:p>
@@ -497,38 +501,37 @@
           <a:p>
             <a:pPr lvl="0" rtl="0"/>
             <a:r>
-              <a:rPr lang="nl-NL" noProof="0" dirty="0" smtClean="0"/>
+              <a:rPr lang="nl-NL" noProof="0" dirty="0"/>
               <a:t>Klik om de tekststijlen van het model te bewerken</a:t>
             </a:r>
           </a:p>
           <a:p>
             <a:pPr lvl="1" rtl="0"/>
             <a:r>
-              <a:rPr lang="nl-NL" noProof="0" dirty="0" smtClean="0"/>
+              <a:rPr lang="nl-NL" noProof="0" dirty="0"/>
               <a:t>Tweede niveau</a:t>
             </a:r>
           </a:p>
           <a:p>
             <a:pPr lvl="2" rtl="0"/>
             <a:r>
-              <a:rPr lang="nl-NL" noProof="0" dirty="0" smtClean="0"/>
+              <a:rPr lang="nl-NL" noProof="0" dirty="0"/>
               <a:t>Derde niveau</a:t>
             </a:r>
           </a:p>
           <a:p>
             <a:pPr lvl="3" rtl="0"/>
             <a:r>
-              <a:rPr lang="nl-NL" noProof="0" dirty="0" smtClean="0"/>
+              <a:rPr lang="nl-NL" noProof="0" dirty="0"/>
               <a:t>Vierde niveau</a:t>
             </a:r>
           </a:p>
           <a:p>
             <a:pPr lvl="4" rtl="0"/>
             <a:r>
-              <a:rPr lang="nl-NL" noProof="0" dirty="0" smtClean="0"/>
+              <a:rPr lang="nl-NL" noProof="0" dirty="0"/>
               <a:t>Vijfde niveau</a:t>
             </a:r>
-            <a:endParaRPr lang="nl-NL" noProof="0" dirty="0"/>
           </a:p>
         </p:txBody>
       </p:sp>
@@ -603,7 +606,7 @@
             <a:fld id="{841221E5-7225-48EB-A4EE-420E7BFCF705}" type="slidenum">
               <a:rPr lang="nl-NL" noProof="0" smtClean="0"/>
               <a:pPr rtl="0"/>
-              <a:t>‹nr.›</a:t>
+              <a:t>‹#›</a:t>
             </a:fld>
             <a:endParaRPr lang="nl-NL" noProof="0" dirty="0"/>
           </a:p>
@@ -841,7 +844,7 @@
           </a:lstStyle>
           <a:p>
             <a:r>
-              <a:rPr lang="nl-NL" smtClean="0"/>
+              <a:rPr lang="nl-NL"/>
               <a:t>Klik om de stijl te bewerken</a:t>
             </a:r>
             <a:endParaRPr lang="en-GB"/>
@@ -906,7 +909,7 @@
           </a:lstStyle>
           <a:p>
             <a:r>
-              <a:rPr lang="nl-NL" smtClean="0"/>
+              <a:rPr lang="nl-NL"/>
               <a:t>Klik om de ondertitelstijl van het model te bewerken</a:t>
             </a:r>
             <a:endParaRPr lang="en-GB"/>
@@ -931,7 +934,7 @@
             <a:pPr rtl="0"/>
             <a:fld id="{5BE58D0C-B18C-4E45-B9D5-64B93015D0F3}" type="datetime1">
               <a:rPr lang="nl-NL" noProof="0" smtClean="0"/>
-              <a:t>26-9-2018</a:t>
+              <a:t>10-10-2018</a:t>
             </a:fld>
             <a:endParaRPr lang="nl-NL" noProof="0" dirty="0"/>
           </a:p>
@@ -954,7 +957,7 @@
           <a:p>
             <a:pPr rtl="0"/>
             <a:r>
-              <a:rPr lang="nl-NL" noProof="0" smtClean="0"/>
+              <a:rPr lang="nl-NL" noProof="0"/>
               <a:t>Een voettekst toevoegen</a:t>
             </a:r>
             <a:endParaRPr lang="nl-NL" noProof="0" dirty="0"/>
@@ -980,7 +983,7 @@
             <a:fld id="{7DC1BBB0-96F0-4077-A278-0F3FB5C104D3}" type="slidenum">
               <a:rPr lang="nl-NL" noProof="0" smtClean="0"/>
               <a:pPr rtl="0"/>
-              <a:t>‹nr.›</a:t>
+              <a:t>‹#›</a:t>
             </a:fld>
             <a:endParaRPr lang="nl-NL" noProof="0" dirty="0"/>
           </a:p>
@@ -1008,13 +1011,6 @@
       </p:transition>
     </mc:Fallback>
   </mc:AlternateContent>
-  <p:timing>
-    <p:tnLst>
-      <p:par>
-        <p:cTn id="1" dur="indefinite" restart="never" nodeType="tmRoot"/>
-      </p:par>
-    </p:tnLst>
-  </p:timing>
 </p:sldLayout>
 </file>
 
@@ -1051,7 +1047,7 @@
           <a:lstStyle/>
           <a:p>
             <a:r>
-              <a:rPr lang="nl-NL" smtClean="0"/>
+              <a:rPr lang="nl-NL"/>
               <a:t>Klik om de stijl te bewerken</a:t>
             </a:r>
             <a:endParaRPr lang="en-GB"/>
@@ -1075,35 +1071,35 @@
           <a:p>
             <a:pPr lvl="0"/>
             <a:r>
-              <a:rPr lang="nl-NL" smtClean="0"/>
+              <a:rPr lang="nl-NL"/>
               <a:t>Klik om de modelstijlen te bewerken</a:t>
             </a:r>
           </a:p>
           <a:p>
             <a:pPr lvl="1"/>
             <a:r>
-              <a:rPr lang="nl-NL" smtClean="0"/>
+              <a:rPr lang="nl-NL"/>
               <a:t>Tweede niveau</a:t>
             </a:r>
           </a:p>
           <a:p>
             <a:pPr lvl="2"/>
             <a:r>
-              <a:rPr lang="nl-NL" smtClean="0"/>
+              <a:rPr lang="nl-NL"/>
               <a:t>Derde niveau</a:t>
             </a:r>
           </a:p>
           <a:p>
             <a:pPr lvl="3"/>
             <a:r>
-              <a:rPr lang="nl-NL" smtClean="0"/>
+              <a:rPr lang="nl-NL"/>
               <a:t>Vierde niveau</a:t>
             </a:r>
           </a:p>
           <a:p>
             <a:pPr lvl="4"/>
             <a:r>
-              <a:rPr lang="nl-NL" smtClean="0"/>
+              <a:rPr lang="nl-NL"/>
               <a:t>Vijfde niveau</a:t>
             </a:r>
             <a:endParaRPr lang="en-GB"/>
@@ -1128,7 +1124,7 @@
             <a:pPr rtl="0"/>
             <a:fld id="{DEEB18D8-77BC-425C-AF0A-16DB76946B9E}" type="datetime1">
               <a:rPr lang="nl-NL" noProof="0" smtClean="0"/>
-              <a:t>26-9-2018</a:t>
+              <a:t>10-10-2018</a:t>
             </a:fld>
             <a:endParaRPr lang="nl-NL" noProof="0" dirty="0"/>
           </a:p>
@@ -1151,7 +1147,7 @@
           <a:p>
             <a:pPr rtl="0"/>
             <a:r>
-              <a:rPr lang="nl-NL" noProof="0" smtClean="0"/>
+              <a:rPr lang="nl-NL" noProof="0"/>
               <a:t>Een voettekst toevoegen</a:t>
             </a:r>
             <a:endParaRPr lang="nl-NL" noProof="0" dirty="0"/>
@@ -1176,7 +1172,7 @@
             <a:pPr rtl="0"/>
             <a:fld id="{7DC1BBB0-96F0-4077-A278-0F3FB5C104D3}" type="slidenum">
               <a:rPr lang="nl-NL" noProof="0" smtClean="0"/>
-              <a:t>‹nr.›</a:t>
+              <a:t>‹#›</a:t>
             </a:fld>
             <a:endParaRPr lang="nl-NL" noProof="0" dirty="0"/>
           </a:p>
@@ -1204,13 +1200,6 @@
       </p:transition>
     </mc:Fallback>
   </mc:AlternateContent>
-  <p:timing>
-    <p:tnLst>
-      <p:par>
-        <p:cTn id="1" dur="indefinite" restart="never" nodeType="tmRoot"/>
-      </p:par>
-    </p:tnLst>
-  </p:timing>
 </p:sldLayout>
 </file>
 
@@ -1252,7 +1241,7 @@
           <a:lstStyle/>
           <a:p>
             <a:r>
-              <a:rPr lang="nl-NL" smtClean="0"/>
+              <a:rPr lang="nl-NL"/>
               <a:t>Klik om de stijl te bewerken</a:t>
             </a:r>
             <a:endParaRPr lang="en-GB"/>
@@ -1281,35 +1270,35 @@
           <a:p>
             <a:pPr lvl="0"/>
             <a:r>
-              <a:rPr lang="nl-NL" smtClean="0"/>
+              <a:rPr lang="nl-NL"/>
               <a:t>Klik om de modelstijlen te bewerken</a:t>
             </a:r>
           </a:p>
           <a:p>
             <a:pPr lvl="1"/>
             <a:r>
-              <a:rPr lang="nl-NL" smtClean="0"/>
+              <a:rPr lang="nl-NL"/>
               <a:t>Tweede niveau</a:t>
             </a:r>
           </a:p>
           <a:p>
             <a:pPr lvl="2"/>
             <a:r>
-              <a:rPr lang="nl-NL" smtClean="0"/>
+              <a:rPr lang="nl-NL"/>
               <a:t>Derde niveau</a:t>
             </a:r>
           </a:p>
           <a:p>
             <a:pPr lvl="3"/>
             <a:r>
-              <a:rPr lang="nl-NL" smtClean="0"/>
+              <a:rPr lang="nl-NL"/>
               <a:t>Vierde niveau</a:t>
             </a:r>
           </a:p>
           <a:p>
             <a:pPr lvl="4"/>
             <a:r>
-              <a:rPr lang="nl-NL" smtClean="0"/>
+              <a:rPr lang="nl-NL"/>
               <a:t>Vijfde niveau</a:t>
             </a:r>
             <a:endParaRPr lang="en-GB"/>
@@ -1334,7 +1323,7 @@
             <a:pPr rtl="0"/>
             <a:fld id="{29970CB2-6E4B-4EFE-B0F6-784A8BFA68C0}" type="datetime1">
               <a:rPr lang="nl-NL" noProof="0" smtClean="0"/>
-              <a:t>26-9-2018</a:t>
+              <a:t>10-10-2018</a:t>
             </a:fld>
             <a:endParaRPr lang="nl-NL" noProof="0" dirty="0"/>
           </a:p>
@@ -1357,7 +1346,7 @@
           <a:p>
             <a:pPr rtl="0"/>
             <a:r>
-              <a:rPr lang="nl-NL" noProof="0" smtClean="0"/>
+              <a:rPr lang="nl-NL" noProof="0"/>
               <a:t>Een voettekst toevoegen</a:t>
             </a:r>
             <a:endParaRPr lang="nl-NL" noProof="0" dirty="0"/>
@@ -1382,7 +1371,7 @@
             <a:pPr rtl="0"/>
             <a:fld id="{7DC1BBB0-96F0-4077-A278-0F3FB5C104D3}" type="slidenum">
               <a:rPr lang="nl-NL" noProof="0" smtClean="0"/>
-              <a:t>‹nr.›</a:t>
+              <a:t>‹#›</a:t>
             </a:fld>
             <a:endParaRPr lang="nl-NL" noProof="0" dirty="0"/>
           </a:p>
@@ -1410,13 +1399,6 @@
       </p:transition>
     </mc:Fallback>
   </mc:AlternateContent>
-  <p:timing>
-    <p:tnLst>
-      <p:par>
-        <p:cTn id="1" dur="indefinite" restart="never" nodeType="tmRoot"/>
-      </p:par>
-    </p:tnLst>
-  </p:timing>
 </p:sldLayout>
 </file>
 
@@ -1453,7 +1435,7 @@
           <a:lstStyle/>
           <a:p>
             <a:r>
-              <a:rPr lang="nl-NL" smtClean="0"/>
+              <a:rPr lang="nl-NL"/>
               <a:t>Klik om de stijl te bewerken</a:t>
             </a:r>
             <a:endParaRPr lang="en-GB"/>
@@ -1477,35 +1459,35 @@
           <a:p>
             <a:pPr lvl="0"/>
             <a:r>
-              <a:rPr lang="nl-NL" smtClean="0"/>
+              <a:rPr lang="nl-NL"/>
               <a:t>Klik om de modelstijlen te bewerken</a:t>
             </a:r>
           </a:p>
           <a:p>
             <a:pPr lvl="1"/>
             <a:r>
-              <a:rPr lang="nl-NL" smtClean="0"/>
+              <a:rPr lang="nl-NL"/>
               <a:t>Tweede niveau</a:t>
             </a:r>
           </a:p>
           <a:p>
             <a:pPr lvl="2"/>
             <a:r>
-              <a:rPr lang="nl-NL" smtClean="0"/>
+              <a:rPr lang="nl-NL"/>
               <a:t>Derde niveau</a:t>
             </a:r>
           </a:p>
           <a:p>
             <a:pPr lvl="3"/>
             <a:r>
-              <a:rPr lang="nl-NL" smtClean="0"/>
+              <a:rPr lang="nl-NL"/>
               <a:t>Vierde niveau</a:t>
             </a:r>
           </a:p>
           <a:p>
             <a:pPr lvl="4"/>
             <a:r>
-              <a:rPr lang="nl-NL" smtClean="0"/>
+              <a:rPr lang="nl-NL"/>
               <a:t>Vijfde niveau</a:t>
             </a:r>
             <a:endParaRPr lang="en-GB"/>
@@ -1530,7 +1512,7 @@
             <a:pPr rtl="0"/>
             <a:fld id="{A330C59B-4812-4B35-9A8F-1CC0C645D246}" type="datetime1">
               <a:rPr lang="nl-NL" noProof="0" smtClean="0"/>
-              <a:t>26-9-2018</a:t>
+              <a:t>10-10-2018</a:t>
             </a:fld>
             <a:endParaRPr lang="nl-NL" noProof="0" dirty="0"/>
           </a:p>
@@ -1553,7 +1535,7 @@
           <a:p>
             <a:pPr rtl="0"/>
             <a:r>
-              <a:rPr lang="nl-NL" noProof="0" smtClean="0"/>
+              <a:rPr lang="nl-NL" noProof="0"/>
               <a:t>Een voettekst toevoegen</a:t>
             </a:r>
             <a:endParaRPr lang="nl-NL" noProof="0" dirty="0"/>
@@ -1579,7 +1561,7 @@
             <a:fld id="{7DC1BBB0-96F0-4077-A278-0F3FB5C104D3}" type="slidenum">
               <a:rPr lang="nl-NL" noProof="0" smtClean="0"/>
               <a:pPr rtl="0"/>
-              <a:t>‹nr.›</a:t>
+              <a:t>‹#›</a:t>
             </a:fld>
             <a:endParaRPr lang="nl-NL" noProof="0" dirty="0"/>
           </a:p>
@@ -1641,7 +1623,7 @@
           </a:lstStyle>
           <a:p>
             <a:r>
-              <a:rPr lang="nl-NL" smtClean="0"/>
+              <a:rPr lang="nl-NL"/>
               <a:t>Klik om de stijl te bewerken</a:t>
             </a:r>
             <a:endParaRPr lang="en-GB"/>
@@ -1761,7 +1743,7 @@
           <a:p>
             <a:pPr lvl="0"/>
             <a:r>
-              <a:rPr lang="nl-NL" smtClean="0"/>
+              <a:rPr lang="nl-NL"/>
               <a:t>Klik om de modelstijlen te bewerken</a:t>
             </a:r>
           </a:p>
@@ -1785,7 +1767,7 @@
             <a:pPr rtl="0"/>
             <a:fld id="{D31A0523-37D0-4B74-AE8E-62ED3A51897B}" type="datetime1">
               <a:rPr lang="nl-NL" noProof="0" smtClean="0"/>
-              <a:t>26-9-2018</a:t>
+              <a:t>10-10-2018</a:t>
             </a:fld>
             <a:endParaRPr lang="nl-NL" noProof="0" dirty="0"/>
           </a:p>
@@ -1808,7 +1790,7 @@
           <a:p>
             <a:pPr rtl="0"/>
             <a:r>
-              <a:rPr lang="nl-NL" noProof="0" smtClean="0"/>
+              <a:rPr lang="nl-NL" noProof="0"/>
               <a:t>Een voettekst toevoegen</a:t>
             </a:r>
             <a:endParaRPr lang="nl-NL" noProof="0" dirty="0"/>
@@ -1834,7 +1816,7 @@
             <a:fld id="{7DC1BBB0-96F0-4077-A278-0F3FB5C104D3}" type="slidenum">
               <a:rPr lang="nl-NL" noProof="0" smtClean="0"/>
               <a:pPr rtl="0"/>
-              <a:t>‹nr.›</a:t>
+              <a:t>‹#›</a:t>
             </a:fld>
             <a:endParaRPr lang="nl-NL" noProof="0" dirty="0"/>
           </a:p>
@@ -1862,13 +1844,6 @@
       </p:transition>
     </mc:Fallback>
   </mc:AlternateContent>
-  <p:timing>
-    <p:tnLst>
-      <p:par>
-        <p:cTn id="1" dur="indefinite" restart="never" nodeType="tmRoot"/>
-      </p:par>
-    </p:tnLst>
-  </p:timing>
 </p:sldLayout>
 </file>
 
@@ -1905,7 +1880,7 @@
           <a:lstStyle/>
           <a:p>
             <a:r>
-              <a:rPr lang="nl-NL" smtClean="0"/>
+              <a:rPr lang="nl-NL"/>
               <a:t>Klik om de stijl te bewerken</a:t>
             </a:r>
             <a:endParaRPr lang="en-GB"/>
@@ -1934,35 +1909,35 @@
           <a:p>
             <a:pPr lvl="0"/>
             <a:r>
-              <a:rPr lang="nl-NL" smtClean="0"/>
+              <a:rPr lang="nl-NL"/>
               <a:t>Klik om de modelstijlen te bewerken</a:t>
             </a:r>
           </a:p>
           <a:p>
             <a:pPr lvl="1"/>
             <a:r>
-              <a:rPr lang="nl-NL" smtClean="0"/>
+              <a:rPr lang="nl-NL"/>
               <a:t>Tweede niveau</a:t>
             </a:r>
           </a:p>
           <a:p>
             <a:pPr lvl="2"/>
             <a:r>
-              <a:rPr lang="nl-NL" smtClean="0"/>
+              <a:rPr lang="nl-NL"/>
               <a:t>Derde niveau</a:t>
             </a:r>
           </a:p>
           <a:p>
             <a:pPr lvl="3"/>
             <a:r>
-              <a:rPr lang="nl-NL" smtClean="0"/>
+              <a:rPr lang="nl-NL"/>
               <a:t>Vierde niveau</a:t>
             </a:r>
           </a:p>
           <a:p>
             <a:pPr lvl="4"/>
             <a:r>
-              <a:rPr lang="nl-NL" smtClean="0"/>
+              <a:rPr lang="nl-NL"/>
               <a:t>Vijfde niveau</a:t>
             </a:r>
             <a:endParaRPr lang="en-GB"/>
@@ -1991,35 +1966,35 @@
           <a:p>
             <a:pPr lvl="0"/>
             <a:r>
-              <a:rPr lang="nl-NL" smtClean="0"/>
+              <a:rPr lang="nl-NL"/>
               <a:t>Klik om de modelstijlen te bewerken</a:t>
             </a:r>
           </a:p>
           <a:p>
             <a:pPr lvl="1"/>
             <a:r>
-              <a:rPr lang="nl-NL" smtClean="0"/>
+              <a:rPr lang="nl-NL"/>
               <a:t>Tweede niveau</a:t>
             </a:r>
           </a:p>
           <a:p>
             <a:pPr lvl="2"/>
             <a:r>
-              <a:rPr lang="nl-NL" smtClean="0"/>
+              <a:rPr lang="nl-NL"/>
               <a:t>Derde niveau</a:t>
             </a:r>
           </a:p>
           <a:p>
             <a:pPr lvl="3"/>
             <a:r>
-              <a:rPr lang="nl-NL" smtClean="0"/>
+              <a:rPr lang="nl-NL"/>
               <a:t>Vierde niveau</a:t>
             </a:r>
           </a:p>
           <a:p>
             <a:pPr lvl="4"/>
             <a:r>
-              <a:rPr lang="nl-NL" smtClean="0"/>
+              <a:rPr lang="nl-NL"/>
               <a:t>Vijfde niveau</a:t>
             </a:r>
             <a:endParaRPr lang="en-GB"/>
@@ -2044,7 +2019,7 @@
             <a:pPr rtl="0"/>
             <a:fld id="{25DC63D1-86E4-48D8-B161-F942E19FD40F}" type="datetime1">
               <a:rPr lang="nl-NL" noProof="0" smtClean="0"/>
-              <a:t>26-9-2018</a:t>
+              <a:t>10-10-2018</a:t>
             </a:fld>
             <a:endParaRPr lang="nl-NL" noProof="0" dirty="0"/>
           </a:p>
@@ -2067,7 +2042,7 @@
           <a:p>
             <a:pPr rtl="0"/>
             <a:r>
-              <a:rPr lang="nl-NL" noProof="0" smtClean="0"/>
+              <a:rPr lang="nl-NL" noProof="0"/>
               <a:t>Een voettekst toevoegen</a:t>
             </a:r>
             <a:endParaRPr lang="nl-NL" noProof="0" dirty="0"/>
@@ -2092,7 +2067,7 @@
             <a:pPr rtl="0"/>
             <a:fld id="{7DC1BBB0-96F0-4077-A278-0F3FB5C104D3}" type="slidenum">
               <a:rPr lang="nl-NL" noProof="0" smtClean="0"/>
-              <a:t>‹nr.›</a:t>
+              <a:t>‹#›</a:t>
             </a:fld>
             <a:endParaRPr lang="nl-NL" noProof="0" dirty="0"/>
           </a:p>
@@ -2120,13 +2095,6 @@
       </p:transition>
     </mc:Fallback>
   </mc:AlternateContent>
-  <p:timing>
-    <p:tnLst>
-      <p:par>
-        <p:cTn id="1" dur="indefinite" restart="never" nodeType="tmRoot"/>
-      </p:par>
-    </p:tnLst>
-  </p:timing>
 </p:sldLayout>
 </file>
 
@@ -2168,7 +2136,7 @@
           <a:lstStyle/>
           <a:p>
             <a:r>
-              <a:rPr lang="nl-NL" smtClean="0"/>
+              <a:rPr lang="nl-NL"/>
               <a:t>Klik om de stijl te bewerken</a:t>
             </a:r>
             <a:endParaRPr lang="en-GB"/>
@@ -2234,7 +2202,7 @@
           <a:p>
             <a:pPr lvl="0"/>
             <a:r>
-              <a:rPr lang="nl-NL" smtClean="0"/>
+              <a:rPr lang="nl-NL"/>
               <a:t>Klik om de modelstijlen te bewerken</a:t>
             </a:r>
           </a:p>
@@ -2262,35 +2230,35 @@
           <a:p>
             <a:pPr lvl="0"/>
             <a:r>
-              <a:rPr lang="nl-NL" smtClean="0"/>
+              <a:rPr lang="nl-NL"/>
               <a:t>Klik om de modelstijlen te bewerken</a:t>
             </a:r>
           </a:p>
           <a:p>
             <a:pPr lvl="1"/>
             <a:r>
-              <a:rPr lang="nl-NL" smtClean="0"/>
+              <a:rPr lang="nl-NL"/>
               <a:t>Tweede niveau</a:t>
             </a:r>
           </a:p>
           <a:p>
             <a:pPr lvl="2"/>
             <a:r>
-              <a:rPr lang="nl-NL" smtClean="0"/>
+              <a:rPr lang="nl-NL"/>
               <a:t>Derde niveau</a:t>
             </a:r>
           </a:p>
           <a:p>
             <a:pPr lvl="3"/>
             <a:r>
-              <a:rPr lang="nl-NL" smtClean="0"/>
+              <a:rPr lang="nl-NL"/>
               <a:t>Vierde niveau</a:t>
             </a:r>
           </a:p>
           <a:p>
             <a:pPr lvl="4"/>
             <a:r>
-              <a:rPr lang="nl-NL" smtClean="0"/>
+              <a:rPr lang="nl-NL"/>
               <a:t>Vijfde niveau</a:t>
             </a:r>
             <a:endParaRPr lang="en-GB"/>
@@ -2356,7 +2324,7 @@
           <a:p>
             <a:pPr lvl="0"/>
             <a:r>
-              <a:rPr lang="nl-NL" smtClean="0"/>
+              <a:rPr lang="nl-NL"/>
               <a:t>Klik om de modelstijlen te bewerken</a:t>
             </a:r>
           </a:p>
@@ -2384,35 +2352,35 @@
           <a:p>
             <a:pPr lvl="0"/>
             <a:r>
-              <a:rPr lang="nl-NL" smtClean="0"/>
+              <a:rPr lang="nl-NL"/>
               <a:t>Klik om de modelstijlen te bewerken</a:t>
             </a:r>
           </a:p>
           <a:p>
             <a:pPr lvl="1"/>
             <a:r>
-              <a:rPr lang="nl-NL" smtClean="0"/>
+              <a:rPr lang="nl-NL"/>
               <a:t>Tweede niveau</a:t>
             </a:r>
           </a:p>
           <a:p>
             <a:pPr lvl="2"/>
             <a:r>
-              <a:rPr lang="nl-NL" smtClean="0"/>
+              <a:rPr lang="nl-NL"/>
               <a:t>Derde niveau</a:t>
             </a:r>
           </a:p>
           <a:p>
             <a:pPr lvl="3"/>
             <a:r>
-              <a:rPr lang="nl-NL" smtClean="0"/>
+              <a:rPr lang="nl-NL"/>
               <a:t>Vierde niveau</a:t>
             </a:r>
           </a:p>
           <a:p>
             <a:pPr lvl="4"/>
             <a:r>
-              <a:rPr lang="nl-NL" smtClean="0"/>
+              <a:rPr lang="nl-NL"/>
               <a:t>Vijfde niveau</a:t>
             </a:r>
             <a:endParaRPr lang="en-GB"/>
@@ -2437,7 +2405,7 @@
             <a:pPr rtl="0"/>
             <a:fld id="{A866786B-1B0E-4D79-8012-342D473B0383}" type="datetime1">
               <a:rPr lang="nl-NL" noProof="0" smtClean="0"/>
-              <a:t>26-9-2018</a:t>
+              <a:t>10-10-2018</a:t>
             </a:fld>
             <a:endParaRPr lang="nl-NL" noProof="0" dirty="0"/>
           </a:p>
@@ -2460,7 +2428,7 @@
           <a:p>
             <a:pPr rtl="0"/>
             <a:r>
-              <a:rPr lang="nl-NL" noProof="0" smtClean="0"/>
+              <a:rPr lang="nl-NL" noProof="0"/>
               <a:t>Een voettekst toevoegen</a:t>
             </a:r>
             <a:endParaRPr lang="nl-NL" noProof="0" dirty="0"/>
@@ -2485,7 +2453,7 @@
             <a:pPr rtl="0"/>
             <a:fld id="{7DC1BBB0-96F0-4077-A278-0F3FB5C104D3}" type="slidenum">
               <a:rPr lang="nl-NL" noProof="0" smtClean="0"/>
-              <a:t>‹nr.›</a:t>
+              <a:t>‹#›</a:t>
             </a:fld>
             <a:endParaRPr lang="nl-NL" noProof="0" dirty="0"/>
           </a:p>
@@ -2513,13 +2481,6 @@
       </p:transition>
     </mc:Fallback>
   </mc:AlternateContent>
-  <p:timing>
-    <p:tnLst>
-      <p:par>
-        <p:cTn id="1" dur="indefinite" restart="never" nodeType="tmRoot"/>
-      </p:par>
-    </p:tnLst>
-  </p:timing>
 </p:sldLayout>
 </file>
 
@@ -2556,7 +2517,7 @@
           <a:lstStyle/>
           <a:p>
             <a:r>
-              <a:rPr lang="nl-NL" smtClean="0"/>
+              <a:rPr lang="nl-NL"/>
               <a:t>Klik om de stijl te bewerken</a:t>
             </a:r>
             <a:endParaRPr lang="en-GB"/>
@@ -2581,7 +2542,7 @@
             <a:pPr rtl="0"/>
             <a:fld id="{9479008A-7110-49D3-A08C-FC596D8713CB}" type="datetime1">
               <a:rPr lang="nl-NL" noProof="0" smtClean="0"/>
-              <a:t>26-9-2018</a:t>
+              <a:t>10-10-2018</a:t>
             </a:fld>
             <a:endParaRPr lang="nl-NL" noProof="0" dirty="0"/>
           </a:p>
@@ -2604,7 +2565,7 @@
           <a:p>
             <a:pPr rtl="0"/>
             <a:r>
-              <a:rPr lang="nl-NL" noProof="0" smtClean="0"/>
+              <a:rPr lang="nl-NL" noProof="0"/>
               <a:t>Een voettekst toevoegen</a:t>
             </a:r>
             <a:endParaRPr lang="nl-NL" noProof="0" dirty="0"/>
@@ -2629,7 +2590,7 @@
             <a:pPr rtl="0"/>
             <a:fld id="{7DC1BBB0-96F0-4077-A278-0F3FB5C104D3}" type="slidenum">
               <a:rPr lang="nl-NL" noProof="0" smtClean="0"/>
-              <a:t>‹nr.›</a:t>
+              <a:t>‹#›</a:t>
             </a:fld>
             <a:endParaRPr lang="nl-NL" noProof="0" dirty="0"/>
           </a:p>
@@ -2657,13 +2618,6 @@
       </p:transition>
     </mc:Fallback>
   </mc:AlternateContent>
-  <p:timing>
-    <p:tnLst>
-      <p:par>
-        <p:cTn id="1" dur="indefinite" restart="never" nodeType="tmRoot"/>
-      </p:par>
-    </p:tnLst>
-  </p:timing>
 </p:sldLayout>
 </file>
 
@@ -2702,7 +2656,7 @@
             <a:pPr rtl="0"/>
             <a:fld id="{B0980797-328D-4E1A-9313-2192C7581634}" type="datetime1">
               <a:rPr lang="nl-NL" noProof="0" smtClean="0"/>
-              <a:t>26-9-2018</a:t>
+              <a:t>10-10-2018</a:t>
             </a:fld>
             <a:endParaRPr lang="nl-NL" noProof="0" dirty="0"/>
           </a:p>
@@ -2725,7 +2679,7 @@
           <a:p>
             <a:pPr rtl="0"/>
             <a:r>
-              <a:rPr lang="nl-NL" noProof="0" smtClean="0"/>
+              <a:rPr lang="nl-NL" noProof="0"/>
               <a:t>Een voettekst toevoegen</a:t>
             </a:r>
             <a:endParaRPr lang="nl-NL" noProof="0" dirty="0"/>
@@ -2751,7 +2705,7 @@
             <a:fld id="{7DC1BBB0-96F0-4077-A278-0F3FB5C104D3}" type="slidenum">
               <a:rPr lang="nl-NL" noProof="0" smtClean="0"/>
               <a:pPr rtl="0"/>
-              <a:t>‹nr.›</a:t>
+              <a:t>‹#›</a:t>
             </a:fld>
             <a:endParaRPr lang="nl-NL" noProof="0" dirty="0"/>
           </a:p>
@@ -2779,13 +2733,6 @@
       </p:transition>
     </mc:Fallback>
   </mc:AlternateContent>
-  <p:timing>
-    <p:tnLst>
-      <p:par>
-        <p:cTn id="1" dur="indefinite" restart="never" nodeType="tmRoot"/>
-      </p:par>
-    </p:tnLst>
-  </p:timing>
 </p:sldLayout>
 </file>
 
@@ -2831,7 +2778,7 @@
           </a:lstStyle>
           <a:p>
             <a:r>
-              <a:rPr lang="nl-NL" smtClean="0"/>
+              <a:rPr lang="nl-NL"/>
               <a:t>Klik om de stijl te bewerken</a:t>
             </a:r>
             <a:endParaRPr lang="en-GB"/>
@@ -2888,35 +2835,35 @@
           <a:p>
             <a:pPr lvl="0"/>
             <a:r>
-              <a:rPr lang="nl-NL" smtClean="0"/>
+              <a:rPr lang="nl-NL"/>
               <a:t>Klik om de modelstijlen te bewerken</a:t>
             </a:r>
           </a:p>
           <a:p>
             <a:pPr lvl="1"/>
             <a:r>
-              <a:rPr lang="nl-NL" smtClean="0"/>
+              <a:rPr lang="nl-NL"/>
               <a:t>Tweede niveau</a:t>
             </a:r>
           </a:p>
           <a:p>
             <a:pPr lvl="2"/>
             <a:r>
-              <a:rPr lang="nl-NL" smtClean="0"/>
+              <a:rPr lang="nl-NL"/>
               <a:t>Derde niveau</a:t>
             </a:r>
           </a:p>
           <a:p>
             <a:pPr lvl="3"/>
             <a:r>
-              <a:rPr lang="nl-NL" smtClean="0"/>
+              <a:rPr lang="nl-NL"/>
               <a:t>Vierde niveau</a:t>
             </a:r>
           </a:p>
           <a:p>
             <a:pPr lvl="4"/>
             <a:r>
-              <a:rPr lang="nl-NL" smtClean="0"/>
+              <a:rPr lang="nl-NL"/>
               <a:t>Vijfde niveau</a:t>
             </a:r>
             <a:endParaRPr lang="en-GB"/>
@@ -2982,7 +2929,7 @@
           <a:p>
             <a:pPr lvl="0"/>
             <a:r>
-              <a:rPr lang="nl-NL" smtClean="0"/>
+              <a:rPr lang="nl-NL"/>
               <a:t>Klik om de modelstijlen te bewerken</a:t>
             </a:r>
           </a:p>
@@ -3006,7 +2953,7 @@
             <a:pPr rtl="0"/>
             <a:fld id="{BE4C4D19-A41C-4D90-9236-CAB2851A3E19}" type="datetime1">
               <a:rPr lang="nl-NL" noProof="0" smtClean="0"/>
-              <a:t>26-9-2018</a:t>
+              <a:t>10-10-2018</a:t>
             </a:fld>
             <a:endParaRPr lang="nl-NL" noProof="0" dirty="0"/>
           </a:p>
@@ -3029,7 +2976,7 @@
           <a:p>
             <a:pPr rtl="0"/>
             <a:r>
-              <a:rPr lang="nl-NL" noProof="0" smtClean="0"/>
+              <a:rPr lang="nl-NL" noProof="0"/>
               <a:t>Een voettekst toevoegen</a:t>
             </a:r>
             <a:endParaRPr lang="nl-NL" noProof="0" dirty="0"/>
@@ -3054,7 +3001,7 @@
             <a:pPr rtl="0"/>
             <a:fld id="{7DC1BBB0-96F0-4077-A278-0F3FB5C104D3}" type="slidenum">
               <a:rPr lang="nl-NL" noProof="0" smtClean="0"/>
-              <a:t>‹nr.›</a:t>
+              <a:t>‹#›</a:t>
             </a:fld>
             <a:endParaRPr lang="nl-NL" noProof="0" dirty="0"/>
           </a:p>
@@ -3082,13 +3029,6 @@
       </p:transition>
     </mc:Fallback>
   </mc:AlternateContent>
-  <p:timing>
-    <p:tnLst>
-      <p:par>
-        <p:cTn id="1" dur="indefinite" restart="never" nodeType="tmRoot"/>
-      </p:par>
-    </p:tnLst>
-  </p:timing>
 </p:sldLayout>
 </file>
 
@@ -3134,7 +3074,7 @@
           </a:lstStyle>
           <a:p>
             <a:r>
-              <a:rPr lang="nl-NL" smtClean="0"/>
+              <a:rPr lang="nl-NL"/>
               <a:t>Klik om de stijl te bewerken</a:t>
             </a:r>
             <a:endParaRPr lang="en-GB"/>
@@ -3261,7 +3201,7 @@
           <a:p>
             <a:pPr lvl="0"/>
             <a:r>
-              <a:rPr lang="nl-NL" smtClean="0"/>
+              <a:rPr lang="nl-NL"/>
               <a:t>Klik om de modelstijlen te bewerken</a:t>
             </a:r>
           </a:p>
@@ -3285,7 +3225,7 @@
             <a:pPr rtl="0"/>
             <a:fld id="{BC29E7E8-5E92-42B7-BDEF-23F2BE794FA3}" type="datetime1">
               <a:rPr lang="nl-NL" noProof="0" smtClean="0"/>
-              <a:t>26-9-2018</a:t>
+              <a:t>10-10-2018</a:t>
             </a:fld>
             <a:endParaRPr lang="nl-NL" noProof="0" dirty="0"/>
           </a:p>
@@ -3308,7 +3248,7 @@
           <a:p>
             <a:pPr rtl="0"/>
             <a:r>
-              <a:rPr lang="nl-NL" noProof="0" smtClean="0"/>
+              <a:rPr lang="nl-NL" noProof="0"/>
               <a:t>Een voettekst toevoegen</a:t>
             </a:r>
             <a:endParaRPr lang="nl-NL" noProof="0" dirty="0"/>
@@ -3333,7 +3273,7 @@
             <a:pPr rtl="0"/>
             <a:fld id="{7DC1BBB0-96F0-4077-A278-0F3FB5C104D3}" type="slidenum">
               <a:rPr lang="nl-NL" noProof="0" smtClean="0"/>
-              <a:t>‹nr.›</a:t>
+              <a:t>‹#›</a:t>
             </a:fld>
             <a:endParaRPr lang="nl-NL" noProof="0" dirty="0"/>
           </a:p>
@@ -3409,13 +3349,6 @@
       </p:transition>
     </mc:Fallback>
   </mc:AlternateContent>
-  <p:timing>
-    <p:tnLst>
-      <p:par>
-        <p:cTn id="1" dur="indefinite" restart="never" nodeType="tmRoot"/>
-      </p:par>
-    </p:tnLst>
-  </p:timing>
 </p:sldLayout>
 </file>
 
@@ -3467,7 +3400,7 @@
           <a:lstStyle/>
           <a:p>
             <a:r>
-              <a:rPr lang="nl-NL" smtClean="0"/>
+              <a:rPr lang="nl-NL"/>
               <a:t>Klik om de stijl te bewerken</a:t>
             </a:r>
             <a:endParaRPr lang="en-GB"/>
@@ -3501,35 +3434,35 @@
           <a:p>
             <a:pPr lvl="0"/>
             <a:r>
-              <a:rPr lang="nl-NL" smtClean="0"/>
+              <a:rPr lang="nl-NL"/>
               <a:t>Klik om de modelstijlen te bewerken</a:t>
             </a:r>
           </a:p>
           <a:p>
             <a:pPr lvl="1"/>
             <a:r>
-              <a:rPr lang="nl-NL" smtClean="0"/>
+              <a:rPr lang="nl-NL"/>
               <a:t>Tweede niveau</a:t>
             </a:r>
           </a:p>
           <a:p>
             <a:pPr lvl="2"/>
             <a:r>
-              <a:rPr lang="nl-NL" smtClean="0"/>
+              <a:rPr lang="nl-NL"/>
               <a:t>Derde niveau</a:t>
             </a:r>
           </a:p>
           <a:p>
             <a:pPr lvl="3"/>
             <a:r>
-              <a:rPr lang="nl-NL" smtClean="0"/>
+              <a:rPr lang="nl-NL"/>
               <a:t>Vierde niveau</a:t>
             </a:r>
           </a:p>
           <a:p>
             <a:pPr lvl="4"/>
             <a:r>
-              <a:rPr lang="nl-NL" smtClean="0"/>
+              <a:rPr lang="nl-NL"/>
               <a:t>Vijfde niveau</a:t>
             </a:r>
             <a:endParaRPr lang="en-GB"/>
@@ -3572,7 +3505,7 @@
             <a:pPr rtl="0"/>
             <a:fld id="{A330C59B-4812-4B35-9A8F-1CC0C645D246}" type="datetime1">
               <a:rPr lang="nl-NL" noProof="0" smtClean="0"/>
-              <a:t>26-9-2018</a:t>
+              <a:t>10-10-2018</a:t>
             </a:fld>
             <a:endParaRPr lang="nl-NL" noProof="0" dirty="0"/>
           </a:p>
@@ -3613,7 +3546,7 @@
           <a:p>
             <a:pPr rtl="0"/>
             <a:r>
-              <a:rPr lang="nl-NL" noProof="0" smtClean="0"/>
+              <a:rPr lang="nl-NL" noProof="0"/>
               <a:t>Een voettekst toevoegen</a:t>
             </a:r>
             <a:endParaRPr lang="nl-NL" noProof="0" dirty="0"/>
@@ -3657,7 +3590,7 @@
             <a:fld id="{7DC1BBB0-96F0-4077-A278-0F3FB5C104D3}" type="slidenum">
               <a:rPr lang="nl-NL" noProof="0" smtClean="0"/>
               <a:pPr rtl="0"/>
-              <a:t>‹nr.›</a:t>
+              <a:t>‹#›</a:t>
             </a:fld>
             <a:endParaRPr lang="nl-NL" noProof="0" dirty="0"/>
           </a:p>
@@ -3696,13 +3629,6 @@
       </p:transition>
     </mc:Fallback>
   </mc:AlternateContent>
-  <p:timing>
-    <p:tnLst>
-      <p:par>
-        <p:cTn id="1" dur="indefinite" restart="never" nodeType="tmRoot"/>
-      </p:par>
-    </p:tnLst>
-  </p:timing>
   <p:hf sldNum="0" hdr="0" ftr="0" dt="0"/>
   <p:txStyles>
     <p:titleStyle>
@@ -4159,11 +4085,11 @@
   <p:clrMapOvr>
     <a:masterClrMapping/>
   </p:clrMapOvr>
-  <mc:AlternateContent xmlns:mc="http://schemas.openxmlformats.org/markup-compatibility/2006">
-    <mc:Choice xmlns:p14="http://schemas.microsoft.com/office/powerpoint/2010/main" Requires="p14">
+  <mc:AlternateContent xmlns:mc="http://schemas.openxmlformats.org/markup-compatibility/2006" xmlns:p14="http://schemas.microsoft.com/office/powerpoint/2010/main">
+    <mc:Choice Requires="p14">
       <p:transition p14:dur="10"/>
     </mc:Choice>
-    <mc:Fallback>
+    <mc:Fallback xmlns="">
       <p:transition/>
     </mc:Fallback>
   </mc:AlternateContent>
@@ -4227,13 +4153,13 @@
   <p:clrMapOvr>
     <a:masterClrMapping/>
   </p:clrMapOvr>
-  <mc:AlternateContent xmlns:mc="http://schemas.openxmlformats.org/markup-compatibility/2006">
-    <mc:Choice xmlns:p14="http://schemas.microsoft.com/office/powerpoint/2010/main" Requires="p14">
+  <mc:AlternateContent xmlns:mc="http://schemas.openxmlformats.org/markup-compatibility/2006" xmlns:p14="http://schemas.microsoft.com/office/powerpoint/2010/main">
+    <mc:Choice Requires="p14">
       <p:transition spd="med" p14:dur="700">
         <p:fade/>
       </p:transition>
     </mc:Choice>
-    <mc:Fallback>
+    <mc:Fallback xmlns="">
       <p:transition spd="med">
         <p:fade/>
       </p:transition>
@@ -4298,13 +4224,13 @@
   <p:clrMapOvr>
     <a:masterClrMapping/>
   </p:clrMapOvr>
-  <mc:AlternateContent xmlns:mc="http://schemas.openxmlformats.org/markup-compatibility/2006">
-    <mc:Choice xmlns:p14="http://schemas.microsoft.com/office/powerpoint/2010/main" Requires="p14">
+  <mc:AlternateContent xmlns:mc="http://schemas.openxmlformats.org/markup-compatibility/2006" xmlns:p14="http://schemas.microsoft.com/office/powerpoint/2010/main">
+    <mc:Choice Requires="p14">
       <p:transition spd="med" p14:dur="700">
         <p:fade/>
       </p:transition>
     </mc:Choice>
-    <mc:Fallback>
+    <mc:Fallback xmlns="">
       <p:transition spd="med">
         <p:fade/>
       </p:transition>
@@ -4394,7 +4320,7 @@
           <a:lstStyle/>
           <a:p>
             <a:r>
-              <a:rPr lang="en-GB" dirty="0" err="1" smtClean="0"/>
+              <a:rPr lang="en-GB" dirty="0" err="1"/>
               <a:t>Nordenskiöldbreen</a:t>
             </a:r>
             <a:endParaRPr lang="en-GB" dirty="0"/>
@@ -4465,7 +4391,7 @@
           <a:lstStyle/>
           <a:p>
             <a:r>
-              <a:rPr lang="en-GB" dirty="0" err="1" smtClean="0"/>
+              <a:rPr lang="en-GB" dirty="0" err="1"/>
               <a:t>Ulvebreen</a:t>
             </a:r>
             <a:endParaRPr lang="en-GB" dirty="0"/>
@@ -4482,13 +4408,769 @@
   <p:clrMapOvr>
     <a:masterClrMapping/>
   </p:clrMapOvr>
-  <mc:AlternateContent xmlns:mc="http://schemas.openxmlformats.org/markup-compatibility/2006">
-    <mc:Choice xmlns:p14="http://schemas.microsoft.com/office/powerpoint/2010/main" Requires="p14">
+  <mc:AlternateContent xmlns:mc="http://schemas.openxmlformats.org/markup-compatibility/2006" xmlns:p14="http://schemas.microsoft.com/office/powerpoint/2010/main">
+    <mc:Choice Requires="p14">
       <p:transition spd="med" p14:dur="700">
         <p:fade/>
       </p:transition>
     </mc:Choice>
-    <mc:Fallback>
+    <mc:Fallback xmlns="">
+      <p:transition spd="med">
+        <p:fade/>
+      </p:transition>
+    </mc:Fallback>
+  </mc:AlternateContent>
+</p:sld>
+</file>
+
+<file path=ppt/slides/slide5.xml><?xml version="1.0" encoding="utf-8"?>
+<p:sld xmlns:a="http://schemas.openxmlformats.org/drawingml/2006/main" xmlns:r="http://schemas.openxmlformats.org/officeDocument/2006/relationships" xmlns:p="http://schemas.openxmlformats.org/presentationml/2006/main">
+  <p:cSld>
+    <p:spTree>
+      <p:nvGrpSpPr>
+        <p:cNvPr id="1" name=""/>
+        <p:cNvGrpSpPr/>
+        <p:nvPr/>
+      </p:nvGrpSpPr>
+      <p:grpSpPr>
+        <a:xfrm>
+          <a:off x="0" y="0"/>
+          <a:ext cx="0" cy="0"/>
+          <a:chOff x="0" y="0"/>
+          <a:chExt cx="0" cy="0"/>
+        </a:xfrm>
+      </p:grpSpPr>
+      <p:sp>
+        <p:nvSpPr>
+          <p:cNvPr id="2" name="Rectangle 1">
+            <a:extLst>
+              <a:ext uri="{FF2B5EF4-FFF2-40B4-BE49-F238E27FC236}">
+                <a16:creationId xmlns:a16="http://schemas.microsoft.com/office/drawing/2014/main" id="{9F326EE7-D4BC-4F17-86BE-15B273139D16}"/>
+              </a:ext>
+            </a:extLst>
+          </p:cNvPr>
+          <p:cNvSpPr/>
+          <p:nvPr/>
+        </p:nvSpPr>
+        <p:spPr>
+          <a:xfrm>
+            <a:off x="1485900" y="548680"/>
+            <a:ext cx="7556877" cy="5632311"/>
+          </a:xfrm>
+          <a:prstGeom prst="rect">
+            <a:avLst/>
+          </a:prstGeom>
+        </p:spPr>
+        <p:txBody>
+          <a:bodyPr wrap="none">
+            <a:spAutoFit/>
+          </a:bodyPr>
+          <a:lstStyle/>
+          <a:p>
+            <a:r>
+              <a:rPr lang="en-US" dirty="0"/>
+              <a:t>PCA </a:t>
+            </a:r>
+            <a:r>
+              <a:rPr lang="en-US" dirty="0" err="1"/>
+              <a:t>Winddir</a:t>
+            </a:r>
+            <a:endParaRPr lang="en-US" dirty="0"/>
+          </a:p>
+          <a:p>
+            <a:endParaRPr lang="en-US" dirty="0"/>
+          </a:p>
+          <a:p>
+            <a:r>
+              <a:rPr lang="en-US" dirty="0"/>
+              <a:t>[[1.         0.11458907 0.37392154]</a:t>
+            </a:r>
+          </a:p>
+          <a:p>
+            <a:r>
+              <a:rPr lang="en-US" dirty="0"/>
+              <a:t> [0.11458907 1.         0.56317597]</a:t>
+            </a:r>
+          </a:p>
+          <a:p>
+            <a:r>
+              <a:rPr lang="en-US" dirty="0"/>
+              <a:t> [0.37392154 0.56317597 1.        ]]</a:t>
+            </a:r>
+          </a:p>
+          <a:p>
+            <a:r>
+              <a:rPr lang="en-US" dirty="0"/>
+              <a:t>eigenvalues:  [1.73214264+0.j 0.89487026+0.j 0.3729871 +0.j]</a:t>
+            </a:r>
+          </a:p>
+          <a:p>
+            <a:r>
+              <a:rPr lang="en-US" dirty="0"/>
+              <a:t>Eigenvalue 1 =  1.7321426407196063</a:t>
+            </a:r>
+          </a:p>
+          <a:p>
+            <a:r>
+              <a:rPr lang="en-US" dirty="0"/>
+              <a:t>Eigenvalue 2 =  0.8948702586896115</a:t>
+            </a:r>
+          </a:p>
+          <a:p>
+            <a:r>
+              <a:rPr lang="en-US" dirty="0"/>
+              <a:t>Eigenvalue 3 =  0.37298710059078394</a:t>
+            </a:r>
+          </a:p>
+          <a:p>
+            <a:r>
+              <a:rPr lang="en-US" dirty="0"/>
+              <a:t>Variance of total data:</a:t>
+            </a:r>
+          </a:p>
+          <a:p>
+            <a:r>
+              <a:rPr lang="en-US" dirty="0"/>
+              <a:t>Eigenvalue 1 =  57.738088023986876</a:t>
+            </a:r>
+          </a:p>
+          <a:p>
+            <a:r>
+              <a:rPr lang="en-US" dirty="0"/>
+              <a:t>Eigenvalue 2 =  29.829008622987047</a:t>
+            </a:r>
+          </a:p>
+          <a:p>
+            <a:r>
+              <a:rPr lang="en-US" dirty="0"/>
+              <a:t>Eigenvalue 3 =  12.43290335302613</a:t>
+            </a:r>
+          </a:p>
+          <a:p>
+            <a:r>
+              <a:rPr lang="en-US" dirty="0"/>
+              <a:t>eigenvectors: </a:t>
+            </a:r>
+          </a:p>
+          <a:p>
+            <a:r>
+              <a:rPr lang="en-US" dirty="0"/>
+              <a:t>[[-0.43855177 -0.83699375 -0.32728245]</a:t>
+            </a:r>
+          </a:p>
+          <a:p>
+            <a:r>
+              <a:rPr lang="en-US" dirty="0"/>
+              <a:t> [-0.59006219  0.54284893 -0.5976133 ]</a:t>
+            </a:r>
+          </a:p>
+          <a:p>
+            <a:r>
+              <a:rPr lang="en-US" dirty="0"/>
+              <a:t> [-0.67786353  0.06896737  0.73194572]]</a:t>
+            </a:r>
+          </a:p>
+          <a:p>
+            <a:r>
+              <a:rPr lang="en-US" dirty="0"/>
+              <a:t>number 1: -0.4385517669693483 -0.590062185949309 -0.6778635293337335</a:t>
+            </a:r>
+          </a:p>
+          <a:p>
+            <a:r>
+              <a:rPr lang="en-US" dirty="0"/>
+              <a:t>number 2: -0.836993753714971 0.5428489275313869 0.06896736996685765</a:t>
+            </a:r>
+          </a:p>
+          <a:p>
+            <a:r>
+              <a:rPr lang="en-US" dirty="0"/>
+              <a:t>number 3: -0.3272824528296397 -0.5976133018857139 0.731945720309279</a:t>
+            </a:r>
+            <a:endParaRPr lang="en-NL" dirty="0"/>
+          </a:p>
+        </p:txBody>
+      </p:sp>
+    </p:spTree>
+    <p:extLst>
+      <p:ext uri="{BB962C8B-B14F-4D97-AF65-F5344CB8AC3E}">
+        <p14:creationId xmlns:p14="http://schemas.microsoft.com/office/powerpoint/2010/main" val="2752934820"/>
+      </p:ext>
+    </p:extLst>
+  </p:cSld>
+  <p:clrMapOvr>
+    <a:masterClrMapping/>
+  </p:clrMapOvr>
+  <mc:AlternateContent xmlns:mc="http://schemas.openxmlformats.org/markup-compatibility/2006" xmlns:p14="http://schemas.microsoft.com/office/powerpoint/2010/main">
+    <mc:Choice Requires="p14">
+      <p:transition spd="med" p14:dur="700">
+        <p:fade/>
+      </p:transition>
+    </mc:Choice>
+    <mc:Fallback xmlns="">
+      <p:transition spd="med">
+        <p:fade/>
+      </p:transition>
+    </mc:Fallback>
+  </mc:AlternateContent>
+</p:sld>
+</file>
+
+<file path=ppt/slides/slide6.xml><?xml version="1.0" encoding="utf-8"?>
+<p:sld xmlns:a="http://schemas.openxmlformats.org/drawingml/2006/main" xmlns:r="http://schemas.openxmlformats.org/officeDocument/2006/relationships" xmlns:p="http://schemas.openxmlformats.org/presentationml/2006/main">
+  <p:cSld>
+    <p:spTree>
+      <p:nvGrpSpPr>
+        <p:cNvPr id="1" name=""/>
+        <p:cNvGrpSpPr/>
+        <p:nvPr/>
+      </p:nvGrpSpPr>
+      <p:grpSpPr>
+        <a:xfrm>
+          <a:off x="0" y="0"/>
+          <a:ext cx="0" cy="0"/>
+          <a:chOff x="0" y="0"/>
+          <a:chExt cx="0" cy="0"/>
+        </a:xfrm>
+      </p:grpSpPr>
+      <p:sp>
+        <p:nvSpPr>
+          <p:cNvPr id="2" name="Rectangle 1">
+            <a:extLst>
+              <a:ext uri="{FF2B5EF4-FFF2-40B4-BE49-F238E27FC236}">
+                <a16:creationId xmlns:a16="http://schemas.microsoft.com/office/drawing/2014/main" id="{E1B25272-0DF4-4AEB-AF59-6E8AB4E1144D}"/>
+              </a:ext>
+            </a:extLst>
+          </p:cNvPr>
+          <p:cNvSpPr/>
+          <p:nvPr/>
+        </p:nvSpPr>
+        <p:spPr>
+          <a:xfrm>
+            <a:off x="909836" y="374214"/>
+            <a:ext cx="6092825" cy="6463308"/>
+          </a:xfrm>
+          <a:prstGeom prst="rect">
+            <a:avLst/>
+          </a:prstGeom>
+        </p:spPr>
+        <p:txBody>
+          <a:bodyPr>
+            <a:spAutoFit/>
+          </a:bodyPr>
+          <a:lstStyle/>
+          <a:p>
+            <a:r>
+              <a:rPr lang="en-US" dirty="0"/>
+              <a:t>PCA Windspeed</a:t>
+            </a:r>
+          </a:p>
+          <a:p>
+            <a:endParaRPr lang="en-US" dirty="0"/>
+          </a:p>
+          <a:p>
+            <a:r>
+              <a:rPr lang="en-NL" dirty="0"/>
+              <a:t>[[1.         0.62589092 0.63877069]</a:t>
+            </a:r>
+          </a:p>
+          <a:p>
+            <a:r>
+              <a:rPr lang="en-NL" dirty="0"/>
+              <a:t> [0.62589092 1.         0.69326062]</a:t>
+            </a:r>
+          </a:p>
+          <a:p>
+            <a:r>
+              <a:rPr lang="en-NL" dirty="0"/>
+              <a:t> [0.63877069 0.69326062 1.        ]]</a:t>
+            </a:r>
+          </a:p>
+          <a:p>
+            <a:r>
+              <a:rPr lang="en-NL" dirty="0"/>
+              <a:t>eigenvalues:  [2.30572493+0.j 0.38824158+0.j 0.30603349+0.j]</a:t>
+            </a:r>
+          </a:p>
+          <a:p>
+            <a:r>
+              <a:rPr lang="en-NL" dirty="0"/>
+              <a:t>Eigenvalue 1 =  2.30572492652982</a:t>
+            </a:r>
+          </a:p>
+          <a:p>
+            <a:r>
+              <a:rPr lang="en-NL" dirty="0"/>
+              <a:t>Eigenvalue 2 =  0.3882415812665583</a:t>
+            </a:r>
+          </a:p>
+          <a:p>
+            <a:r>
+              <a:rPr lang="en-NL" dirty="0"/>
+              <a:t>Eigenvalue 3 =  0.3060334922036205</a:t>
+            </a:r>
+          </a:p>
+          <a:p>
+            <a:r>
+              <a:rPr lang="en-NL" dirty="0"/>
+              <a:t>Variance of total data:</a:t>
+            </a:r>
+          </a:p>
+          <a:p>
+            <a:r>
+              <a:rPr lang="en-NL" dirty="0"/>
+              <a:t>Eigenvalue 1 =  76.857497550994</a:t>
+            </a:r>
+          </a:p>
+          <a:p>
+            <a:r>
+              <a:rPr lang="en-NL" dirty="0"/>
+              <a:t>Eigenvalue 2 =  12.941386042218609</a:t>
+            </a:r>
+          </a:p>
+          <a:p>
+            <a:r>
+              <a:rPr lang="en-NL" dirty="0"/>
+              <a:t>Eigenvalue 3 =  10.201116406787351</a:t>
+            </a:r>
+          </a:p>
+          <a:p>
+            <a:r>
+              <a:rPr lang="en-NL" dirty="0"/>
+              <a:t>eigenvectors: </a:t>
+            </a:r>
+          </a:p>
+          <a:p>
+            <a:r>
+              <a:rPr lang="en-NL" dirty="0"/>
+              <a:t>[[ 0.56506437  0.82142899 -0.07717944]</a:t>
+            </a:r>
+          </a:p>
+          <a:p>
+            <a:r>
+              <a:rPr lang="en-NL" dirty="0"/>
+              <a:t> [ 0.58157296 -0.46291829 -0.66893912]</a:t>
+            </a:r>
+          </a:p>
+          <a:p>
+            <a:r>
+              <a:rPr lang="en-NL" dirty="0"/>
+              <a:t> [ 0.58521376 -0.33310818  0.73929953]]</a:t>
+            </a:r>
+          </a:p>
+          <a:p>
+            <a:r>
+              <a:rPr lang="en-NL" dirty="0"/>
+              <a:t>number 1: 0.5650643708906329 0.5815729647028391 0.585213758789661</a:t>
+            </a:r>
+          </a:p>
+          <a:p>
+            <a:r>
+              <a:rPr lang="en-NL" dirty="0"/>
+              <a:t>number 2: 0.8214289931302869 -0.46291829370832854 -0.3331081845213845</a:t>
+            </a:r>
+          </a:p>
+          <a:p>
+            <a:r>
+              <a:rPr lang="en-NL" dirty="0"/>
+              <a:t>number 3: -0.07717944023466546 -0.6689391153736788 0.7392995292357111</a:t>
+            </a:r>
+          </a:p>
+        </p:txBody>
+      </p:sp>
+    </p:spTree>
+    <p:extLst>
+      <p:ext uri="{BB962C8B-B14F-4D97-AF65-F5344CB8AC3E}">
+        <p14:creationId xmlns:p14="http://schemas.microsoft.com/office/powerpoint/2010/main" val="722039877"/>
+      </p:ext>
+    </p:extLst>
+  </p:cSld>
+  <p:clrMapOvr>
+    <a:masterClrMapping/>
+  </p:clrMapOvr>
+  <mc:AlternateContent xmlns:mc="http://schemas.openxmlformats.org/markup-compatibility/2006" xmlns:p14="http://schemas.microsoft.com/office/powerpoint/2010/main">
+    <mc:Choice Requires="p14">
+      <p:transition spd="med" p14:dur="700">
+        <p:fade/>
+      </p:transition>
+    </mc:Choice>
+    <mc:Fallback xmlns="">
+      <p:transition spd="med">
+        <p:fade/>
+      </p:transition>
+    </mc:Fallback>
+  </mc:AlternateContent>
+</p:sld>
+</file>
+
+<file path=ppt/slides/slide7.xml><?xml version="1.0" encoding="utf-8"?>
+<p:sld xmlns:a="http://schemas.openxmlformats.org/drawingml/2006/main" xmlns:r="http://schemas.openxmlformats.org/officeDocument/2006/relationships" xmlns:p="http://schemas.openxmlformats.org/presentationml/2006/main">
+  <p:cSld>
+    <p:spTree>
+      <p:nvGrpSpPr>
+        <p:cNvPr id="1" name=""/>
+        <p:cNvGrpSpPr/>
+        <p:nvPr/>
+      </p:nvGrpSpPr>
+      <p:grpSpPr>
+        <a:xfrm>
+          <a:off x="0" y="0"/>
+          <a:ext cx="0" cy="0"/>
+          <a:chOff x="0" y="0"/>
+          <a:chExt cx="0" cy="0"/>
+        </a:xfrm>
+      </p:grpSpPr>
+      <p:sp>
+        <p:nvSpPr>
+          <p:cNvPr id="2" name="Rectangle 1">
+            <a:extLst>
+              <a:ext uri="{FF2B5EF4-FFF2-40B4-BE49-F238E27FC236}">
+                <a16:creationId xmlns:a16="http://schemas.microsoft.com/office/drawing/2014/main" id="{9AB7D132-E3E3-4CFF-80F3-DC379BA4B8FE}"/>
+              </a:ext>
+            </a:extLst>
+          </p:cNvPr>
+          <p:cNvSpPr/>
+          <p:nvPr/>
+        </p:nvSpPr>
+        <p:spPr>
+          <a:xfrm>
+            <a:off x="693812" y="476672"/>
+            <a:ext cx="6092825" cy="6186309"/>
+          </a:xfrm>
+          <a:prstGeom prst="rect">
+            <a:avLst/>
+          </a:prstGeom>
+        </p:spPr>
+        <p:txBody>
+          <a:bodyPr>
+            <a:spAutoFit/>
+          </a:bodyPr>
+          <a:lstStyle/>
+          <a:p>
+            <a:r>
+              <a:rPr lang="en-US" dirty="0"/>
+              <a:t>PCA T-2m TA</a:t>
+            </a:r>
+          </a:p>
+          <a:p>
+            <a:r>
+              <a:rPr lang="en-NL" dirty="0"/>
+              <a:t>[[1.         0.96744203 0.95924812]</a:t>
+            </a:r>
+          </a:p>
+          <a:p>
+            <a:r>
+              <a:rPr lang="en-NL" dirty="0"/>
+              <a:t> [0.96744203 1.         0.96819833]</a:t>
+            </a:r>
+          </a:p>
+          <a:p>
+            <a:r>
+              <a:rPr lang="en-NL" dirty="0"/>
+              <a:t> [0.95924812 0.96819833 1.        ]]</a:t>
+            </a:r>
+          </a:p>
+          <a:p>
+            <a:r>
+              <a:rPr lang="en-NL" dirty="0"/>
+              <a:t>eigenvalues:  [2.92993131+0.j 0.04076847+0.j 0.02930022+0.j]</a:t>
+            </a:r>
+          </a:p>
+          <a:p>
+            <a:r>
+              <a:rPr lang="en-NL" dirty="0"/>
+              <a:t>Eigenvalue 1 =  2.929931311987825</a:t>
+            </a:r>
+          </a:p>
+          <a:p>
+            <a:r>
+              <a:rPr lang="en-NL" dirty="0"/>
+              <a:t>Eigenvalue 2 =  0.04076846661638439</a:t>
+            </a:r>
+          </a:p>
+          <a:p>
+            <a:r>
+              <a:rPr lang="en-NL" dirty="0"/>
+              <a:t>Eigenvalue 3 =  0.029300221395791408</a:t>
+            </a:r>
+          </a:p>
+          <a:p>
+            <a:r>
+              <a:rPr lang="en-NL" dirty="0"/>
+              <a:t>Variance of total data:</a:t>
+            </a:r>
+          </a:p>
+          <a:p>
+            <a:r>
+              <a:rPr lang="en-NL" dirty="0"/>
+              <a:t>Eigenvalue 1 =  97.66437706626084</a:t>
+            </a:r>
+          </a:p>
+          <a:p>
+            <a:r>
+              <a:rPr lang="en-NL" dirty="0"/>
+              <a:t>Eigenvalue 2 =  1.358948887212813</a:t>
+            </a:r>
+          </a:p>
+          <a:p>
+            <a:r>
+              <a:rPr lang="en-NL" dirty="0"/>
+              <a:t>Eigenvalue 3 =  0.9766740465263802</a:t>
+            </a:r>
+          </a:p>
+          <a:p>
+            <a:r>
+              <a:rPr lang="en-NL" dirty="0"/>
+              <a:t>eigenvectors: </a:t>
+            </a:r>
+          </a:p>
+          <a:p>
+            <a:r>
+              <a:rPr lang="en-NL" dirty="0"/>
+              <a:t>[[-0.57670524 -0.72222661  0.38183737]</a:t>
+            </a:r>
+          </a:p>
+          <a:p>
+            <a:r>
+              <a:rPr lang="en-NL" dirty="0"/>
+              <a:t> [-0.5784872   0.03098743 -0.81510266]</a:t>
+            </a:r>
+          </a:p>
+          <a:p>
+            <a:r>
+              <a:rPr lang="en-NL" dirty="0"/>
+              <a:t> [-0.57685667  0.69096201  0.43566946]]</a:t>
+            </a:r>
+          </a:p>
+          <a:p>
+            <a:r>
+              <a:rPr lang="en-NL" dirty="0"/>
+              <a:t>number 1: -0.5767052431704728 -0.5784871988297967 -0.5768566748246406</a:t>
+            </a:r>
+          </a:p>
+          <a:p>
+            <a:r>
+              <a:rPr lang="en-NL" dirty="0"/>
+              <a:t>number 2: -0.7222266147466163 0.030987425819239345 0.6909620079228234</a:t>
+            </a:r>
+          </a:p>
+          <a:p>
+            <a:r>
+              <a:rPr lang="en-NL" dirty="0"/>
+              <a:t>number 3: 0.3818373730416173 -0.8151026562532794 0.435669462227415</a:t>
+            </a:r>
+          </a:p>
+        </p:txBody>
+      </p:sp>
+    </p:spTree>
+    <p:extLst>
+      <p:ext uri="{BB962C8B-B14F-4D97-AF65-F5344CB8AC3E}">
+        <p14:creationId xmlns:p14="http://schemas.microsoft.com/office/powerpoint/2010/main" val="2874328257"/>
+      </p:ext>
+    </p:extLst>
+  </p:cSld>
+  <p:clrMapOvr>
+    <a:masterClrMapping/>
+  </p:clrMapOvr>
+  <mc:AlternateContent xmlns:mc="http://schemas.openxmlformats.org/markup-compatibility/2006" xmlns:p14="http://schemas.microsoft.com/office/powerpoint/2010/main">
+    <mc:Choice Requires="p14">
+      <p:transition spd="med" p14:dur="700">
+        <p:fade/>
+      </p:transition>
+    </mc:Choice>
+    <mc:Fallback xmlns="">
+      <p:transition spd="med">
+        <p:fade/>
+      </p:transition>
+    </mc:Fallback>
+  </mc:AlternateContent>
+</p:sld>
+</file>
+
+<file path=ppt/slides/slide8.xml><?xml version="1.0" encoding="utf-8"?>
+<p:sld xmlns:a="http://schemas.openxmlformats.org/drawingml/2006/main" xmlns:r="http://schemas.openxmlformats.org/officeDocument/2006/relationships" xmlns:p="http://schemas.openxmlformats.org/presentationml/2006/main">
+  <p:cSld>
+    <p:spTree>
+      <p:nvGrpSpPr>
+        <p:cNvPr id="1" name=""/>
+        <p:cNvGrpSpPr/>
+        <p:nvPr/>
+      </p:nvGrpSpPr>
+      <p:grpSpPr>
+        <a:xfrm>
+          <a:off x="0" y="0"/>
+          <a:ext cx="0" cy="0"/>
+          <a:chOff x="0" y="0"/>
+          <a:chExt cx="0" cy="0"/>
+        </a:xfrm>
+      </p:grpSpPr>
+      <p:sp>
+        <p:nvSpPr>
+          <p:cNvPr id="2" name="Rectangle 1">
+            <a:extLst>
+              <a:ext uri="{FF2B5EF4-FFF2-40B4-BE49-F238E27FC236}">
+                <a16:creationId xmlns:a16="http://schemas.microsoft.com/office/drawing/2014/main" id="{A969AED3-5A09-440D-BBAA-0541063F26EC}"/>
+              </a:ext>
+            </a:extLst>
+          </p:cNvPr>
+          <p:cNvSpPr/>
+          <p:nvPr/>
+        </p:nvSpPr>
+        <p:spPr>
+          <a:xfrm>
+            <a:off x="333772" y="394692"/>
+            <a:ext cx="6092825" cy="6463308"/>
+          </a:xfrm>
+          <a:prstGeom prst="rect">
+            <a:avLst/>
+          </a:prstGeom>
+        </p:spPr>
+        <p:txBody>
+          <a:bodyPr>
+            <a:spAutoFit/>
+          </a:bodyPr>
+          <a:lstStyle/>
+          <a:p>
+            <a:r>
+              <a:rPr lang="en-US" dirty="0"/>
+              <a:t>PCA P </a:t>
+            </a:r>
+            <a:r>
+              <a:rPr lang="en-US" dirty="0" err="1"/>
+              <a:t>luchtdruk</a:t>
+            </a:r>
+            <a:endParaRPr lang="en-US" dirty="0"/>
+          </a:p>
+          <a:p>
+            <a:endParaRPr lang="en-US" dirty="0"/>
+          </a:p>
+          <a:p>
+            <a:r>
+              <a:rPr lang="en-NL" dirty="0"/>
+              <a:t>[[1.         0.87833401 0.99169127]</a:t>
+            </a:r>
+          </a:p>
+          <a:p>
+            <a:r>
+              <a:rPr lang="en-NL" dirty="0"/>
+              <a:t> [0.87833401 1.         0.87540947]</a:t>
+            </a:r>
+          </a:p>
+          <a:p>
+            <a:r>
+              <a:rPr lang="en-NL" dirty="0"/>
+              <a:t> [0.99169127 0.87540947 1.        ]]</a:t>
+            </a:r>
+          </a:p>
+          <a:p>
+            <a:r>
+              <a:rPr lang="en-NL" dirty="0"/>
+              <a:t>eigenvalues:  [2.83138757+0.j 0.00828897+0.j 0.16032346+0.j]</a:t>
+            </a:r>
+          </a:p>
+          <a:p>
+            <a:r>
+              <a:rPr lang="en-NL" dirty="0"/>
+              <a:t>Eigenvalue 1 =  2.8313875658218937</a:t>
+            </a:r>
+          </a:p>
+          <a:p>
+            <a:r>
+              <a:rPr lang="en-NL" dirty="0"/>
+              <a:t>Eigenvalue 2 =  0.16032346392847416</a:t>
+            </a:r>
+          </a:p>
+          <a:p>
+            <a:r>
+              <a:rPr lang="en-NL" dirty="0"/>
+              <a:t>Eigenvalue 3 =  0.008288970249631876</a:t>
+            </a:r>
+          </a:p>
+          <a:p>
+            <a:r>
+              <a:rPr lang="en-NL" dirty="0"/>
+              <a:t>Variance of total data:</a:t>
+            </a:r>
+          </a:p>
+          <a:p>
+            <a:r>
+              <a:rPr lang="en-NL" dirty="0"/>
+              <a:t>Eigenvalue 1 =  94.37958552739646</a:t>
+            </a:r>
+          </a:p>
+          <a:p>
+            <a:r>
+              <a:rPr lang="en-NL" dirty="0"/>
+              <a:t>Eigenvalue 2 =  5.344115464282472</a:t>
+            </a:r>
+          </a:p>
+          <a:p>
+            <a:r>
+              <a:rPr lang="en-NL" dirty="0"/>
+              <a:t>Eigenvalue 3 =  0.2762990083210625</a:t>
+            </a:r>
+          </a:p>
+          <a:p>
+            <a:r>
+              <a:rPr lang="en-NL" dirty="0"/>
+              <a:t>eigenvectors: </a:t>
+            </a:r>
+          </a:p>
+          <a:p>
+            <a:r>
+              <a:rPr lang="en-NL" dirty="0"/>
+              <a:t>[[-0.58579632 -0.71128698  0.38847587]</a:t>
+            </a:r>
+          </a:p>
+          <a:p>
+            <a:r>
+              <a:rPr lang="en-NL" dirty="0"/>
+              <a:t> [-0.56068307  0.00955682 -0.82797534]</a:t>
+            </a:r>
+          </a:p>
+          <a:p>
+            <a:r>
+              <a:rPr lang="en-NL" dirty="0"/>
+              <a:t> [-0.58521549  0.70283675  0.40440492]]</a:t>
+            </a:r>
+          </a:p>
+          <a:p>
+            <a:r>
+              <a:rPr lang="en-NL" dirty="0"/>
+              <a:t>number 1: -0.5857963198528137 -0.5606830721903274 -0.585215485275395</a:t>
+            </a:r>
+          </a:p>
+          <a:p>
+            <a:r>
+              <a:rPr lang="en-NL" dirty="0"/>
+              <a:t>number 2: -0.7112869805196672 0.00955681647707408 0.7028367510325838</a:t>
+            </a:r>
+          </a:p>
+          <a:p>
+            <a:r>
+              <a:rPr lang="en-NL" dirty="0"/>
+              <a:t>number 3: 0.3884758718248986 -0.8279753376870833 0.4044049173685274</a:t>
+            </a:r>
+          </a:p>
+        </p:txBody>
+      </p:sp>
+    </p:spTree>
+    <p:extLst>
+      <p:ext uri="{BB962C8B-B14F-4D97-AF65-F5344CB8AC3E}">
+        <p14:creationId xmlns:p14="http://schemas.microsoft.com/office/powerpoint/2010/main" val="1305984340"/>
+      </p:ext>
+    </p:extLst>
+  </p:cSld>
+  <p:clrMapOvr>
+    <a:masterClrMapping/>
+  </p:clrMapOvr>
+  <mc:AlternateContent xmlns:mc="http://schemas.openxmlformats.org/markup-compatibility/2006" xmlns:p14="http://schemas.microsoft.com/office/powerpoint/2010/main">
+    <mc:Choice Requires="p14">
+      <p:transition spd="med" p14:dur="700">
+        <p:fade/>
+      </p:transition>
+    </mc:Choice>
+    <mc:Fallback xmlns="">
       <p:transition spd="med">
         <p:fade/>
       </p:transition>

--- a/presentatie/plaatjes.pptx
+++ b/presentatie/plaatjes.pptx
@@ -5,10 +5,10 @@
     <p:sldMasterId id="2147483720" r:id="rId4"/>
   </p:sldMasterIdLst>
   <p:notesMasterIdLst>
-    <p:notesMasterId r:id="rId13"/>
+    <p:notesMasterId r:id="rId14"/>
   </p:notesMasterIdLst>
   <p:handoutMasterIdLst>
-    <p:handoutMasterId r:id="rId14"/>
+    <p:handoutMasterId r:id="rId15"/>
   </p:handoutMasterIdLst>
   <p:sldIdLst>
     <p:sldId id="259" r:id="rId5"/>
@@ -19,6 +19,7 @@
     <p:sldId id="264" r:id="rId10"/>
     <p:sldId id="265" r:id="rId11"/>
     <p:sldId id="266" r:id="rId12"/>
+    <p:sldId id="267" r:id="rId13"/>
   </p:sldIdLst>
   <p:sldSz cx="12188825" cy="6858000"/>
   <p:notesSz cx="6858000" cy="9144000"/>
@@ -259,7 +260,7 @@
             <a:pPr rtl="0"/>
             <a:fld id="{3A6FBF1E-C4F2-4243-9DC6-F239D845E59F}" type="datetime1">
               <a:rPr lang="nl-NL" smtClean="0"/>
-              <a:t>10-10-2018</a:t>
+              <a:t>16-10-2018</a:t>
             </a:fld>
             <a:endParaRPr lang="nl-NL" dirty="0"/>
           </a:p>
@@ -327,7 +328,7 @@
             <a:pPr rtl="0"/>
             <a:fld id="{04360E59-1627-4404-ACC5-51C744AB0F27}" type="slidenum">
               <a:rPr lang="nl-NL" smtClean="0"/>
-              <a:t>‹#›</a:t>
+              <a:t>‹nr.›</a:t>
             </a:fld>
             <a:endParaRPr lang="nl-NL" dirty="0"/>
           </a:p>
@@ -436,7 +437,7 @@
             <a:fld id="{4B7914FC-CF06-4AB5-AD3F-8E162DDC032C}" type="datetime1">
               <a:rPr lang="nl-NL" smtClean="0"/>
               <a:pPr/>
-              <a:t>10-10-2018</a:t>
+              <a:t>16-10-2018</a:t>
             </a:fld>
             <a:endParaRPr lang="nl-NL" dirty="0"/>
           </a:p>
@@ -606,7 +607,7 @@
             <a:fld id="{841221E5-7225-48EB-A4EE-420E7BFCF705}" type="slidenum">
               <a:rPr lang="nl-NL" noProof="0" smtClean="0"/>
               <a:pPr rtl="0"/>
-              <a:t>‹#›</a:t>
+              <a:t>‹nr.›</a:t>
             </a:fld>
             <a:endParaRPr lang="nl-NL" noProof="0" dirty="0"/>
           </a:p>
@@ -934,7 +935,7 @@
             <a:pPr rtl="0"/>
             <a:fld id="{5BE58D0C-B18C-4E45-B9D5-64B93015D0F3}" type="datetime1">
               <a:rPr lang="nl-NL" noProof="0" smtClean="0"/>
-              <a:t>10-10-2018</a:t>
+              <a:t>16-10-2018</a:t>
             </a:fld>
             <a:endParaRPr lang="nl-NL" noProof="0" dirty="0"/>
           </a:p>
@@ -983,7 +984,7 @@
             <a:fld id="{7DC1BBB0-96F0-4077-A278-0F3FB5C104D3}" type="slidenum">
               <a:rPr lang="nl-NL" noProof="0" smtClean="0"/>
               <a:pPr rtl="0"/>
-              <a:t>‹#›</a:t>
+              <a:t>‹nr.›</a:t>
             </a:fld>
             <a:endParaRPr lang="nl-NL" noProof="0" dirty="0"/>
           </a:p>
@@ -1124,7 +1125,7 @@
             <a:pPr rtl="0"/>
             <a:fld id="{DEEB18D8-77BC-425C-AF0A-16DB76946B9E}" type="datetime1">
               <a:rPr lang="nl-NL" noProof="0" smtClean="0"/>
-              <a:t>10-10-2018</a:t>
+              <a:t>16-10-2018</a:t>
             </a:fld>
             <a:endParaRPr lang="nl-NL" noProof="0" dirty="0"/>
           </a:p>
@@ -1172,7 +1173,7 @@
             <a:pPr rtl="0"/>
             <a:fld id="{7DC1BBB0-96F0-4077-A278-0F3FB5C104D3}" type="slidenum">
               <a:rPr lang="nl-NL" noProof="0" smtClean="0"/>
-              <a:t>‹#›</a:t>
+              <a:t>‹nr.›</a:t>
             </a:fld>
             <a:endParaRPr lang="nl-NL" noProof="0" dirty="0"/>
           </a:p>
@@ -1323,7 +1324,7 @@
             <a:pPr rtl="0"/>
             <a:fld id="{29970CB2-6E4B-4EFE-B0F6-784A8BFA68C0}" type="datetime1">
               <a:rPr lang="nl-NL" noProof="0" smtClean="0"/>
-              <a:t>10-10-2018</a:t>
+              <a:t>16-10-2018</a:t>
             </a:fld>
             <a:endParaRPr lang="nl-NL" noProof="0" dirty="0"/>
           </a:p>
@@ -1371,7 +1372,7 @@
             <a:pPr rtl="0"/>
             <a:fld id="{7DC1BBB0-96F0-4077-A278-0F3FB5C104D3}" type="slidenum">
               <a:rPr lang="nl-NL" noProof="0" smtClean="0"/>
-              <a:t>‹#›</a:t>
+              <a:t>‹nr.›</a:t>
             </a:fld>
             <a:endParaRPr lang="nl-NL" noProof="0" dirty="0"/>
           </a:p>
@@ -1512,7 +1513,7 @@
             <a:pPr rtl="0"/>
             <a:fld id="{A330C59B-4812-4B35-9A8F-1CC0C645D246}" type="datetime1">
               <a:rPr lang="nl-NL" noProof="0" smtClean="0"/>
-              <a:t>10-10-2018</a:t>
+              <a:t>16-10-2018</a:t>
             </a:fld>
             <a:endParaRPr lang="nl-NL" noProof="0" dirty="0"/>
           </a:p>
@@ -1561,7 +1562,7 @@
             <a:fld id="{7DC1BBB0-96F0-4077-A278-0F3FB5C104D3}" type="slidenum">
               <a:rPr lang="nl-NL" noProof="0" smtClean="0"/>
               <a:pPr rtl="0"/>
-              <a:t>‹#›</a:t>
+              <a:t>‹nr.›</a:t>
             </a:fld>
             <a:endParaRPr lang="nl-NL" noProof="0" dirty="0"/>
           </a:p>
@@ -1767,7 +1768,7 @@
             <a:pPr rtl="0"/>
             <a:fld id="{D31A0523-37D0-4B74-AE8E-62ED3A51897B}" type="datetime1">
               <a:rPr lang="nl-NL" noProof="0" smtClean="0"/>
-              <a:t>10-10-2018</a:t>
+              <a:t>16-10-2018</a:t>
             </a:fld>
             <a:endParaRPr lang="nl-NL" noProof="0" dirty="0"/>
           </a:p>
@@ -1816,7 +1817,7 @@
             <a:fld id="{7DC1BBB0-96F0-4077-A278-0F3FB5C104D3}" type="slidenum">
               <a:rPr lang="nl-NL" noProof="0" smtClean="0"/>
               <a:pPr rtl="0"/>
-              <a:t>‹#›</a:t>
+              <a:t>‹nr.›</a:t>
             </a:fld>
             <a:endParaRPr lang="nl-NL" noProof="0" dirty="0"/>
           </a:p>
@@ -2019,7 +2020,7 @@
             <a:pPr rtl="0"/>
             <a:fld id="{25DC63D1-86E4-48D8-B161-F942E19FD40F}" type="datetime1">
               <a:rPr lang="nl-NL" noProof="0" smtClean="0"/>
-              <a:t>10-10-2018</a:t>
+              <a:t>16-10-2018</a:t>
             </a:fld>
             <a:endParaRPr lang="nl-NL" noProof="0" dirty="0"/>
           </a:p>
@@ -2067,7 +2068,7 @@
             <a:pPr rtl="0"/>
             <a:fld id="{7DC1BBB0-96F0-4077-A278-0F3FB5C104D3}" type="slidenum">
               <a:rPr lang="nl-NL" noProof="0" smtClean="0"/>
-              <a:t>‹#›</a:t>
+              <a:t>‹nr.›</a:t>
             </a:fld>
             <a:endParaRPr lang="nl-NL" noProof="0" dirty="0"/>
           </a:p>
@@ -2405,7 +2406,7 @@
             <a:pPr rtl="0"/>
             <a:fld id="{A866786B-1B0E-4D79-8012-342D473B0383}" type="datetime1">
               <a:rPr lang="nl-NL" noProof="0" smtClean="0"/>
-              <a:t>10-10-2018</a:t>
+              <a:t>16-10-2018</a:t>
             </a:fld>
             <a:endParaRPr lang="nl-NL" noProof="0" dirty="0"/>
           </a:p>
@@ -2453,7 +2454,7 @@
             <a:pPr rtl="0"/>
             <a:fld id="{7DC1BBB0-96F0-4077-A278-0F3FB5C104D3}" type="slidenum">
               <a:rPr lang="nl-NL" noProof="0" smtClean="0"/>
-              <a:t>‹#›</a:t>
+              <a:t>‹nr.›</a:t>
             </a:fld>
             <a:endParaRPr lang="nl-NL" noProof="0" dirty="0"/>
           </a:p>
@@ -2542,7 +2543,7 @@
             <a:pPr rtl="0"/>
             <a:fld id="{9479008A-7110-49D3-A08C-FC596D8713CB}" type="datetime1">
               <a:rPr lang="nl-NL" noProof="0" smtClean="0"/>
-              <a:t>10-10-2018</a:t>
+              <a:t>16-10-2018</a:t>
             </a:fld>
             <a:endParaRPr lang="nl-NL" noProof="0" dirty="0"/>
           </a:p>
@@ -2590,7 +2591,7 @@
             <a:pPr rtl="0"/>
             <a:fld id="{7DC1BBB0-96F0-4077-A278-0F3FB5C104D3}" type="slidenum">
               <a:rPr lang="nl-NL" noProof="0" smtClean="0"/>
-              <a:t>‹#›</a:t>
+              <a:t>‹nr.›</a:t>
             </a:fld>
             <a:endParaRPr lang="nl-NL" noProof="0" dirty="0"/>
           </a:p>
@@ -2656,7 +2657,7 @@
             <a:pPr rtl="0"/>
             <a:fld id="{B0980797-328D-4E1A-9313-2192C7581634}" type="datetime1">
               <a:rPr lang="nl-NL" noProof="0" smtClean="0"/>
-              <a:t>10-10-2018</a:t>
+              <a:t>16-10-2018</a:t>
             </a:fld>
             <a:endParaRPr lang="nl-NL" noProof="0" dirty="0"/>
           </a:p>
@@ -2705,7 +2706,7 @@
             <a:fld id="{7DC1BBB0-96F0-4077-A278-0F3FB5C104D3}" type="slidenum">
               <a:rPr lang="nl-NL" noProof="0" smtClean="0"/>
               <a:pPr rtl="0"/>
-              <a:t>‹#›</a:t>
+              <a:t>‹nr.›</a:t>
             </a:fld>
             <a:endParaRPr lang="nl-NL" noProof="0" dirty="0"/>
           </a:p>
@@ -2953,7 +2954,7 @@
             <a:pPr rtl="0"/>
             <a:fld id="{BE4C4D19-A41C-4D90-9236-CAB2851A3E19}" type="datetime1">
               <a:rPr lang="nl-NL" noProof="0" smtClean="0"/>
-              <a:t>10-10-2018</a:t>
+              <a:t>16-10-2018</a:t>
             </a:fld>
             <a:endParaRPr lang="nl-NL" noProof="0" dirty="0"/>
           </a:p>
@@ -3001,7 +3002,7 @@
             <a:pPr rtl="0"/>
             <a:fld id="{7DC1BBB0-96F0-4077-A278-0F3FB5C104D3}" type="slidenum">
               <a:rPr lang="nl-NL" noProof="0" smtClean="0"/>
-              <a:t>‹#›</a:t>
+              <a:t>‹nr.›</a:t>
             </a:fld>
             <a:endParaRPr lang="nl-NL" noProof="0" dirty="0"/>
           </a:p>
@@ -3225,7 +3226,7 @@
             <a:pPr rtl="0"/>
             <a:fld id="{BC29E7E8-5E92-42B7-BDEF-23F2BE794FA3}" type="datetime1">
               <a:rPr lang="nl-NL" noProof="0" smtClean="0"/>
-              <a:t>10-10-2018</a:t>
+              <a:t>16-10-2018</a:t>
             </a:fld>
             <a:endParaRPr lang="nl-NL" noProof="0" dirty="0"/>
           </a:p>
@@ -3273,7 +3274,7 @@
             <a:pPr rtl="0"/>
             <a:fld id="{7DC1BBB0-96F0-4077-A278-0F3FB5C104D3}" type="slidenum">
               <a:rPr lang="nl-NL" noProof="0" smtClean="0"/>
-              <a:t>‹#›</a:t>
+              <a:t>‹nr.›</a:t>
             </a:fld>
             <a:endParaRPr lang="nl-NL" noProof="0" dirty="0"/>
           </a:p>
@@ -3505,7 +3506,7 @@
             <a:pPr rtl="0"/>
             <a:fld id="{A330C59B-4812-4B35-9A8F-1CC0C645D246}" type="datetime1">
               <a:rPr lang="nl-NL" noProof="0" smtClean="0"/>
-              <a:t>10-10-2018</a:t>
+              <a:t>16-10-2018</a:t>
             </a:fld>
             <a:endParaRPr lang="nl-NL" noProof="0" dirty="0"/>
           </a:p>
@@ -3590,7 +3591,7 @@
             <a:fld id="{7DC1BBB0-96F0-4077-A278-0F3FB5C104D3}" type="slidenum">
               <a:rPr lang="nl-NL" noProof="0" smtClean="0"/>
               <a:pPr rtl="0"/>
-              <a:t>‹#›</a:t>
+              <a:t>‹nr.›</a:t>
             </a:fld>
             <a:endParaRPr lang="nl-NL" noProof="0" dirty="0"/>
           </a:p>
@@ -4445,7 +4446,7 @@
           <p:cNvPr id="2" name="Rectangle 1">
             <a:extLst>
               <a:ext uri="{FF2B5EF4-FFF2-40B4-BE49-F238E27FC236}">
-                <a16:creationId xmlns:a16="http://schemas.microsoft.com/office/drawing/2014/main" id="{9F326EE7-D4BC-4F17-86BE-15B273139D16}"/>
+                <a16:creationId xmlns:a16="http://schemas.microsoft.com/office/drawing/2014/main" xmlns="" id="{9F326EE7-D4BC-4F17-86BE-15B273139D16}"/>
               </a:ext>
             </a:extLst>
           </p:cNvPr>
@@ -4587,7 +4588,7 @@
               <a:rPr lang="en-US" dirty="0"/>
               <a:t>number 3: -0.3272824528296397 -0.5976133018857139 0.731945720309279</a:t>
             </a:r>
-            <a:endParaRPr lang="en-NL" dirty="0"/>
+            <a:endParaRPr lang="x-none" dirty="0"/>
           </a:p>
         </p:txBody>
       </p:sp>
@@ -4638,7 +4639,7 @@
           <p:cNvPr id="2" name="Rectangle 1">
             <a:extLst>
               <a:ext uri="{FF2B5EF4-FFF2-40B4-BE49-F238E27FC236}">
-                <a16:creationId xmlns:a16="http://schemas.microsoft.com/office/drawing/2014/main" id="{E1B25272-0DF4-4AEB-AF59-6E8AB4E1144D}"/>
+                <a16:creationId xmlns:a16="http://schemas.microsoft.com/office/drawing/2014/main" xmlns="" id="{E1B25272-0DF4-4AEB-AF59-6E8AB4E1144D}"/>
               </a:ext>
             </a:extLst>
           </p:cNvPr>
@@ -4670,109 +4671,109 @@
           </a:p>
           <a:p>
             <a:r>
-              <a:rPr lang="en-NL" dirty="0"/>
+              <a:rPr lang="x-none" dirty="0"/>
               <a:t>[[1.         0.62589092 0.63877069]</a:t>
             </a:r>
           </a:p>
           <a:p>
             <a:r>
-              <a:rPr lang="en-NL" dirty="0"/>
+              <a:rPr lang="x-none" dirty="0"/>
               <a:t> [0.62589092 1.         0.69326062]</a:t>
             </a:r>
           </a:p>
           <a:p>
             <a:r>
-              <a:rPr lang="en-NL" dirty="0"/>
+              <a:rPr lang="x-none" dirty="0"/>
               <a:t> [0.63877069 0.69326062 1.        ]]</a:t>
             </a:r>
           </a:p>
           <a:p>
             <a:r>
-              <a:rPr lang="en-NL" dirty="0"/>
+              <a:rPr lang="x-none" dirty="0"/>
               <a:t>eigenvalues:  [2.30572493+0.j 0.38824158+0.j 0.30603349+0.j]</a:t>
             </a:r>
           </a:p>
           <a:p>
             <a:r>
-              <a:rPr lang="en-NL" dirty="0"/>
+              <a:rPr lang="x-none" dirty="0"/>
               <a:t>Eigenvalue 1 =  2.30572492652982</a:t>
             </a:r>
           </a:p>
           <a:p>
             <a:r>
-              <a:rPr lang="en-NL" dirty="0"/>
+              <a:rPr lang="x-none" dirty="0"/>
               <a:t>Eigenvalue 2 =  0.3882415812665583</a:t>
             </a:r>
           </a:p>
           <a:p>
             <a:r>
-              <a:rPr lang="en-NL" dirty="0"/>
+              <a:rPr lang="x-none" dirty="0"/>
               <a:t>Eigenvalue 3 =  0.3060334922036205</a:t>
             </a:r>
           </a:p>
           <a:p>
             <a:r>
-              <a:rPr lang="en-NL" dirty="0"/>
+              <a:rPr lang="x-none" dirty="0"/>
               <a:t>Variance of total data:</a:t>
             </a:r>
           </a:p>
           <a:p>
             <a:r>
-              <a:rPr lang="en-NL" dirty="0"/>
+              <a:rPr lang="x-none" dirty="0"/>
               <a:t>Eigenvalue 1 =  76.857497550994</a:t>
             </a:r>
           </a:p>
           <a:p>
             <a:r>
-              <a:rPr lang="en-NL" dirty="0"/>
+              <a:rPr lang="x-none" dirty="0"/>
               <a:t>Eigenvalue 2 =  12.941386042218609</a:t>
             </a:r>
           </a:p>
           <a:p>
             <a:r>
-              <a:rPr lang="en-NL" dirty="0"/>
+              <a:rPr lang="x-none" dirty="0"/>
               <a:t>Eigenvalue 3 =  10.201116406787351</a:t>
             </a:r>
           </a:p>
           <a:p>
             <a:r>
-              <a:rPr lang="en-NL" dirty="0"/>
+              <a:rPr lang="x-none" dirty="0"/>
               <a:t>eigenvectors: </a:t>
             </a:r>
           </a:p>
           <a:p>
             <a:r>
-              <a:rPr lang="en-NL" dirty="0"/>
+              <a:rPr lang="x-none" dirty="0"/>
               <a:t>[[ 0.56506437  0.82142899 -0.07717944]</a:t>
             </a:r>
           </a:p>
           <a:p>
             <a:r>
-              <a:rPr lang="en-NL" dirty="0"/>
+              <a:rPr lang="x-none" dirty="0"/>
               <a:t> [ 0.58157296 -0.46291829 -0.66893912]</a:t>
             </a:r>
           </a:p>
           <a:p>
             <a:r>
-              <a:rPr lang="en-NL" dirty="0"/>
+              <a:rPr lang="x-none" dirty="0"/>
               <a:t> [ 0.58521376 -0.33310818  0.73929953]]</a:t>
             </a:r>
           </a:p>
           <a:p>
             <a:r>
-              <a:rPr lang="en-NL" dirty="0"/>
+              <a:rPr lang="x-none" dirty="0"/>
               <a:t>number 1: 0.5650643708906329 0.5815729647028391 0.585213758789661</a:t>
             </a:r>
           </a:p>
           <a:p>
             <a:r>
-              <a:rPr lang="en-NL" dirty="0"/>
+              <a:rPr lang="x-none" dirty="0"/>
               <a:t>number 2: 0.8214289931302869 -0.46291829370832854 -0.3331081845213845</a:t>
             </a:r>
           </a:p>
           <a:p>
             <a:r>
-              <a:rPr lang="en-NL" dirty="0"/>
+              <a:rPr lang="x-none" dirty="0"/>
               <a:t>number 3: -0.07717944023466546 -0.6689391153736788 0.7392995292357111</a:t>
             </a:r>
           </a:p>
@@ -4825,7 +4826,7 @@
           <p:cNvPr id="2" name="Rectangle 1">
             <a:extLst>
               <a:ext uri="{FF2B5EF4-FFF2-40B4-BE49-F238E27FC236}">
-                <a16:creationId xmlns:a16="http://schemas.microsoft.com/office/drawing/2014/main" id="{9AB7D132-E3E3-4CFF-80F3-DC379BA4B8FE}"/>
+                <a16:creationId xmlns:a16="http://schemas.microsoft.com/office/drawing/2014/main" xmlns="" id="{9AB7D132-E3E3-4CFF-80F3-DC379BA4B8FE}"/>
               </a:ext>
             </a:extLst>
           </p:cNvPr>
@@ -4854,109 +4855,109 @@
           </a:p>
           <a:p>
             <a:r>
-              <a:rPr lang="en-NL" dirty="0"/>
+              <a:rPr lang="x-none" dirty="0"/>
               <a:t>[[1.         0.96744203 0.95924812]</a:t>
             </a:r>
           </a:p>
           <a:p>
             <a:r>
-              <a:rPr lang="en-NL" dirty="0"/>
+              <a:rPr lang="x-none" dirty="0"/>
               <a:t> [0.96744203 1.         0.96819833]</a:t>
             </a:r>
           </a:p>
           <a:p>
             <a:r>
-              <a:rPr lang="en-NL" dirty="0"/>
+              <a:rPr lang="x-none" dirty="0"/>
               <a:t> [0.95924812 0.96819833 1.        ]]</a:t>
             </a:r>
           </a:p>
           <a:p>
             <a:r>
-              <a:rPr lang="en-NL" dirty="0"/>
+              <a:rPr lang="x-none" dirty="0"/>
               <a:t>eigenvalues:  [2.92993131+0.j 0.04076847+0.j 0.02930022+0.j]</a:t>
             </a:r>
           </a:p>
           <a:p>
             <a:r>
-              <a:rPr lang="en-NL" dirty="0"/>
+              <a:rPr lang="x-none" dirty="0"/>
               <a:t>Eigenvalue 1 =  2.929931311987825</a:t>
             </a:r>
           </a:p>
           <a:p>
             <a:r>
-              <a:rPr lang="en-NL" dirty="0"/>
+              <a:rPr lang="x-none" dirty="0"/>
               <a:t>Eigenvalue 2 =  0.04076846661638439</a:t>
             </a:r>
           </a:p>
           <a:p>
             <a:r>
-              <a:rPr lang="en-NL" dirty="0"/>
+              <a:rPr lang="x-none" dirty="0"/>
               <a:t>Eigenvalue 3 =  0.029300221395791408</a:t>
             </a:r>
           </a:p>
           <a:p>
             <a:r>
-              <a:rPr lang="en-NL" dirty="0"/>
+              <a:rPr lang="x-none" dirty="0"/>
               <a:t>Variance of total data:</a:t>
             </a:r>
           </a:p>
           <a:p>
             <a:r>
-              <a:rPr lang="en-NL" dirty="0"/>
+              <a:rPr lang="x-none" dirty="0"/>
               <a:t>Eigenvalue 1 =  97.66437706626084</a:t>
             </a:r>
           </a:p>
           <a:p>
             <a:r>
-              <a:rPr lang="en-NL" dirty="0"/>
+              <a:rPr lang="x-none" dirty="0"/>
               <a:t>Eigenvalue 2 =  1.358948887212813</a:t>
             </a:r>
           </a:p>
           <a:p>
             <a:r>
-              <a:rPr lang="en-NL" dirty="0"/>
+              <a:rPr lang="x-none" dirty="0"/>
               <a:t>Eigenvalue 3 =  0.9766740465263802</a:t>
             </a:r>
           </a:p>
           <a:p>
             <a:r>
-              <a:rPr lang="en-NL" dirty="0"/>
+              <a:rPr lang="x-none" dirty="0"/>
               <a:t>eigenvectors: </a:t>
             </a:r>
           </a:p>
           <a:p>
             <a:r>
-              <a:rPr lang="en-NL" dirty="0"/>
+              <a:rPr lang="x-none" dirty="0"/>
               <a:t>[[-0.57670524 -0.72222661  0.38183737]</a:t>
             </a:r>
           </a:p>
           <a:p>
             <a:r>
-              <a:rPr lang="en-NL" dirty="0"/>
+              <a:rPr lang="x-none" dirty="0"/>
               <a:t> [-0.5784872   0.03098743 -0.81510266]</a:t>
             </a:r>
           </a:p>
           <a:p>
             <a:r>
-              <a:rPr lang="en-NL" dirty="0"/>
+              <a:rPr lang="x-none" dirty="0"/>
               <a:t> [-0.57685667  0.69096201  0.43566946]]</a:t>
             </a:r>
           </a:p>
           <a:p>
             <a:r>
-              <a:rPr lang="en-NL" dirty="0"/>
+              <a:rPr lang="x-none" dirty="0"/>
               <a:t>number 1: -0.5767052431704728 -0.5784871988297967 -0.5768566748246406</a:t>
             </a:r>
           </a:p>
           <a:p>
             <a:r>
-              <a:rPr lang="en-NL" dirty="0"/>
+              <a:rPr lang="x-none" dirty="0"/>
               <a:t>number 2: -0.7222266147466163 0.030987425819239345 0.6909620079228234</a:t>
             </a:r>
           </a:p>
           <a:p>
             <a:r>
-              <a:rPr lang="en-NL" dirty="0"/>
+              <a:rPr lang="x-none" dirty="0"/>
               <a:t>number 3: 0.3818373730416173 -0.8151026562532794 0.435669462227415</a:t>
             </a:r>
           </a:p>
@@ -5009,7 +5010,7 @@
           <p:cNvPr id="2" name="Rectangle 1">
             <a:extLst>
               <a:ext uri="{FF2B5EF4-FFF2-40B4-BE49-F238E27FC236}">
-                <a16:creationId xmlns:a16="http://schemas.microsoft.com/office/drawing/2014/main" id="{A969AED3-5A09-440D-BBAA-0541063F26EC}"/>
+                <a16:creationId xmlns:a16="http://schemas.microsoft.com/office/drawing/2014/main" xmlns="" id="{A969AED3-5A09-440D-BBAA-0541063F26EC}"/>
               </a:ext>
             </a:extLst>
           </p:cNvPr>
@@ -5046,109 +5047,109 @@
           </a:p>
           <a:p>
             <a:r>
-              <a:rPr lang="en-NL" dirty="0"/>
+              <a:rPr lang="x-none" dirty="0"/>
               <a:t>[[1.         0.87833401 0.99169127]</a:t>
             </a:r>
           </a:p>
           <a:p>
             <a:r>
-              <a:rPr lang="en-NL" dirty="0"/>
+              <a:rPr lang="x-none" dirty="0"/>
               <a:t> [0.87833401 1.         0.87540947]</a:t>
             </a:r>
           </a:p>
           <a:p>
             <a:r>
-              <a:rPr lang="en-NL" dirty="0"/>
+              <a:rPr lang="x-none" dirty="0"/>
               <a:t> [0.99169127 0.87540947 1.        ]]</a:t>
             </a:r>
           </a:p>
           <a:p>
             <a:r>
-              <a:rPr lang="en-NL" dirty="0"/>
+              <a:rPr lang="x-none" dirty="0"/>
               <a:t>eigenvalues:  [2.83138757+0.j 0.00828897+0.j 0.16032346+0.j]</a:t>
             </a:r>
           </a:p>
           <a:p>
             <a:r>
-              <a:rPr lang="en-NL" dirty="0"/>
+              <a:rPr lang="x-none" dirty="0"/>
               <a:t>Eigenvalue 1 =  2.8313875658218937</a:t>
             </a:r>
           </a:p>
           <a:p>
             <a:r>
-              <a:rPr lang="en-NL" dirty="0"/>
+              <a:rPr lang="x-none" dirty="0"/>
               <a:t>Eigenvalue 2 =  0.16032346392847416</a:t>
             </a:r>
           </a:p>
           <a:p>
             <a:r>
-              <a:rPr lang="en-NL" dirty="0"/>
+              <a:rPr lang="x-none" dirty="0"/>
               <a:t>Eigenvalue 3 =  0.008288970249631876</a:t>
             </a:r>
           </a:p>
           <a:p>
             <a:r>
-              <a:rPr lang="en-NL" dirty="0"/>
+              <a:rPr lang="x-none" dirty="0"/>
               <a:t>Variance of total data:</a:t>
             </a:r>
           </a:p>
           <a:p>
             <a:r>
-              <a:rPr lang="en-NL" dirty="0"/>
+              <a:rPr lang="x-none" dirty="0"/>
               <a:t>Eigenvalue 1 =  94.37958552739646</a:t>
             </a:r>
           </a:p>
           <a:p>
             <a:r>
-              <a:rPr lang="en-NL" dirty="0"/>
+              <a:rPr lang="x-none" dirty="0"/>
               <a:t>Eigenvalue 2 =  5.344115464282472</a:t>
             </a:r>
           </a:p>
           <a:p>
             <a:r>
-              <a:rPr lang="en-NL" dirty="0"/>
+              <a:rPr lang="x-none" dirty="0"/>
               <a:t>Eigenvalue 3 =  0.2762990083210625</a:t>
             </a:r>
           </a:p>
           <a:p>
             <a:r>
-              <a:rPr lang="en-NL" dirty="0"/>
+              <a:rPr lang="x-none" dirty="0"/>
               <a:t>eigenvectors: </a:t>
             </a:r>
           </a:p>
           <a:p>
             <a:r>
-              <a:rPr lang="en-NL" dirty="0"/>
+              <a:rPr lang="x-none" dirty="0"/>
               <a:t>[[-0.58579632 -0.71128698  0.38847587]</a:t>
             </a:r>
           </a:p>
           <a:p>
             <a:r>
-              <a:rPr lang="en-NL" dirty="0"/>
+              <a:rPr lang="x-none" dirty="0"/>
               <a:t> [-0.56068307  0.00955682 -0.82797534]</a:t>
             </a:r>
           </a:p>
           <a:p>
             <a:r>
-              <a:rPr lang="en-NL" dirty="0"/>
+              <a:rPr lang="x-none" dirty="0"/>
               <a:t> [-0.58521549  0.70283675  0.40440492]]</a:t>
             </a:r>
           </a:p>
           <a:p>
             <a:r>
-              <a:rPr lang="en-NL" dirty="0"/>
+              <a:rPr lang="x-none" dirty="0"/>
               <a:t>number 1: -0.5857963198528137 -0.5606830721903274 -0.585215485275395</a:t>
             </a:r>
           </a:p>
           <a:p>
             <a:r>
-              <a:rPr lang="en-NL" dirty="0"/>
+              <a:rPr lang="x-none" dirty="0"/>
               <a:t>number 2: -0.7112869805196672 0.00955681647707408 0.7028367510325838</a:t>
             </a:r>
           </a:p>
           <a:p>
             <a:r>
-              <a:rPr lang="en-NL" dirty="0"/>
+              <a:rPr lang="x-none" dirty="0"/>
               <a:t>number 3: 0.3884758718248986 -0.8279753376870833 0.4044049173685274</a:t>
             </a:r>
           </a:p>
@@ -5171,6 +5172,188 @@
       </p:transition>
     </mc:Choice>
     <mc:Fallback xmlns="">
+      <p:transition spd="med">
+        <p:fade/>
+      </p:transition>
+    </mc:Fallback>
+  </mc:AlternateContent>
+</p:sld>
+</file>
+
+<file path=ppt/slides/slide9.xml><?xml version="1.0" encoding="utf-8"?>
+<p:sld xmlns:a="http://schemas.openxmlformats.org/drawingml/2006/main" xmlns:r="http://schemas.openxmlformats.org/officeDocument/2006/relationships" xmlns:p="http://schemas.openxmlformats.org/presentationml/2006/main">
+  <p:cSld>
+    <p:spTree>
+      <p:nvGrpSpPr>
+        <p:cNvPr id="1" name=""/>
+        <p:cNvGrpSpPr/>
+        <p:nvPr/>
+      </p:nvGrpSpPr>
+      <p:grpSpPr>
+        <a:xfrm>
+          <a:off x="0" y="0"/>
+          <a:ext cx="0" cy="0"/>
+          <a:chOff x="0" y="0"/>
+          <a:chExt cx="0" cy="0"/>
+        </a:xfrm>
+      </p:grpSpPr>
+      <p:sp>
+        <p:nvSpPr>
+          <p:cNvPr id="2" name="Titel 1"/>
+          <p:cNvSpPr>
+            <a:spLocks noGrp="1"/>
+          </p:cNvSpPr>
+          <p:nvPr>
+            <p:ph type="title"/>
+          </p:nvPr>
+        </p:nvSpPr>
+        <p:spPr/>
+        <p:txBody>
+          <a:bodyPr/>
+          <a:lstStyle/>
+          <a:p>
+            <a:r>
+              <a:rPr lang="en-GB" dirty="0" err="1" smtClean="0"/>
+              <a:t>Verschillen</a:t>
+            </a:r>
+            <a:r>
+              <a:rPr lang="en-GB" dirty="0" smtClean="0"/>
+              <a:t> </a:t>
+            </a:r>
+            <a:r>
+              <a:rPr lang="en-GB" dirty="0" err="1" smtClean="0"/>
+              <a:t>tussen</a:t>
+            </a:r>
+            <a:r>
+              <a:rPr lang="en-GB" dirty="0" smtClean="0"/>
+              <a:t> </a:t>
+            </a:r>
+            <a:r>
+              <a:rPr lang="en-GB" dirty="0" err="1" smtClean="0"/>
+              <a:t>meetstations</a:t>
+            </a:r>
+            <a:r>
+              <a:rPr lang="en-GB" dirty="0" smtClean="0"/>
+              <a:t> en hoe </a:t>
+            </a:r>
+            <a:r>
+              <a:rPr lang="en-GB" dirty="0" err="1" smtClean="0"/>
+              <a:t>te</a:t>
+            </a:r>
+            <a:r>
+              <a:rPr lang="en-GB" dirty="0" smtClean="0"/>
+              <a:t> </a:t>
+            </a:r>
+            <a:r>
+              <a:rPr lang="en-GB" dirty="0" err="1" smtClean="0"/>
+              <a:t>verklaren</a:t>
+            </a:r>
+            <a:endParaRPr lang="en-GB" dirty="0"/>
+          </a:p>
+        </p:txBody>
+      </p:sp>
+      <p:sp>
+        <p:nvSpPr>
+          <p:cNvPr id="3" name="Tijdelijke aanduiding voor inhoud 2"/>
+          <p:cNvSpPr>
+            <a:spLocks noGrp="1"/>
+          </p:cNvSpPr>
+          <p:nvPr>
+            <p:ph idx="1"/>
+          </p:nvPr>
+        </p:nvSpPr>
+        <p:spPr/>
+        <p:txBody>
+          <a:bodyPr/>
+          <a:lstStyle/>
+          <a:p>
+            <a:r>
+              <a:rPr lang="en-GB" dirty="0" err="1" smtClean="0"/>
+              <a:t>Temperatuur</a:t>
+            </a:r>
+            <a:r>
+              <a:rPr lang="en-GB" dirty="0" smtClean="0"/>
+              <a:t> – </a:t>
+            </a:r>
+            <a:r>
+              <a:rPr lang="en-GB" dirty="0" err="1" smtClean="0"/>
+              <a:t>hoogte</a:t>
+            </a:r>
+            <a:endParaRPr lang="en-GB" dirty="0" smtClean="0"/>
+          </a:p>
+          <a:p>
+            <a:r>
+              <a:rPr lang="en-GB" dirty="0" err="1" smtClean="0"/>
+              <a:t>Mooie</a:t>
+            </a:r>
+            <a:r>
+              <a:rPr lang="en-GB" dirty="0" smtClean="0"/>
+              <a:t> </a:t>
+            </a:r>
+            <a:r>
+              <a:rPr lang="en-GB" dirty="0" err="1" smtClean="0"/>
+              <a:t>plaatjes</a:t>
+            </a:r>
+            <a:r>
+              <a:rPr lang="en-GB" dirty="0" smtClean="0"/>
+              <a:t> – katabatic wind – </a:t>
+            </a:r>
+            <a:r>
+              <a:rPr lang="en-GB" dirty="0" err="1" smtClean="0"/>
+              <a:t>richting</a:t>
+            </a:r>
+            <a:r>
+              <a:rPr lang="en-GB" dirty="0" smtClean="0"/>
+              <a:t> </a:t>
+            </a:r>
+            <a:r>
+              <a:rPr lang="en-GB" dirty="0" err="1" smtClean="0"/>
+              <a:t>gletsjer</a:t>
+            </a:r>
+            <a:endParaRPr lang="en-GB" dirty="0" smtClean="0"/>
+          </a:p>
+          <a:p>
+            <a:r>
+              <a:rPr lang="en-GB" dirty="0" err="1" smtClean="0"/>
+              <a:t>Sneewhoogte</a:t>
+            </a:r>
+            <a:r>
+              <a:rPr lang="en-GB" dirty="0" smtClean="0"/>
+              <a:t> en </a:t>
+            </a:r>
+            <a:r>
+              <a:rPr lang="en-GB" dirty="0" err="1" smtClean="0"/>
+              <a:t>straling</a:t>
+            </a:r>
+            <a:r>
+              <a:rPr lang="en-GB" dirty="0" smtClean="0"/>
+              <a:t> - </a:t>
+            </a:r>
+            <a:r>
+              <a:rPr lang="en-GB" dirty="0" err="1" smtClean="0"/>
+              <a:t>hoogte</a:t>
+            </a:r>
+            <a:endParaRPr lang="en-GB" dirty="0"/>
+          </a:p>
+        </p:txBody>
+      </p:sp>
+    </p:spTree>
+    <p:extLst>
+      <p:ext uri="{BB962C8B-B14F-4D97-AF65-F5344CB8AC3E}">
+        <p14:creationId xmlns:p14="http://schemas.microsoft.com/office/powerpoint/2010/main" val="1878178011"/>
+      </p:ext>
+    </p:extLst>
+  </p:cSld>
+  <p:clrMapOvr>
+    <a:masterClrMapping/>
+  </p:clrMapOvr>
+  <mc:AlternateContent xmlns:mc="http://schemas.openxmlformats.org/markup-compatibility/2006">
+    <mc:Choice xmlns:p14="http://schemas.microsoft.com/office/powerpoint/2010/main" Requires="p14">
+      <p:transition spd="med" p14:dur="700">
+        <p:fade/>
+      </p:transition>
+    </mc:Choice>
+    <mc:Fallback>
       <p:transition spd="med">
         <p:fade/>
       </p:transition>
@@ -5984,17 +6167,6 @@
 </file>
 
 <file path=customXml/item2.xml><?xml version="1.0" encoding="utf-8"?>
-<p:properties xmlns:p="http://schemas.microsoft.com/office/2006/metadata/properties" xmlns:xsi="http://www.w3.org/2001/XMLSchema-instance" xmlns:pc="http://schemas.microsoft.com/office/infopath/2007/PartnerControls">
-  <documentManagement>
-    <VSO_x0020_item_x0020_id xmlns="40262f94-9f35-4ac3-9a90-690165a166b7" xsi:nil="true"/>
-    <Assetid_x0020_ xmlns="40262f94-9f35-4ac3-9a90-690165a166b7" xsi:nil="true"/>
-    <Item_x0020_Details xmlns="40262f94-9f35-4ac3-9a90-690165a166b7" xsi:nil="true"/>
-    <Template_x0020_details xmlns="40262f94-9f35-4ac3-9a90-690165a166b7" xsi:nil="true"/>
-  </documentManagement>
-</p:properties>
-</file>
-
-<file path=customXml/item3.xml><?xml version="1.0" encoding="utf-8"?>
 <ct:contentTypeSchema xmlns:ct="http://schemas.microsoft.com/office/2006/metadata/contentType" xmlns:ma="http://schemas.microsoft.com/office/2006/metadata/properties/metaAttributes" ct:_="" ma:_="" ma:contentTypeName="Document" ma:contentTypeID="0x010100AA3F7D94069FF64A86F7DFF56D60E3BE" ma:contentTypeVersion="6" ma:contentTypeDescription="Create a new document." ma:contentTypeScope="" ma:versionID="c32302c77d4085ecf495bdddb7f5e889">
   <xsd:schema xmlns:xsd="http://www.w3.org/2001/XMLSchema" xmlns:xs="http://www.w3.org/2001/XMLSchema" xmlns:p="http://schemas.microsoft.com/office/2006/metadata/properties" xmlns:ns2="a4f35948-e619-41b3-aa29-22878b09cfd2" xmlns:ns3="40262f94-9f35-4ac3-9a90-690165a166b7" targetNamespace="http://schemas.microsoft.com/office/2006/metadata/properties" ma:root="true" ma:fieldsID="4ab5ae46be95f9d0be6107e8200be7a2" ns2:_="" ns3:_="">
     <xsd:import namespace="a4f35948-e619-41b3-aa29-22878b09cfd2"/>
@@ -6175,6 +6347,17 @@
 </ct:contentTypeSchema>
 </file>
 
+<file path=customXml/item3.xml><?xml version="1.0" encoding="utf-8"?>
+<p:properties xmlns:p="http://schemas.microsoft.com/office/2006/metadata/properties" xmlns:xsi="http://www.w3.org/2001/XMLSchema-instance" xmlns:pc="http://schemas.microsoft.com/office/infopath/2007/PartnerControls">
+  <documentManagement>
+    <VSO_x0020_item_x0020_id xmlns="40262f94-9f35-4ac3-9a90-690165a166b7" xsi:nil="true"/>
+    <Assetid_x0020_ xmlns="40262f94-9f35-4ac3-9a90-690165a166b7" xsi:nil="true"/>
+    <Item_x0020_Details xmlns="40262f94-9f35-4ac3-9a90-690165a166b7" xsi:nil="true"/>
+    <Template_x0020_details xmlns="40262f94-9f35-4ac3-9a90-690165a166b7" xsi:nil="true"/>
+  </documentManagement>
+</p:properties>
+</file>
+
 <file path=customXml/itemProps1.xml><?xml version="1.0" encoding="utf-8"?>
 <ds:datastoreItem xmlns:ds="http://schemas.openxmlformats.org/officeDocument/2006/customXml" ds:itemID="{3E783485-1103-4BBC-98A1-D39A248154C3}">
   <ds:schemaRefs>
@@ -6184,23 +6367,6 @@
 </file>
 
 <file path=customXml/itemProps2.xml><?xml version="1.0" encoding="utf-8"?>
-<ds:datastoreItem xmlns:ds="http://schemas.openxmlformats.org/officeDocument/2006/customXml" ds:itemID="{2915ED37-D514-41C3-9B3C-B262145D17B7}">
-  <ds:schemaRefs>
-    <ds:schemaRef ds:uri="http://schemas.microsoft.com/office/2006/documentManagement/types"/>
-    <ds:schemaRef ds:uri="http://schemas.microsoft.com/office/infopath/2007/PartnerControls"/>
-    <ds:schemaRef ds:uri="http://purl.org/dc/elements/1.1/"/>
-    <ds:schemaRef ds:uri="http://schemas.microsoft.com/office/2006/metadata/properties"/>
-    <ds:schemaRef ds:uri="http://purl.org/dc/terms/"/>
-    <ds:schemaRef ds:uri="http://schemas.openxmlformats.org/package/2006/metadata/core-properties"/>
-    <ds:schemaRef ds:uri="40262f94-9f35-4ac3-9a90-690165a166b7"/>
-    <ds:schemaRef ds:uri="a4f35948-e619-41b3-aa29-22878b09cfd2"/>
-    <ds:schemaRef ds:uri="http://www.w3.org/XML/1998/namespace"/>
-    <ds:schemaRef ds:uri="http://purl.org/dc/dcmitype/"/>
-  </ds:schemaRefs>
-</ds:datastoreItem>
-</file>
-
-<file path=customXml/itemProps3.xml><?xml version="1.0" encoding="utf-8"?>
 <ds:datastoreItem xmlns:ds="http://schemas.openxmlformats.org/officeDocument/2006/customXml" ds:itemID="{D8853CD7-B1C6-4FDD-B6D0-92A83B857D3F}">
   <ds:schemaRefs>
     <ds:schemaRef ds:uri="http://schemas.microsoft.com/office/2006/metadata/contentType"/>
@@ -6217,4 +6383,21 @@
     <ds:schemaRef ds:uri="http://schemas.microsoft.com/internal/obd"/>
   </ds:schemaRefs>
 </ds:datastoreItem>
+</file>
+
+<file path=customXml/itemProps3.xml><?xml version="1.0" encoding="utf-8"?>
+<ds:datastoreItem xmlns:ds="http://schemas.openxmlformats.org/officeDocument/2006/customXml" ds:itemID="{2915ED37-D514-41C3-9B3C-B262145D17B7}">
+  <ds:schemaRefs>
+    <ds:schemaRef ds:uri="http://schemas.microsoft.com/office/2006/documentManagement/types"/>
+    <ds:schemaRef ds:uri="http://schemas.microsoft.com/office/infopath/2007/PartnerControls"/>
+    <ds:schemaRef ds:uri="http://purl.org/dc/elements/1.1/"/>
+    <ds:schemaRef ds:uri="http://schemas.microsoft.com/office/2006/metadata/properties"/>
+    <ds:schemaRef ds:uri="http://purl.org/dc/terms/"/>
+    <ds:schemaRef ds:uri="http://schemas.openxmlformats.org/package/2006/metadata/core-properties"/>
+    <ds:schemaRef ds:uri="40262f94-9f35-4ac3-9a90-690165a166b7"/>
+    <ds:schemaRef ds:uri="a4f35948-e619-41b3-aa29-22878b09cfd2"/>
+    <ds:schemaRef ds:uri="http://www.w3.org/XML/1998/namespace"/>
+    <ds:schemaRef ds:uri="http://purl.org/dc/dcmitype/"/>
+  </ds:schemaRefs>
+</ds:datastoreItem>
 </file>
--- a/presentatie/plaatjes.pptx
+++ b/presentatie/plaatjes.pptx
@@ -5,21 +5,23 @@
     <p:sldMasterId id="2147483720" r:id="rId4"/>
   </p:sldMasterIdLst>
   <p:notesMasterIdLst>
-    <p:notesMasterId r:id="rId14"/>
+    <p:notesMasterId r:id="rId16"/>
   </p:notesMasterIdLst>
   <p:handoutMasterIdLst>
-    <p:handoutMasterId r:id="rId15"/>
+    <p:handoutMasterId r:id="rId17"/>
   </p:handoutMasterIdLst>
   <p:sldIdLst>
-    <p:sldId id="259" r:id="rId5"/>
-    <p:sldId id="262" r:id="rId6"/>
-    <p:sldId id="260" r:id="rId7"/>
-    <p:sldId id="261" r:id="rId8"/>
-    <p:sldId id="263" r:id="rId9"/>
-    <p:sldId id="264" r:id="rId10"/>
-    <p:sldId id="265" r:id="rId11"/>
-    <p:sldId id="266" r:id="rId12"/>
-    <p:sldId id="267" r:id="rId13"/>
+    <p:sldId id="267" r:id="rId5"/>
+    <p:sldId id="259" r:id="rId6"/>
+    <p:sldId id="261" r:id="rId7"/>
+    <p:sldId id="268" r:id="rId8"/>
+    <p:sldId id="262" r:id="rId9"/>
+    <p:sldId id="260" r:id="rId10"/>
+    <p:sldId id="270" r:id="rId11"/>
+    <p:sldId id="263" r:id="rId12"/>
+    <p:sldId id="264" r:id="rId13"/>
+    <p:sldId id="265" r:id="rId14"/>
+    <p:sldId id="266" r:id="rId15"/>
   </p:sldIdLst>
   <p:sldSz cx="12188825" cy="6858000"/>
   <p:notesSz cx="6858000" cy="9144000"/>
@@ -260,7 +262,7 @@
             <a:pPr rtl="0"/>
             <a:fld id="{3A6FBF1E-C4F2-4243-9DC6-F239D845E59F}" type="datetime1">
               <a:rPr lang="nl-NL" smtClean="0"/>
-              <a:t>16-10-2018</a:t>
+              <a:t>17-10-2018</a:t>
             </a:fld>
             <a:endParaRPr lang="nl-NL" dirty="0"/>
           </a:p>
@@ -328,7 +330,7 @@
             <a:pPr rtl="0"/>
             <a:fld id="{04360E59-1627-4404-ACC5-51C744AB0F27}" type="slidenum">
               <a:rPr lang="nl-NL" smtClean="0"/>
-              <a:t>‹nr.›</a:t>
+              <a:t>‹#›</a:t>
             </a:fld>
             <a:endParaRPr lang="nl-NL" dirty="0"/>
           </a:p>
@@ -437,7 +439,7 @@
             <a:fld id="{4B7914FC-CF06-4AB5-AD3F-8E162DDC032C}" type="datetime1">
               <a:rPr lang="nl-NL" smtClean="0"/>
               <a:pPr/>
-              <a:t>16-10-2018</a:t>
+              <a:t>17-10-2018</a:t>
             </a:fld>
             <a:endParaRPr lang="nl-NL" dirty="0"/>
           </a:p>
@@ -607,7 +609,7 @@
             <a:fld id="{841221E5-7225-48EB-A4EE-420E7BFCF705}" type="slidenum">
               <a:rPr lang="nl-NL" noProof="0" smtClean="0"/>
               <a:pPr rtl="0"/>
-              <a:t>‹nr.›</a:t>
+              <a:t>‹#›</a:t>
             </a:fld>
             <a:endParaRPr lang="nl-NL" noProof="0" dirty="0"/>
           </a:p>
@@ -783,8 +785,8 @@
             <a:pPr rtl="0"/>
             <a:fld id="{841221E5-7225-48EB-A4EE-420E7BFCF705}" type="slidenum">
               <a:rPr lang="nl-NL" smtClean="0"/>
-              <a:pPr/>
-              <a:t>1</a:t>
+              <a:pPr rtl="0"/>
+              <a:t>2</a:t>
             </a:fld>
             <a:endParaRPr lang="nl-NL" dirty="0"/>
           </a:p>
@@ -794,6 +796,344 @@
     <p:extLst>
       <p:ext uri="{BB962C8B-B14F-4D97-AF65-F5344CB8AC3E}">
         <p14:creationId xmlns:p14="http://schemas.microsoft.com/office/powerpoint/2010/main" val="2748074138"/>
+      </p:ext>
+    </p:extLst>
+  </p:cSld>
+  <p:clrMapOvr>
+    <a:masterClrMapping/>
+  </p:clrMapOvr>
+</p:notes>
+</file>
+
+<file path=ppt/notesSlides/notesSlide2.xml><?xml version="1.0" encoding="utf-8"?>
+<p:notes xmlns:a="http://schemas.openxmlformats.org/drawingml/2006/main" xmlns:r="http://schemas.openxmlformats.org/officeDocument/2006/relationships" xmlns:p="http://schemas.openxmlformats.org/presentationml/2006/main">
+  <p:cSld>
+    <p:spTree>
+      <p:nvGrpSpPr>
+        <p:cNvPr id="1" name=""/>
+        <p:cNvGrpSpPr/>
+        <p:nvPr/>
+      </p:nvGrpSpPr>
+      <p:grpSpPr>
+        <a:xfrm>
+          <a:off x="0" y="0"/>
+          <a:ext cx="0" cy="0"/>
+          <a:chOff x="0" y="0"/>
+          <a:chExt cx="0" cy="0"/>
+        </a:xfrm>
+      </p:grpSpPr>
+      <p:sp>
+        <p:nvSpPr>
+          <p:cNvPr id="2" name="Slide Image Placeholder 1"/>
+          <p:cNvSpPr>
+            <a:spLocks noGrp="1" noRot="1" noChangeAspect="1"/>
+          </p:cNvSpPr>
+          <p:nvPr>
+            <p:ph type="sldImg"/>
+          </p:nvPr>
+        </p:nvSpPr>
+        <p:spPr/>
+      </p:sp>
+      <p:sp>
+        <p:nvSpPr>
+          <p:cNvPr id="3" name="Notes Placeholder 2"/>
+          <p:cNvSpPr>
+            <a:spLocks noGrp="1"/>
+          </p:cNvSpPr>
+          <p:nvPr>
+            <p:ph type="body" idx="1"/>
+          </p:nvPr>
+        </p:nvSpPr>
+        <p:spPr/>
+        <p:txBody>
+          <a:bodyPr/>
+          <a:lstStyle/>
+          <a:p>
+            <a:r>
+              <a:rPr lang="en-US" dirty="0"/>
+              <a:t>Temperature depended on height of </a:t>
+            </a:r>
+            <a:r>
+              <a:rPr lang="en-US" dirty="0" err="1"/>
+              <a:t>gletsjer</a:t>
+            </a:r>
+            <a:r>
+              <a:rPr lang="en-US" dirty="0"/>
+              <a:t>. In these plots, temperature at 2 meter height and surface temperature are plotted over time, corresponding to the </a:t>
+            </a:r>
+            <a:r>
+              <a:rPr lang="en-US" dirty="0" err="1"/>
+              <a:t>colorbar</a:t>
+            </a:r>
+            <a:r>
+              <a:rPr lang="en-US" dirty="0"/>
+              <a:t>. At the x-axis the temperatures at the </a:t>
+            </a:r>
+            <a:r>
+              <a:rPr lang="en-US" dirty="0" err="1"/>
+              <a:t>Ulvebreen</a:t>
+            </a:r>
+            <a:r>
+              <a:rPr lang="en-US" dirty="0"/>
+              <a:t> are visible and at the y-axis, the temperatures at the </a:t>
+            </a:r>
+            <a:r>
+              <a:rPr lang="en-US" dirty="0" err="1"/>
+              <a:t>Nordeskiolbreen</a:t>
+            </a:r>
+            <a:r>
+              <a:rPr lang="en-US" dirty="0"/>
+              <a:t> are visible. Looking through the different values at the axis, the </a:t>
+            </a:r>
+            <a:r>
+              <a:rPr lang="en-US" dirty="0" err="1"/>
+              <a:t>Nordenskioldbreen</a:t>
+            </a:r>
+            <a:r>
+              <a:rPr lang="en-US" dirty="0"/>
+              <a:t> looks colder, because the </a:t>
+            </a:r>
+            <a:r>
+              <a:rPr lang="en-US" dirty="0" err="1"/>
+              <a:t>Nordenskiolbreen</a:t>
+            </a:r>
+            <a:r>
+              <a:rPr lang="en-US" dirty="0"/>
+              <a:t> is located higher. To correct for this, the lapse rate of 2,334 degrees per meter is added to the data, corresponding to the black line. Taking the correction factor into account, a T-test is done. With a p-value of 0.4, the </a:t>
+            </a:r>
+            <a:r>
+              <a:rPr lang="en-US" dirty="0" err="1"/>
+              <a:t>Nordeskioldbreen</a:t>
+            </a:r>
+            <a:r>
+              <a:rPr lang="en-US" dirty="0"/>
+              <a:t> is not significant warmer than the </a:t>
+            </a:r>
+            <a:r>
+              <a:rPr lang="en-US" dirty="0" err="1"/>
+              <a:t>Ulvebreen</a:t>
+            </a:r>
+            <a:r>
+              <a:rPr lang="en-US" dirty="0"/>
+              <a:t>. </a:t>
+            </a:r>
+            <a:br>
+              <a:rPr lang="en-US" dirty="0"/>
+            </a:br>
+            <a:br>
+              <a:rPr lang="en-US" dirty="0"/>
+            </a:br>
+            <a:r>
+              <a:rPr lang="en-US" dirty="0" err="1"/>
+              <a:t>Afbuigen</a:t>
+            </a:r>
+            <a:r>
+              <a:rPr lang="en-US" dirty="0"/>
+              <a:t> </a:t>
+            </a:r>
+            <a:r>
+              <a:rPr lang="en-US" dirty="0" err="1"/>
+              <a:t>boven</a:t>
+            </a:r>
+            <a:r>
+              <a:rPr lang="en-US" dirty="0"/>
+              <a:t> 0 </a:t>
+            </a:r>
+            <a:r>
+              <a:rPr lang="en-US" dirty="0" err="1"/>
+              <a:t>graden</a:t>
+            </a:r>
+            <a:r>
+              <a:rPr lang="en-US" dirty="0"/>
+              <a:t>? (</a:t>
+            </a:r>
+            <a:r>
+              <a:rPr lang="en-US" dirty="0" err="1"/>
+              <a:t>immers</a:t>
+            </a:r>
+            <a:r>
+              <a:rPr lang="en-US" dirty="0"/>
+              <a:t> if 0 </a:t>
+            </a:r>
+            <a:r>
+              <a:rPr lang="en-US" dirty="0" err="1"/>
+              <a:t>graden</a:t>
+            </a:r>
+            <a:r>
+              <a:rPr lang="en-US" dirty="0"/>
+              <a:t>, dan </a:t>
+            </a:r>
+            <a:r>
+              <a:rPr lang="en-US" dirty="0" err="1"/>
+              <a:t>smeltijs</a:t>
+            </a:r>
+            <a:r>
+              <a:rPr lang="en-US" dirty="0"/>
+              <a:t>)</a:t>
+            </a:r>
+            <a:endParaRPr lang="en-NL" dirty="0"/>
+          </a:p>
+        </p:txBody>
+      </p:sp>
+      <p:sp>
+        <p:nvSpPr>
+          <p:cNvPr id="4" name="Slide Number Placeholder 3"/>
+          <p:cNvSpPr>
+            <a:spLocks noGrp="1"/>
+          </p:cNvSpPr>
+          <p:nvPr>
+            <p:ph type="sldNum" sz="quarter" idx="5"/>
+          </p:nvPr>
+        </p:nvSpPr>
+        <p:spPr/>
+        <p:txBody>
+          <a:bodyPr/>
+          <a:lstStyle/>
+          <a:p>
+            <a:pPr rtl="0"/>
+            <a:fld id="{841221E5-7225-48EB-A4EE-420E7BFCF705}" type="slidenum">
+              <a:rPr lang="nl-NL" noProof="0" smtClean="0"/>
+              <a:pPr rtl="0"/>
+              <a:t>4</a:t>
+            </a:fld>
+            <a:endParaRPr lang="nl-NL" noProof="0" dirty="0"/>
+          </a:p>
+        </p:txBody>
+      </p:sp>
+    </p:spTree>
+    <p:extLst>
+      <p:ext uri="{BB962C8B-B14F-4D97-AF65-F5344CB8AC3E}">
+        <p14:creationId xmlns:p14="http://schemas.microsoft.com/office/powerpoint/2010/main" val="4219134457"/>
+      </p:ext>
+    </p:extLst>
+  </p:cSld>
+  <p:clrMapOvr>
+    <a:masterClrMapping/>
+  </p:clrMapOvr>
+</p:notes>
+</file>
+
+<file path=ppt/notesSlides/notesSlide3.xml><?xml version="1.0" encoding="utf-8"?>
+<p:notes xmlns:a="http://schemas.openxmlformats.org/drawingml/2006/main" xmlns:r="http://schemas.openxmlformats.org/officeDocument/2006/relationships" xmlns:p="http://schemas.openxmlformats.org/presentationml/2006/main">
+  <p:cSld>
+    <p:spTree>
+      <p:nvGrpSpPr>
+        <p:cNvPr id="1" name=""/>
+        <p:cNvGrpSpPr/>
+        <p:nvPr/>
+      </p:nvGrpSpPr>
+      <p:grpSpPr>
+        <a:xfrm>
+          <a:off x="0" y="0"/>
+          <a:ext cx="0" cy="0"/>
+          <a:chOff x="0" y="0"/>
+          <a:chExt cx="0" cy="0"/>
+        </a:xfrm>
+      </p:grpSpPr>
+      <p:sp>
+        <p:nvSpPr>
+          <p:cNvPr id="2" name="Slide Image Placeholder 1"/>
+          <p:cNvSpPr>
+            <a:spLocks noGrp="1" noRot="1" noChangeAspect="1"/>
+          </p:cNvSpPr>
+          <p:nvPr>
+            <p:ph type="sldImg"/>
+          </p:nvPr>
+        </p:nvSpPr>
+        <p:spPr/>
+      </p:sp>
+      <p:sp>
+        <p:nvSpPr>
+          <p:cNvPr id="3" name="Notes Placeholder 2"/>
+          <p:cNvSpPr>
+            <a:spLocks noGrp="1"/>
+          </p:cNvSpPr>
+          <p:nvPr>
+            <p:ph type="body" idx="1"/>
+          </p:nvPr>
+        </p:nvSpPr>
+        <p:spPr/>
+        <p:txBody>
+          <a:bodyPr/>
+          <a:lstStyle/>
+          <a:p>
+            <a:r>
+              <a:rPr lang="en-US" dirty="0"/>
+              <a:t>The </a:t>
+            </a:r>
+            <a:r>
+              <a:rPr lang="en-US" dirty="0" err="1"/>
+              <a:t>Nordenksioldbreen</a:t>
+            </a:r>
+            <a:r>
+              <a:rPr lang="en-US" dirty="0"/>
+              <a:t> and </a:t>
+            </a:r>
+            <a:r>
+              <a:rPr lang="en-US" dirty="0" err="1"/>
+              <a:t>Ulvebreen</a:t>
+            </a:r>
+            <a:r>
+              <a:rPr lang="en-US" dirty="0"/>
+              <a:t> are located in different directions. Plotted are </a:t>
+            </a:r>
+            <a:r>
+              <a:rPr lang="en-US" dirty="0" err="1"/>
+              <a:t>winddirection</a:t>
+            </a:r>
+            <a:r>
+              <a:rPr lang="en-US" dirty="0"/>
+              <a:t> on x-axis, windspeed at y-axis and colors are corresponding with pressure, as visible at the </a:t>
+            </a:r>
+            <a:r>
+              <a:rPr lang="en-US" dirty="0" err="1"/>
+              <a:t>colorbar</a:t>
+            </a:r>
+            <a:r>
+              <a:rPr lang="en-US" dirty="0"/>
+              <a:t>. Katabatic winds are clearly visible at the </a:t>
+            </a:r>
+            <a:r>
+              <a:rPr lang="en-US" dirty="0" err="1"/>
+              <a:t>ulvebreen</a:t>
+            </a:r>
+            <a:r>
+              <a:rPr lang="en-US" dirty="0"/>
+              <a:t> at 250 degrees. Usually the higher the wind speed, the lower the pressure, but an exception is visible for the katabatic wind speed. </a:t>
+            </a:r>
+            <a:endParaRPr lang="en-NL" dirty="0"/>
+          </a:p>
+        </p:txBody>
+      </p:sp>
+      <p:sp>
+        <p:nvSpPr>
+          <p:cNvPr id="4" name="Slide Number Placeholder 3"/>
+          <p:cNvSpPr>
+            <a:spLocks noGrp="1"/>
+          </p:cNvSpPr>
+          <p:nvPr>
+            <p:ph type="sldNum" sz="quarter" idx="5"/>
+          </p:nvPr>
+        </p:nvSpPr>
+        <p:spPr/>
+        <p:txBody>
+          <a:bodyPr/>
+          <a:lstStyle/>
+          <a:p>
+            <a:pPr rtl="0"/>
+            <a:fld id="{841221E5-7225-48EB-A4EE-420E7BFCF705}" type="slidenum">
+              <a:rPr lang="nl-NL" noProof="0" smtClean="0"/>
+              <a:pPr rtl="0"/>
+              <a:t>7</a:t>
+            </a:fld>
+            <a:endParaRPr lang="nl-NL" noProof="0" dirty="0"/>
+          </a:p>
+        </p:txBody>
+      </p:sp>
+    </p:spTree>
+    <p:extLst>
+      <p:ext uri="{BB962C8B-B14F-4D97-AF65-F5344CB8AC3E}">
+        <p14:creationId xmlns:p14="http://schemas.microsoft.com/office/powerpoint/2010/main" val="3144938205"/>
       </p:ext>
     </p:extLst>
   </p:cSld>
@@ -935,7 +1275,7 @@
             <a:pPr rtl="0"/>
             <a:fld id="{5BE58D0C-B18C-4E45-B9D5-64B93015D0F3}" type="datetime1">
               <a:rPr lang="nl-NL" noProof="0" smtClean="0"/>
-              <a:t>16-10-2018</a:t>
+              <a:t>17-10-2018</a:t>
             </a:fld>
             <a:endParaRPr lang="nl-NL" noProof="0" dirty="0"/>
           </a:p>
@@ -984,7 +1324,7 @@
             <a:fld id="{7DC1BBB0-96F0-4077-A278-0F3FB5C104D3}" type="slidenum">
               <a:rPr lang="nl-NL" noProof="0" smtClean="0"/>
               <a:pPr rtl="0"/>
-              <a:t>‹nr.›</a:t>
+              <a:t>‹#›</a:t>
             </a:fld>
             <a:endParaRPr lang="nl-NL" noProof="0" dirty="0"/>
           </a:p>
@@ -1125,7 +1465,7 @@
             <a:pPr rtl="0"/>
             <a:fld id="{DEEB18D8-77BC-425C-AF0A-16DB76946B9E}" type="datetime1">
               <a:rPr lang="nl-NL" noProof="0" smtClean="0"/>
-              <a:t>16-10-2018</a:t>
+              <a:t>17-10-2018</a:t>
             </a:fld>
             <a:endParaRPr lang="nl-NL" noProof="0" dirty="0"/>
           </a:p>
@@ -1173,7 +1513,7 @@
             <a:pPr rtl="0"/>
             <a:fld id="{7DC1BBB0-96F0-4077-A278-0F3FB5C104D3}" type="slidenum">
               <a:rPr lang="nl-NL" noProof="0" smtClean="0"/>
-              <a:t>‹nr.›</a:t>
+              <a:t>‹#›</a:t>
             </a:fld>
             <a:endParaRPr lang="nl-NL" noProof="0" dirty="0"/>
           </a:p>
@@ -1324,7 +1664,7 @@
             <a:pPr rtl="0"/>
             <a:fld id="{29970CB2-6E4B-4EFE-B0F6-784A8BFA68C0}" type="datetime1">
               <a:rPr lang="nl-NL" noProof="0" smtClean="0"/>
-              <a:t>16-10-2018</a:t>
+              <a:t>17-10-2018</a:t>
             </a:fld>
             <a:endParaRPr lang="nl-NL" noProof="0" dirty="0"/>
           </a:p>
@@ -1372,7 +1712,7 @@
             <a:pPr rtl="0"/>
             <a:fld id="{7DC1BBB0-96F0-4077-A278-0F3FB5C104D3}" type="slidenum">
               <a:rPr lang="nl-NL" noProof="0" smtClean="0"/>
-              <a:t>‹nr.›</a:t>
+              <a:t>‹#›</a:t>
             </a:fld>
             <a:endParaRPr lang="nl-NL" noProof="0" dirty="0"/>
           </a:p>
@@ -1513,7 +1853,7 @@
             <a:pPr rtl="0"/>
             <a:fld id="{A330C59B-4812-4B35-9A8F-1CC0C645D246}" type="datetime1">
               <a:rPr lang="nl-NL" noProof="0" smtClean="0"/>
-              <a:t>16-10-2018</a:t>
+              <a:t>17-10-2018</a:t>
             </a:fld>
             <a:endParaRPr lang="nl-NL" noProof="0" dirty="0"/>
           </a:p>
@@ -1562,7 +1902,7 @@
             <a:fld id="{7DC1BBB0-96F0-4077-A278-0F3FB5C104D3}" type="slidenum">
               <a:rPr lang="nl-NL" noProof="0" smtClean="0"/>
               <a:pPr rtl="0"/>
-              <a:t>‹nr.›</a:t>
+              <a:t>‹#›</a:t>
             </a:fld>
             <a:endParaRPr lang="nl-NL" noProof="0" dirty="0"/>
           </a:p>
@@ -1768,7 +2108,7 @@
             <a:pPr rtl="0"/>
             <a:fld id="{D31A0523-37D0-4B74-AE8E-62ED3A51897B}" type="datetime1">
               <a:rPr lang="nl-NL" noProof="0" smtClean="0"/>
-              <a:t>16-10-2018</a:t>
+              <a:t>17-10-2018</a:t>
             </a:fld>
             <a:endParaRPr lang="nl-NL" noProof="0" dirty="0"/>
           </a:p>
@@ -1817,7 +2157,7 @@
             <a:fld id="{7DC1BBB0-96F0-4077-A278-0F3FB5C104D3}" type="slidenum">
               <a:rPr lang="nl-NL" noProof="0" smtClean="0"/>
               <a:pPr rtl="0"/>
-              <a:t>‹nr.›</a:t>
+              <a:t>‹#›</a:t>
             </a:fld>
             <a:endParaRPr lang="nl-NL" noProof="0" dirty="0"/>
           </a:p>
@@ -2020,7 +2360,7 @@
             <a:pPr rtl="0"/>
             <a:fld id="{25DC63D1-86E4-48D8-B161-F942E19FD40F}" type="datetime1">
               <a:rPr lang="nl-NL" noProof="0" smtClean="0"/>
-              <a:t>16-10-2018</a:t>
+              <a:t>17-10-2018</a:t>
             </a:fld>
             <a:endParaRPr lang="nl-NL" noProof="0" dirty="0"/>
           </a:p>
@@ -2068,7 +2408,7 @@
             <a:pPr rtl="0"/>
             <a:fld id="{7DC1BBB0-96F0-4077-A278-0F3FB5C104D3}" type="slidenum">
               <a:rPr lang="nl-NL" noProof="0" smtClean="0"/>
-              <a:t>‹nr.›</a:t>
+              <a:t>‹#›</a:t>
             </a:fld>
             <a:endParaRPr lang="nl-NL" noProof="0" dirty="0"/>
           </a:p>
@@ -2406,7 +2746,7 @@
             <a:pPr rtl="0"/>
             <a:fld id="{A866786B-1B0E-4D79-8012-342D473B0383}" type="datetime1">
               <a:rPr lang="nl-NL" noProof="0" smtClean="0"/>
-              <a:t>16-10-2018</a:t>
+              <a:t>17-10-2018</a:t>
             </a:fld>
             <a:endParaRPr lang="nl-NL" noProof="0" dirty="0"/>
           </a:p>
@@ -2454,7 +2794,7 @@
             <a:pPr rtl="0"/>
             <a:fld id="{7DC1BBB0-96F0-4077-A278-0F3FB5C104D3}" type="slidenum">
               <a:rPr lang="nl-NL" noProof="0" smtClean="0"/>
-              <a:t>‹nr.›</a:t>
+              <a:t>‹#›</a:t>
             </a:fld>
             <a:endParaRPr lang="nl-NL" noProof="0" dirty="0"/>
           </a:p>
@@ -2543,7 +2883,7 @@
             <a:pPr rtl="0"/>
             <a:fld id="{9479008A-7110-49D3-A08C-FC596D8713CB}" type="datetime1">
               <a:rPr lang="nl-NL" noProof="0" smtClean="0"/>
-              <a:t>16-10-2018</a:t>
+              <a:t>17-10-2018</a:t>
             </a:fld>
             <a:endParaRPr lang="nl-NL" noProof="0" dirty="0"/>
           </a:p>
@@ -2591,7 +2931,7 @@
             <a:pPr rtl="0"/>
             <a:fld id="{7DC1BBB0-96F0-4077-A278-0F3FB5C104D3}" type="slidenum">
               <a:rPr lang="nl-NL" noProof="0" smtClean="0"/>
-              <a:t>‹nr.›</a:t>
+              <a:t>‹#›</a:t>
             </a:fld>
             <a:endParaRPr lang="nl-NL" noProof="0" dirty="0"/>
           </a:p>
@@ -2657,7 +2997,7 @@
             <a:pPr rtl="0"/>
             <a:fld id="{B0980797-328D-4E1A-9313-2192C7581634}" type="datetime1">
               <a:rPr lang="nl-NL" noProof="0" smtClean="0"/>
-              <a:t>16-10-2018</a:t>
+              <a:t>17-10-2018</a:t>
             </a:fld>
             <a:endParaRPr lang="nl-NL" noProof="0" dirty="0"/>
           </a:p>
@@ -2706,7 +3046,7 @@
             <a:fld id="{7DC1BBB0-96F0-4077-A278-0F3FB5C104D3}" type="slidenum">
               <a:rPr lang="nl-NL" noProof="0" smtClean="0"/>
               <a:pPr rtl="0"/>
-              <a:t>‹nr.›</a:t>
+              <a:t>‹#›</a:t>
             </a:fld>
             <a:endParaRPr lang="nl-NL" noProof="0" dirty="0"/>
           </a:p>
@@ -2954,7 +3294,7 @@
             <a:pPr rtl="0"/>
             <a:fld id="{BE4C4D19-A41C-4D90-9236-CAB2851A3E19}" type="datetime1">
               <a:rPr lang="nl-NL" noProof="0" smtClean="0"/>
-              <a:t>16-10-2018</a:t>
+              <a:t>17-10-2018</a:t>
             </a:fld>
             <a:endParaRPr lang="nl-NL" noProof="0" dirty="0"/>
           </a:p>
@@ -3002,7 +3342,7 @@
             <a:pPr rtl="0"/>
             <a:fld id="{7DC1BBB0-96F0-4077-A278-0F3FB5C104D3}" type="slidenum">
               <a:rPr lang="nl-NL" noProof="0" smtClean="0"/>
-              <a:t>‹nr.›</a:t>
+              <a:t>‹#›</a:t>
             </a:fld>
             <a:endParaRPr lang="nl-NL" noProof="0" dirty="0"/>
           </a:p>
@@ -3226,7 +3566,7 @@
             <a:pPr rtl="0"/>
             <a:fld id="{BC29E7E8-5E92-42B7-BDEF-23F2BE794FA3}" type="datetime1">
               <a:rPr lang="nl-NL" noProof="0" smtClean="0"/>
-              <a:t>16-10-2018</a:t>
+              <a:t>17-10-2018</a:t>
             </a:fld>
             <a:endParaRPr lang="nl-NL" noProof="0" dirty="0"/>
           </a:p>
@@ -3274,7 +3614,7 @@
             <a:pPr rtl="0"/>
             <a:fld id="{7DC1BBB0-96F0-4077-A278-0F3FB5C104D3}" type="slidenum">
               <a:rPr lang="nl-NL" noProof="0" smtClean="0"/>
-              <a:t>‹nr.›</a:t>
+              <a:t>‹#›</a:t>
             </a:fld>
             <a:endParaRPr lang="nl-NL" noProof="0" dirty="0"/>
           </a:p>
@@ -3506,7 +3846,7 @@
             <a:pPr rtl="0"/>
             <a:fld id="{A330C59B-4812-4B35-9A8F-1CC0C645D246}" type="datetime1">
               <a:rPr lang="nl-NL" noProof="0" smtClean="0"/>
-              <a:t>16-10-2018</a:t>
+              <a:t>17-10-2018</a:t>
             </a:fld>
             <a:endParaRPr lang="nl-NL" noProof="0" dirty="0"/>
           </a:p>
@@ -3591,7 +3931,7 @@
             <a:fld id="{7DC1BBB0-96F0-4077-A278-0F3FB5C104D3}" type="slidenum">
               <a:rPr lang="nl-NL" noProof="0" smtClean="0"/>
               <a:pPr rtl="0"/>
-              <a:t>‹nr.›</a:t>
+              <a:t>‹#›</a:t>
             </a:fld>
             <a:endParaRPr lang="nl-NL" noProof="0" dirty="0"/>
           </a:p>
@@ -3957,6 +4297,564 @@
           <a:chExt cx="0" cy="0"/>
         </a:xfrm>
       </p:grpSpPr>
+      <p:sp>
+        <p:nvSpPr>
+          <p:cNvPr id="2" name="Titel 1"/>
+          <p:cNvSpPr>
+            <a:spLocks noGrp="1"/>
+          </p:cNvSpPr>
+          <p:nvPr>
+            <p:ph type="title"/>
+          </p:nvPr>
+        </p:nvSpPr>
+        <p:spPr/>
+        <p:txBody>
+          <a:bodyPr/>
+          <a:lstStyle/>
+          <a:p>
+            <a:r>
+              <a:rPr lang="en-GB" dirty="0" err="1"/>
+              <a:t>Verschillen</a:t>
+            </a:r>
+            <a:r>
+              <a:rPr lang="en-GB" dirty="0"/>
+              <a:t> </a:t>
+            </a:r>
+            <a:r>
+              <a:rPr lang="en-GB" dirty="0" err="1"/>
+              <a:t>tussen</a:t>
+            </a:r>
+            <a:r>
+              <a:rPr lang="en-GB" dirty="0"/>
+              <a:t> </a:t>
+            </a:r>
+            <a:r>
+              <a:rPr lang="en-GB" dirty="0" err="1"/>
+              <a:t>meetstations</a:t>
+            </a:r>
+            <a:r>
+              <a:rPr lang="en-GB" dirty="0"/>
+              <a:t> en hoe </a:t>
+            </a:r>
+            <a:r>
+              <a:rPr lang="en-GB" dirty="0" err="1"/>
+              <a:t>te</a:t>
+            </a:r>
+            <a:r>
+              <a:rPr lang="en-GB" dirty="0"/>
+              <a:t> </a:t>
+            </a:r>
+            <a:r>
+              <a:rPr lang="en-GB" dirty="0" err="1"/>
+              <a:t>verklaren</a:t>
+            </a:r>
+            <a:endParaRPr lang="en-GB" dirty="0"/>
+          </a:p>
+        </p:txBody>
+      </p:sp>
+      <p:sp>
+        <p:nvSpPr>
+          <p:cNvPr id="3" name="Tijdelijke aanduiding voor inhoud 2"/>
+          <p:cNvSpPr>
+            <a:spLocks noGrp="1"/>
+          </p:cNvSpPr>
+          <p:nvPr>
+            <p:ph idx="1"/>
+          </p:nvPr>
+        </p:nvSpPr>
+        <p:spPr/>
+        <p:txBody>
+          <a:bodyPr/>
+          <a:lstStyle/>
+          <a:p>
+            <a:r>
+              <a:rPr lang="en-GB" dirty="0" err="1"/>
+              <a:t>Temperatuur</a:t>
+            </a:r>
+            <a:r>
+              <a:rPr lang="en-GB" dirty="0"/>
+              <a:t> – </a:t>
+            </a:r>
+            <a:r>
+              <a:rPr lang="en-GB" dirty="0" err="1"/>
+              <a:t>hoogte</a:t>
+            </a:r>
+            <a:endParaRPr lang="en-GB" dirty="0"/>
+          </a:p>
+          <a:p>
+            <a:r>
+              <a:rPr lang="en-GB" dirty="0" err="1"/>
+              <a:t>Mooie</a:t>
+            </a:r>
+            <a:r>
+              <a:rPr lang="en-GB" dirty="0"/>
+              <a:t> </a:t>
+            </a:r>
+            <a:r>
+              <a:rPr lang="en-GB" dirty="0" err="1"/>
+              <a:t>plaatjes</a:t>
+            </a:r>
+            <a:r>
+              <a:rPr lang="en-GB" dirty="0"/>
+              <a:t> – katabatic wind – </a:t>
+            </a:r>
+            <a:r>
+              <a:rPr lang="en-GB" dirty="0" err="1"/>
+              <a:t>richting</a:t>
+            </a:r>
+            <a:r>
+              <a:rPr lang="en-GB" dirty="0"/>
+              <a:t> </a:t>
+            </a:r>
+            <a:r>
+              <a:rPr lang="en-GB" dirty="0" err="1"/>
+              <a:t>gletsjer</a:t>
+            </a:r>
+            <a:endParaRPr lang="en-GB" dirty="0"/>
+          </a:p>
+          <a:p>
+            <a:r>
+              <a:rPr lang="en-GB" dirty="0" err="1"/>
+              <a:t>Sneewhoogte</a:t>
+            </a:r>
+            <a:r>
+              <a:rPr lang="en-GB" dirty="0"/>
+              <a:t> en </a:t>
+            </a:r>
+            <a:r>
+              <a:rPr lang="en-GB" dirty="0" err="1"/>
+              <a:t>straling</a:t>
+            </a:r>
+            <a:r>
+              <a:rPr lang="en-GB" dirty="0"/>
+              <a:t> - </a:t>
+            </a:r>
+            <a:r>
+              <a:rPr lang="en-GB" dirty="0" err="1"/>
+              <a:t>hoogte</a:t>
+            </a:r>
+            <a:endParaRPr lang="en-GB" dirty="0"/>
+          </a:p>
+        </p:txBody>
+      </p:sp>
+    </p:spTree>
+    <p:extLst>
+      <p:ext uri="{BB962C8B-B14F-4D97-AF65-F5344CB8AC3E}">
+        <p14:creationId xmlns:p14="http://schemas.microsoft.com/office/powerpoint/2010/main" val="1878178011"/>
+      </p:ext>
+    </p:extLst>
+  </p:cSld>
+  <p:clrMapOvr>
+    <a:masterClrMapping/>
+  </p:clrMapOvr>
+  <mc:AlternateContent xmlns:mc="http://schemas.openxmlformats.org/markup-compatibility/2006" xmlns:p14="http://schemas.microsoft.com/office/powerpoint/2010/main">
+    <mc:Choice Requires="p14">
+      <p:transition spd="med" p14:dur="700">
+        <p:fade/>
+      </p:transition>
+    </mc:Choice>
+    <mc:Fallback xmlns="">
+      <p:transition spd="med">
+        <p:fade/>
+      </p:transition>
+    </mc:Fallback>
+  </mc:AlternateContent>
+</p:sld>
+</file>
+
+<file path=ppt/slides/slide10.xml><?xml version="1.0" encoding="utf-8"?>
+<p:sld xmlns:a="http://schemas.openxmlformats.org/drawingml/2006/main" xmlns:r="http://schemas.openxmlformats.org/officeDocument/2006/relationships" xmlns:p="http://schemas.openxmlformats.org/presentationml/2006/main">
+  <p:cSld>
+    <p:spTree>
+      <p:nvGrpSpPr>
+        <p:cNvPr id="1" name=""/>
+        <p:cNvGrpSpPr/>
+        <p:nvPr/>
+      </p:nvGrpSpPr>
+      <p:grpSpPr>
+        <a:xfrm>
+          <a:off x="0" y="0"/>
+          <a:ext cx="0" cy="0"/>
+          <a:chOff x="0" y="0"/>
+          <a:chExt cx="0" cy="0"/>
+        </a:xfrm>
+      </p:grpSpPr>
+      <p:sp>
+        <p:nvSpPr>
+          <p:cNvPr id="2" name="Rectangle 1">
+            <a:extLst>
+              <a:ext uri="{FF2B5EF4-FFF2-40B4-BE49-F238E27FC236}">
+                <a16:creationId xmlns:a16="http://schemas.microsoft.com/office/drawing/2014/main" id="{9AB7D132-E3E3-4CFF-80F3-DC379BA4B8FE}"/>
+              </a:ext>
+            </a:extLst>
+          </p:cNvPr>
+          <p:cNvSpPr/>
+          <p:nvPr/>
+        </p:nvSpPr>
+        <p:spPr>
+          <a:xfrm>
+            <a:off x="693812" y="476672"/>
+            <a:ext cx="6092825" cy="6186309"/>
+          </a:xfrm>
+          <a:prstGeom prst="rect">
+            <a:avLst/>
+          </a:prstGeom>
+        </p:spPr>
+        <p:txBody>
+          <a:bodyPr>
+            <a:spAutoFit/>
+          </a:bodyPr>
+          <a:lstStyle/>
+          <a:p>
+            <a:r>
+              <a:rPr lang="en-US" dirty="0"/>
+              <a:t>PCA T-2m TA</a:t>
+            </a:r>
+          </a:p>
+          <a:p>
+            <a:r>
+              <a:rPr lang="x-none" dirty="0"/>
+              <a:t>[[1.         0.96744203 0.95924812]</a:t>
+            </a:r>
+          </a:p>
+          <a:p>
+            <a:r>
+              <a:rPr lang="x-none" dirty="0"/>
+              <a:t> [0.96744203 1.         0.96819833]</a:t>
+            </a:r>
+          </a:p>
+          <a:p>
+            <a:r>
+              <a:rPr lang="x-none" dirty="0"/>
+              <a:t> [0.95924812 0.96819833 1.        ]]</a:t>
+            </a:r>
+          </a:p>
+          <a:p>
+            <a:r>
+              <a:rPr lang="x-none" dirty="0"/>
+              <a:t>eigenvalues:  [2.92993131+0.j 0.04076847+0.j 0.02930022+0.j]</a:t>
+            </a:r>
+          </a:p>
+          <a:p>
+            <a:r>
+              <a:rPr lang="x-none" dirty="0"/>
+              <a:t>Eigenvalue 1 =  2.929931311987825</a:t>
+            </a:r>
+          </a:p>
+          <a:p>
+            <a:r>
+              <a:rPr lang="x-none" dirty="0"/>
+              <a:t>Eigenvalue 2 =  0.04076846661638439</a:t>
+            </a:r>
+          </a:p>
+          <a:p>
+            <a:r>
+              <a:rPr lang="x-none" dirty="0"/>
+              <a:t>Eigenvalue 3 =  0.029300221395791408</a:t>
+            </a:r>
+          </a:p>
+          <a:p>
+            <a:r>
+              <a:rPr lang="x-none" dirty="0"/>
+              <a:t>Variance of total data:</a:t>
+            </a:r>
+          </a:p>
+          <a:p>
+            <a:r>
+              <a:rPr lang="x-none" dirty="0"/>
+              <a:t>Eigenvalue 1 =  97.66437706626084</a:t>
+            </a:r>
+          </a:p>
+          <a:p>
+            <a:r>
+              <a:rPr lang="x-none" dirty="0"/>
+              <a:t>Eigenvalue 2 =  1.358948887212813</a:t>
+            </a:r>
+          </a:p>
+          <a:p>
+            <a:r>
+              <a:rPr lang="x-none" dirty="0"/>
+              <a:t>Eigenvalue 3 =  0.9766740465263802</a:t>
+            </a:r>
+          </a:p>
+          <a:p>
+            <a:r>
+              <a:rPr lang="x-none" dirty="0"/>
+              <a:t>eigenvectors: </a:t>
+            </a:r>
+          </a:p>
+          <a:p>
+            <a:r>
+              <a:rPr lang="x-none" dirty="0"/>
+              <a:t>[[-0.57670524 -0.72222661  0.38183737]</a:t>
+            </a:r>
+          </a:p>
+          <a:p>
+            <a:r>
+              <a:rPr lang="x-none" dirty="0"/>
+              <a:t> [-0.5784872   0.03098743 -0.81510266]</a:t>
+            </a:r>
+          </a:p>
+          <a:p>
+            <a:r>
+              <a:rPr lang="x-none" dirty="0"/>
+              <a:t> [-0.57685667  0.69096201  0.43566946]]</a:t>
+            </a:r>
+          </a:p>
+          <a:p>
+            <a:r>
+              <a:rPr lang="x-none" dirty="0"/>
+              <a:t>number 1: -0.5767052431704728 -0.5784871988297967 -0.5768566748246406</a:t>
+            </a:r>
+          </a:p>
+          <a:p>
+            <a:r>
+              <a:rPr lang="x-none" dirty="0"/>
+              <a:t>number 2: -0.7222266147466163 0.030987425819239345 0.6909620079228234</a:t>
+            </a:r>
+          </a:p>
+          <a:p>
+            <a:r>
+              <a:rPr lang="x-none" dirty="0"/>
+              <a:t>number 3: 0.3818373730416173 -0.8151026562532794 0.435669462227415</a:t>
+            </a:r>
+          </a:p>
+        </p:txBody>
+      </p:sp>
+    </p:spTree>
+    <p:extLst>
+      <p:ext uri="{BB962C8B-B14F-4D97-AF65-F5344CB8AC3E}">
+        <p14:creationId xmlns:p14="http://schemas.microsoft.com/office/powerpoint/2010/main" val="2874328257"/>
+      </p:ext>
+    </p:extLst>
+  </p:cSld>
+  <p:clrMapOvr>
+    <a:masterClrMapping/>
+  </p:clrMapOvr>
+  <mc:AlternateContent xmlns:mc="http://schemas.openxmlformats.org/markup-compatibility/2006" xmlns:p14="http://schemas.microsoft.com/office/powerpoint/2010/main">
+    <mc:Choice Requires="p14">
+      <p:transition spd="med" p14:dur="700">
+        <p:fade/>
+      </p:transition>
+    </mc:Choice>
+    <mc:Fallback xmlns="">
+      <p:transition spd="med">
+        <p:fade/>
+      </p:transition>
+    </mc:Fallback>
+  </mc:AlternateContent>
+</p:sld>
+</file>
+
+<file path=ppt/slides/slide11.xml><?xml version="1.0" encoding="utf-8"?>
+<p:sld xmlns:a="http://schemas.openxmlformats.org/drawingml/2006/main" xmlns:r="http://schemas.openxmlformats.org/officeDocument/2006/relationships" xmlns:p="http://schemas.openxmlformats.org/presentationml/2006/main">
+  <p:cSld>
+    <p:spTree>
+      <p:nvGrpSpPr>
+        <p:cNvPr id="1" name=""/>
+        <p:cNvGrpSpPr/>
+        <p:nvPr/>
+      </p:nvGrpSpPr>
+      <p:grpSpPr>
+        <a:xfrm>
+          <a:off x="0" y="0"/>
+          <a:ext cx="0" cy="0"/>
+          <a:chOff x="0" y="0"/>
+          <a:chExt cx="0" cy="0"/>
+        </a:xfrm>
+      </p:grpSpPr>
+      <p:sp>
+        <p:nvSpPr>
+          <p:cNvPr id="2" name="Rectangle 1">
+            <a:extLst>
+              <a:ext uri="{FF2B5EF4-FFF2-40B4-BE49-F238E27FC236}">
+                <a16:creationId xmlns:a16="http://schemas.microsoft.com/office/drawing/2014/main" id="{A969AED3-5A09-440D-BBAA-0541063F26EC}"/>
+              </a:ext>
+            </a:extLst>
+          </p:cNvPr>
+          <p:cNvSpPr/>
+          <p:nvPr/>
+        </p:nvSpPr>
+        <p:spPr>
+          <a:xfrm>
+            <a:off x="333772" y="394692"/>
+            <a:ext cx="6092825" cy="6463308"/>
+          </a:xfrm>
+          <a:prstGeom prst="rect">
+            <a:avLst/>
+          </a:prstGeom>
+        </p:spPr>
+        <p:txBody>
+          <a:bodyPr>
+            <a:spAutoFit/>
+          </a:bodyPr>
+          <a:lstStyle/>
+          <a:p>
+            <a:r>
+              <a:rPr lang="en-US" dirty="0"/>
+              <a:t>PCA P </a:t>
+            </a:r>
+            <a:r>
+              <a:rPr lang="en-US" dirty="0" err="1"/>
+              <a:t>luchtdruk</a:t>
+            </a:r>
+            <a:endParaRPr lang="en-US" dirty="0"/>
+          </a:p>
+          <a:p>
+            <a:endParaRPr lang="en-US" dirty="0"/>
+          </a:p>
+          <a:p>
+            <a:r>
+              <a:rPr lang="x-none" dirty="0"/>
+              <a:t>[[1.         0.87833401 0.99169127]</a:t>
+            </a:r>
+          </a:p>
+          <a:p>
+            <a:r>
+              <a:rPr lang="x-none" dirty="0"/>
+              <a:t> [0.87833401 1.         0.87540947]</a:t>
+            </a:r>
+          </a:p>
+          <a:p>
+            <a:r>
+              <a:rPr lang="x-none" dirty="0"/>
+              <a:t> [0.99169127 0.87540947 1.        ]]</a:t>
+            </a:r>
+          </a:p>
+          <a:p>
+            <a:r>
+              <a:rPr lang="x-none" dirty="0"/>
+              <a:t>eigenvalues:  [2.83138757+0.j 0.00828897+0.j 0.16032346+0.j]</a:t>
+            </a:r>
+          </a:p>
+          <a:p>
+            <a:r>
+              <a:rPr lang="x-none" dirty="0"/>
+              <a:t>Eigenvalue 1 =  2.8313875658218937</a:t>
+            </a:r>
+          </a:p>
+          <a:p>
+            <a:r>
+              <a:rPr lang="x-none" dirty="0"/>
+              <a:t>Eigenvalue 2 =  0.16032346392847416</a:t>
+            </a:r>
+          </a:p>
+          <a:p>
+            <a:r>
+              <a:rPr lang="x-none" dirty="0"/>
+              <a:t>Eigenvalue 3 =  0.008288970249631876</a:t>
+            </a:r>
+          </a:p>
+          <a:p>
+            <a:r>
+              <a:rPr lang="x-none" dirty="0"/>
+              <a:t>Variance of total data:</a:t>
+            </a:r>
+          </a:p>
+          <a:p>
+            <a:r>
+              <a:rPr lang="x-none" dirty="0"/>
+              <a:t>Eigenvalue 1 =  94.37958552739646</a:t>
+            </a:r>
+          </a:p>
+          <a:p>
+            <a:r>
+              <a:rPr lang="x-none" dirty="0"/>
+              <a:t>Eigenvalue 2 =  5.344115464282472</a:t>
+            </a:r>
+          </a:p>
+          <a:p>
+            <a:r>
+              <a:rPr lang="x-none" dirty="0"/>
+              <a:t>Eigenvalue 3 =  0.2762990083210625</a:t>
+            </a:r>
+          </a:p>
+          <a:p>
+            <a:r>
+              <a:rPr lang="x-none" dirty="0"/>
+              <a:t>eigenvectors: </a:t>
+            </a:r>
+          </a:p>
+          <a:p>
+            <a:r>
+              <a:rPr lang="x-none" dirty="0"/>
+              <a:t>[[-0.58579632 -0.71128698  0.38847587]</a:t>
+            </a:r>
+          </a:p>
+          <a:p>
+            <a:r>
+              <a:rPr lang="x-none" dirty="0"/>
+              <a:t> [-0.56068307  0.00955682 -0.82797534]</a:t>
+            </a:r>
+          </a:p>
+          <a:p>
+            <a:r>
+              <a:rPr lang="x-none" dirty="0"/>
+              <a:t> [-0.58521549  0.70283675  0.40440492]]</a:t>
+            </a:r>
+          </a:p>
+          <a:p>
+            <a:r>
+              <a:rPr lang="x-none" dirty="0"/>
+              <a:t>number 1: -0.5857963198528137 -0.5606830721903274 -0.585215485275395</a:t>
+            </a:r>
+          </a:p>
+          <a:p>
+            <a:r>
+              <a:rPr lang="x-none" dirty="0"/>
+              <a:t>number 2: -0.7112869805196672 0.00955681647707408 0.7028367510325838</a:t>
+            </a:r>
+          </a:p>
+          <a:p>
+            <a:r>
+              <a:rPr lang="x-none" dirty="0"/>
+              <a:t>number 3: 0.3884758718248986 -0.8279753376870833 0.4044049173685274</a:t>
+            </a:r>
+          </a:p>
+        </p:txBody>
+      </p:sp>
+    </p:spTree>
+    <p:extLst>
+      <p:ext uri="{BB962C8B-B14F-4D97-AF65-F5344CB8AC3E}">
+        <p14:creationId xmlns:p14="http://schemas.microsoft.com/office/powerpoint/2010/main" val="1305984340"/>
+      </p:ext>
+    </p:extLst>
+  </p:cSld>
+  <p:clrMapOvr>
+    <a:masterClrMapping/>
+  </p:clrMapOvr>
+  <mc:AlternateContent xmlns:mc="http://schemas.openxmlformats.org/markup-compatibility/2006" xmlns:p14="http://schemas.microsoft.com/office/powerpoint/2010/main">
+    <mc:Choice Requires="p14">
+      <p:transition spd="med" p14:dur="700">
+        <p:fade/>
+      </p:transition>
+    </mc:Choice>
+    <mc:Fallback xmlns="">
+      <p:transition spd="med">
+        <p:fade/>
+      </p:transition>
+    </mc:Fallback>
+  </mc:AlternateContent>
+</p:sld>
+</file>
+
+<file path=ppt/slides/slide2.xml><?xml version="1.0" encoding="utf-8"?>
+<p:sld xmlns:a="http://schemas.openxmlformats.org/drawingml/2006/main" xmlns:r="http://schemas.openxmlformats.org/officeDocument/2006/relationships" xmlns:p="http://schemas.openxmlformats.org/presentationml/2006/main">
+  <p:cSld>
+    <p:spTree>
+      <p:nvGrpSpPr>
+        <p:cNvPr id="1" name=""/>
+        <p:cNvGrpSpPr/>
+        <p:nvPr/>
+      </p:nvGrpSpPr>
+      <p:grpSpPr>
+        <a:xfrm>
+          <a:off x="0" y="0"/>
+          <a:ext cx="0" cy="0"/>
+          <a:chOff x="0" y="0"/>
+          <a:chExt cx="0" cy="0"/>
+        </a:xfrm>
+      </p:grpSpPr>
       <p:pic>
         <p:nvPicPr>
           <p:cNvPr id="4" name="Afbeelding 3"/>
@@ -4097,7 +4995,450 @@
 </p:sld>
 </file>
 
-<file path=ppt/slides/slide2.xml><?xml version="1.0" encoding="utf-8"?>
+<file path=ppt/slides/slide3.xml><?xml version="1.0" encoding="utf-8"?>
+<p:sld xmlns:a="http://schemas.openxmlformats.org/drawingml/2006/main" xmlns:r="http://schemas.openxmlformats.org/officeDocument/2006/relationships" xmlns:p="http://schemas.openxmlformats.org/presentationml/2006/main">
+  <p:cSld>
+    <p:spTree>
+      <p:nvGrpSpPr>
+        <p:cNvPr id="1" name=""/>
+        <p:cNvGrpSpPr/>
+        <p:nvPr/>
+      </p:nvGrpSpPr>
+      <p:grpSpPr>
+        <a:xfrm>
+          <a:off x="0" y="0"/>
+          <a:ext cx="0" cy="0"/>
+          <a:chOff x="0" y="0"/>
+          <a:chExt cx="0" cy="0"/>
+        </a:xfrm>
+      </p:grpSpPr>
+      <p:pic>
+        <p:nvPicPr>
+          <p:cNvPr id="1026" name="Picture 2" descr="https://www.projects.science.uu.nl/iceclimate/aws/files_stations/nbreen_2010b.jpg"/>
+          <p:cNvPicPr>
+            <a:picLocks noChangeAspect="1" noChangeArrowheads="1"/>
+          </p:cNvPicPr>
+          <p:nvPr/>
+        </p:nvPicPr>
+        <p:blipFill>
+          <a:blip r:embed="rId2">
+            <a:extLst>
+              <a:ext uri="{28A0092B-C50C-407E-A947-70E740481C1C}">
+                <a14:useLocalDpi xmlns:a14="http://schemas.microsoft.com/office/drawing/2010/main" val="0"/>
+              </a:ext>
+            </a:extLst>
+          </a:blip>
+          <a:srcRect/>
+          <a:stretch>
+            <a:fillRect/>
+          </a:stretch>
+        </p:blipFill>
+        <p:spPr bwMode="auto">
+          <a:xfrm>
+            <a:off x="1053852" y="404664"/>
+            <a:ext cx="3333750" cy="4762500"/>
+          </a:xfrm>
+          <a:prstGeom prst="rect">
+            <a:avLst/>
+          </a:prstGeom>
+          <a:noFill/>
+          <a:extLst>
+            <a:ext uri="{909E8E84-426E-40DD-AFC4-6F175D3DCCD1}">
+              <a14:hiddenFill xmlns:a14="http://schemas.microsoft.com/office/drawing/2010/main">
+                <a:solidFill>
+                  <a:srgbClr val="FFFFFF"/>
+                </a:solidFill>
+              </a14:hiddenFill>
+            </a:ext>
+          </a:extLst>
+        </p:spPr>
+      </p:pic>
+      <p:sp>
+        <p:nvSpPr>
+          <p:cNvPr id="2" name="Tekstvak 1"/>
+          <p:cNvSpPr txBox="1"/>
+          <p:nvPr/>
+        </p:nvSpPr>
+        <p:spPr>
+          <a:xfrm>
+            <a:off x="1053852" y="5301208"/>
+            <a:ext cx="3528392" cy="369332"/>
+          </a:xfrm>
+          <a:prstGeom prst="rect">
+            <a:avLst/>
+          </a:prstGeom>
+          <a:noFill/>
+        </p:spPr>
+        <p:txBody>
+          <a:bodyPr wrap="square" rtlCol="0">
+            <a:spAutoFit/>
+          </a:bodyPr>
+          <a:lstStyle/>
+          <a:p>
+            <a:r>
+              <a:rPr lang="en-GB" dirty="0" err="1"/>
+              <a:t>Nordenskiöldbreen</a:t>
+            </a:r>
+            <a:endParaRPr lang="en-GB" dirty="0"/>
+          </a:p>
+        </p:txBody>
+      </p:sp>
+      <p:pic>
+        <p:nvPicPr>
+          <p:cNvPr id="1028" name="Picture 4" descr="https://www.projects.science.uu.nl/iceclimate/aws/files_stations/ulvebreen_2015.jpg"/>
+          <p:cNvPicPr>
+            <a:picLocks noChangeAspect="1" noChangeArrowheads="1"/>
+          </p:cNvPicPr>
+          <p:nvPr/>
+        </p:nvPicPr>
+        <p:blipFill>
+          <a:blip r:embed="rId3">
+            <a:extLst>
+              <a:ext uri="{28A0092B-C50C-407E-A947-70E740481C1C}">
+                <a14:useLocalDpi xmlns:a14="http://schemas.microsoft.com/office/drawing/2010/main" val="0"/>
+              </a:ext>
+            </a:extLst>
+          </a:blip>
+          <a:srcRect/>
+          <a:stretch>
+            <a:fillRect/>
+          </a:stretch>
+        </p:blipFill>
+        <p:spPr bwMode="auto">
+          <a:xfrm>
+            <a:off x="7102524" y="481937"/>
+            <a:ext cx="3286125" cy="4762500"/>
+          </a:xfrm>
+          <a:prstGeom prst="rect">
+            <a:avLst/>
+          </a:prstGeom>
+          <a:noFill/>
+          <a:extLst>
+            <a:ext uri="{909E8E84-426E-40DD-AFC4-6F175D3DCCD1}">
+              <a14:hiddenFill xmlns:a14="http://schemas.microsoft.com/office/drawing/2010/main">
+                <a:solidFill>
+                  <a:srgbClr val="FFFFFF"/>
+                </a:solidFill>
+              </a14:hiddenFill>
+            </a:ext>
+          </a:extLst>
+        </p:spPr>
+      </p:pic>
+      <p:sp>
+        <p:nvSpPr>
+          <p:cNvPr id="5" name="Tekstvak 4"/>
+          <p:cNvSpPr txBox="1"/>
+          <p:nvPr/>
+        </p:nvSpPr>
+        <p:spPr>
+          <a:xfrm>
+            <a:off x="6981390" y="5323178"/>
+            <a:ext cx="3528392" cy="369332"/>
+          </a:xfrm>
+          <a:prstGeom prst="rect">
+            <a:avLst/>
+          </a:prstGeom>
+          <a:noFill/>
+        </p:spPr>
+        <p:txBody>
+          <a:bodyPr wrap="square" rtlCol="0">
+            <a:spAutoFit/>
+          </a:bodyPr>
+          <a:lstStyle/>
+          <a:p>
+            <a:r>
+              <a:rPr lang="en-GB" dirty="0" err="1"/>
+              <a:t>Ulvebreen</a:t>
+            </a:r>
+            <a:endParaRPr lang="en-GB" dirty="0"/>
+          </a:p>
+        </p:txBody>
+      </p:sp>
+    </p:spTree>
+    <p:extLst>
+      <p:ext uri="{BB962C8B-B14F-4D97-AF65-F5344CB8AC3E}">
+        <p14:creationId xmlns:p14="http://schemas.microsoft.com/office/powerpoint/2010/main" val="1770106665"/>
+      </p:ext>
+    </p:extLst>
+  </p:cSld>
+  <p:clrMapOvr>
+    <a:masterClrMapping/>
+  </p:clrMapOvr>
+  <mc:AlternateContent xmlns:mc="http://schemas.openxmlformats.org/markup-compatibility/2006" xmlns:p14="http://schemas.microsoft.com/office/powerpoint/2010/main">
+    <mc:Choice Requires="p14">
+      <p:transition spd="med" p14:dur="700">
+        <p:fade/>
+      </p:transition>
+    </mc:Choice>
+    <mc:Fallback xmlns="">
+      <p:transition spd="med">
+        <p:fade/>
+      </p:transition>
+    </mc:Fallback>
+  </mc:AlternateContent>
+</p:sld>
+</file>
+
+<file path=ppt/slides/slide4.xml><?xml version="1.0" encoding="utf-8"?>
+<p:sld xmlns:a="http://schemas.openxmlformats.org/drawingml/2006/main" xmlns:r="http://schemas.openxmlformats.org/officeDocument/2006/relationships" xmlns:p="http://schemas.openxmlformats.org/presentationml/2006/main">
+  <p:cSld>
+    <p:spTree>
+      <p:nvGrpSpPr>
+        <p:cNvPr id="1" name=""/>
+        <p:cNvGrpSpPr/>
+        <p:nvPr/>
+      </p:nvGrpSpPr>
+      <p:grpSpPr>
+        <a:xfrm>
+          <a:off x="0" y="0"/>
+          <a:ext cx="0" cy="0"/>
+          <a:chOff x="0" y="0"/>
+          <a:chExt cx="0" cy="0"/>
+        </a:xfrm>
+      </p:grpSpPr>
+      <p:sp>
+        <p:nvSpPr>
+          <p:cNvPr id="2" name="Title 1">
+            <a:extLst>
+              <a:ext uri="{FF2B5EF4-FFF2-40B4-BE49-F238E27FC236}">
+                <a16:creationId xmlns:a16="http://schemas.microsoft.com/office/drawing/2014/main" id="{D9F82D00-BBEB-47D8-8921-681D6D0B5CCA}"/>
+              </a:ext>
+            </a:extLst>
+          </p:cNvPr>
+          <p:cNvSpPr>
+            <a:spLocks noGrp="1"/>
+          </p:cNvSpPr>
+          <p:nvPr>
+            <p:ph type="title"/>
+          </p:nvPr>
+        </p:nvSpPr>
+        <p:spPr/>
+        <p:txBody>
+          <a:bodyPr/>
+          <a:lstStyle/>
+          <a:p>
+            <a:r>
+              <a:rPr lang="en-GB" dirty="0"/>
+              <a:t>Temperature</a:t>
+            </a:r>
+            <a:endParaRPr lang="en-NL" dirty="0"/>
+          </a:p>
+        </p:txBody>
+      </p:sp>
+      <p:pic>
+        <p:nvPicPr>
+          <p:cNvPr id="5" name="Content Placeholder 4">
+            <a:extLst>
+              <a:ext uri="{FF2B5EF4-FFF2-40B4-BE49-F238E27FC236}">
+                <a16:creationId xmlns:a16="http://schemas.microsoft.com/office/drawing/2014/main" id="{DDA405FC-DC7B-49AC-9416-59C7F4D86A90}"/>
+              </a:ext>
+            </a:extLst>
+          </p:cNvPr>
+          <p:cNvPicPr>
+            <a:picLocks noGrp="1" noChangeAspect="1"/>
+          </p:cNvPicPr>
+          <p:nvPr>
+            <p:ph idx="1"/>
+          </p:nvPr>
+        </p:nvPicPr>
+        <p:blipFill>
+          <a:blip r:embed="rId3">
+            <a:extLst>
+              <a:ext uri="{28A0092B-C50C-407E-A947-70E740481C1C}">
+                <a14:useLocalDpi xmlns:a14="http://schemas.microsoft.com/office/drawing/2010/main" val="0"/>
+              </a:ext>
+            </a:extLst>
+          </a:blip>
+          <a:stretch>
+            <a:fillRect/>
+          </a:stretch>
+        </p:blipFill>
+        <p:spPr>
+          <a:xfrm>
+            <a:off x="545099" y="1215261"/>
+            <a:ext cx="5642739" cy="5642739"/>
+          </a:xfrm>
+        </p:spPr>
+      </p:pic>
+      <p:pic>
+        <p:nvPicPr>
+          <p:cNvPr id="7" name="Picture 6">
+            <a:extLst>
+              <a:ext uri="{FF2B5EF4-FFF2-40B4-BE49-F238E27FC236}">
+                <a16:creationId xmlns:a16="http://schemas.microsoft.com/office/drawing/2014/main" id="{F28F6D6C-3E04-4244-A7A3-87E9DED5617A}"/>
+              </a:ext>
+            </a:extLst>
+          </p:cNvPr>
+          <p:cNvPicPr>
+            <a:picLocks noChangeAspect="1"/>
+          </p:cNvPicPr>
+          <p:nvPr/>
+        </p:nvPicPr>
+        <p:blipFill>
+          <a:blip r:embed="rId4">
+            <a:extLst>
+              <a:ext uri="{28A0092B-C50C-407E-A947-70E740481C1C}">
+                <a14:useLocalDpi xmlns:a14="http://schemas.microsoft.com/office/drawing/2010/main" val="0"/>
+              </a:ext>
+            </a:extLst>
+          </a:blip>
+          <a:stretch>
+            <a:fillRect/>
+          </a:stretch>
+        </p:blipFill>
+        <p:spPr>
+          <a:xfrm>
+            <a:off x="6501983" y="1277455"/>
+            <a:ext cx="5518349" cy="5518349"/>
+          </a:xfrm>
+          <a:prstGeom prst="rect">
+            <a:avLst/>
+          </a:prstGeom>
+        </p:spPr>
+      </p:pic>
+      <p:sp>
+        <p:nvSpPr>
+          <p:cNvPr id="8" name="Tekstvak 1">
+            <a:extLst>
+              <a:ext uri="{FF2B5EF4-FFF2-40B4-BE49-F238E27FC236}">
+                <a16:creationId xmlns:a16="http://schemas.microsoft.com/office/drawing/2014/main" id="{128338E3-6E4C-44EB-9F91-BEBB4832279E}"/>
+              </a:ext>
+            </a:extLst>
+          </p:cNvPr>
+          <p:cNvSpPr txBox="1"/>
+          <p:nvPr/>
+        </p:nvSpPr>
+        <p:spPr>
+          <a:xfrm>
+            <a:off x="6653443" y="389667"/>
+            <a:ext cx="3528392" cy="369332"/>
+          </a:xfrm>
+          <a:prstGeom prst="rect">
+            <a:avLst/>
+          </a:prstGeom>
+          <a:noFill/>
+        </p:spPr>
+        <p:txBody>
+          <a:bodyPr wrap="square" rtlCol="0">
+            <a:spAutoFit/>
+          </a:bodyPr>
+          <a:lstStyle/>
+          <a:p>
+            <a:r>
+              <a:rPr lang="en-GB" dirty="0" err="1"/>
+              <a:t>Nordenskiöldbreen</a:t>
+            </a:r>
+            <a:r>
+              <a:rPr lang="en-GB" dirty="0"/>
+              <a:t> – 529 m </a:t>
+            </a:r>
+            <a:r>
+              <a:rPr lang="en-GB" dirty="0" err="1"/>
+              <a:t>a.s.l</a:t>
+            </a:r>
+            <a:r>
+              <a:rPr lang="en-GB" dirty="0"/>
+              <a:t>.</a:t>
+            </a:r>
+          </a:p>
+        </p:txBody>
+      </p:sp>
+      <p:sp>
+        <p:nvSpPr>
+          <p:cNvPr id="9" name="Tekstvak 4">
+            <a:extLst>
+              <a:ext uri="{FF2B5EF4-FFF2-40B4-BE49-F238E27FC236}">
+                <a16:creationId xmlns:a16="http://schemas.microsoft.com/office/drawing/2014/main" id="{85EBD6BF-AED2-4565-8EEA-7221708F4BB6}"/>
+              </a:ext>
+            </a:extLst>
+          </p:cNvPr>
+          <p:cNvSpPr txBox="1"/>
+          <p:nvPr/>
+        </p:nvSpPr>
+        <p:spPr>
+          <a:xfrm>
+            <a:off x="6653443" y="767948"/>
+            <a:ext cx="2672407" cy="369332"/>
+          </a:xfrm>
+          <a:prstGeom prst="rect">
+            <a:avLst/>
+          </a:prstGeom>
+          <a:noFill/>
+        </p:spPr>
+        <p:txBody>
+          <a:bodyPr wrap="square" rtlCol="0">
+            <a:spAutoFit/>
+          </a:bodyPr>
+          <a:lstStyle/>
+          <a:p>
+            <a:r>
+              <a:rPr lang="en-GB" dirty="0" err="1"/>
+              <a:t>Ulvebreen</a:t>
+            </a:r>
+            <a:r>
+              <a:rPr lang="en-GB" dirty="0"/>
+              <a:t> – 140 m </a:t>
+            </a:r>
+            <a:r>
+              <a:rPr lang="en-GB" dirty="0" err="1"/>
+              <a:t>a.s.l</a:t>
+            </a:r>
+            <a:r>
+              <a:rPr lang="en-GB" dirty="0"/>
+              <a:t>.</a:t>
+            </a:r>
+          </a:p>
+        </p:txBody>
+      </p:sp>
+      <p:sp>
+        <p:nvSpPr>
+          <p:cNvPr id="10" name="Tekstvak 4">
+            <a:extLst>
+              <a:ext uri="{FF2B5EF4-FFF2-40B4-BE49-F238E27FC236}">
+                <a16:creationId xmlns:a16="http://schemas.microsoft.com/office/drawing/2014/main" id="{639EA36E-F7CC-487D-9DC0-72EC84565058}"/>
+              </a:ext>
+            </a:extLst>
+          </p:cNvPr>
+          <p:cNvSpPr txBox="1"/>
+          <p:nvPr/>
+        </p:nvSpPr>
+        <p:spPr>
+          <a:xfrm>
+            <a:off x="6670476" y="1152331"/>
+            <a:ext cx="5518349" cy="369332"/>
+          </a:xfrm>
+          <a:prstGeom prst="rect">
+            <a:avLst/>
+          </a:prstGeom>
+          <a:noFill/>
+        </p:spPr>
+        <p:txBody>
+          <a:bodyPr wrap="square" rtlCol="0">
+            <a:spAutoFit/>
+          </a:bodyPr>
+          <a:lstStyle/>
+          <a:p>
+            <a:r>
+              <a:rPr lang="en-GB" dirty="0"/>
+              <a:t>529 – 140 = 389 * 0.6 degrees / meter = 2,3 degrees</a:t>
+            </a:r>
+          </a:p>
+        </p:txBody>
+      </p:sp>
+    </p:spTree>
+    <p:extLst>
+      <p:ext uri="{BB962C8B-B14F-4D97-AF65-F5344CB8AC3E}">
+        <p14:creationId xmlns:p14="http://schemas.microsoft.com/office/powerpoint/2010/main" val="1942872799"/>
+      </p:ext>
+    </p:extLst>
+  </p:cSld>
+  <p:clrMapOvr>
+    <a:masterClrMapping/>
+  </p:clrMapOvr>
+</p:sld>
+</file>
+
+<file path=ppt/slides/slide5.xml><?xml version="1.0" encoding="utf-8"?>
 <p:sld xmlns:a="http://schemas.openxmlformats.org/drawingml/2006/main" xmlns:r="http://schemas.openxmlformats.org/officeDocument/2006/relationships" xmlns:p="http://schemas.openxmlformats.org/presentationml/2006/main">
   <p:cSld>
     <p:spTree>
@@ -4169,7 +5510,7 @@
 </p:sld>
 </file>
 
-<file path=ppt/slides/slide3.xml><?xml version="1.0" encoding="utf-8"?>
+<file path=ppt/slides/slide6.xml><?xml version="1.0" encoding="utf-8"?>
 <p:sld xmlns:a="http://schemas.openxmlformats.org/drawingml/2006/main" xmlns:r="http://schemas.openxmlformats.org/officeDocument/2006/relationships" xmlns:p="http://schemas.openxmlformats.org/presentationml/2006/main">
   <p:cSld>
     <p:spTree>
@@ -4240,570 +5581,6 @@
 </p:sld>
 </file>
 
-<file path=ppt/slides/slide4.xml><?xml version="1.0" encoding="utf-8"?>
-<p:sld xmlns:a="http://schemas.openxmlformats.org/drawingml/2006/main" xmlns:r="http://schemas.openxmlformats.org/officeDocument/2006/relationships" xmlns:p="http://schemas.openxmlformats.org/presentationml/2006/main">
-  <p:cSld>
-    <p:spTree>
-      <p:nvGrpSpPr>
-        <p:cNvPr id="1" name=""/>
-        <p:cNvGrpSpPr/>
-        <p:nvPr/>
-      </p:nvGrpSpPr>
-      <p:grpSpPr>
-        <a:xfrm>
-          <a:off x="0" y="0"/>
-          <a:ext cx="0" cy="0"/>
-          <a:chOff x="0" y="0"/>
-          <a:chExt cx="0" cy="0"/>
-        </a:xfrm>
-      </p:grpSpPr>
-      <p:pic>
-        <p:nvPicPr>
-          <p:cNvPr id="1026" name="Picture 2" descr="https://www.projects.science.uu.nl/iceclimate/aws/files_stations/nbreen_2010b.jpg"/>
-          <p:cNvPicPr>
-            <a:picLocks noChangeAspect="1" noChangeArrowheads="1"/>
-          </p:cNvPicPr>
-          <p:nvPr/>
-        </p:nvPicPr>
-        <p:blipFill>
-          <a:blip r:embed="rId2">
-            <a:extLst>
-              <a:ext uri="{28A0092B-C50C-407E-A947-70E740481C1C}">
-                <a14:useLocalDpi xmlns:a14="http://schemas.microsoft.com/office/drawing/2010/main" val="0"/>
-              </a:ext>
-            </a:extLst>
-          </a:blip>
-          <a:srcRect/>
-          <a:stretch>
-            <a:fillRect/>
-          </a:stretch>
-        </p:blipFill>
-        <p:spPr bwMode="auto">
-          <a:xfrm>
-            <a:off x="1053852" y="404664"/>
-            <a:ext cx="3333750" cy="4762500"/>
-          </a:xfrm>
-          <a:prstGeom prst="rect">
-            <a:avLst/>
-          </a:prstGeom>
-          <a:noFill/>
-          <a:extLst>
-            <a:ext uri="{909E8E84-426E-40DD-AFC4-6F175D3DCCD1}">
-              <a14:hiddenFill xmlns:a14="http://schemas.microsoft.com/office/drawing/2010/main">
-                <a:solidFill>
-                  <a:srgbClr val="FFFFFF"/>
-                </a:solidFill>
-              </a14:hiddenFill>
-            </a:ext>
-          </a:extLst>
-        </p:spPr>
-      </p:pic>
-      <p:sp>
-        <p:nvSpPr>
-          <p:cNvPr id="2" name="Tekstvak 1"/>
-          <p:cNvSpPr txBox="1"/>
-          <p:nvPr/>
-        </p:nvSpPr>
-        <p:spPr>
-          <a:xfrm>
-            <a:off x="1053852" y="5301208"/>
-            <a:ext cx="3528392" cy="369332"/>
-          </a:xfrm>
-          <a:prstGeom prst="rect">
-            <a:avLst/>
-          </a:prstGeom>
-          <a:noFill/>
-        </p:spPr>
-        <p:txBody>
-          <a:bodyPr wrap="square" rtlCol="0">
-            <a:spAutoFit/>
-          </a:bodyPr>
-          <a:lstStyle/>
-          <a:p>
-            <a:r>
-              <a:rPr lang="en-GB" dirty="0" err="1"/>
-              <a:t>Nordenskiöldbreen</a:t>
-            </a:r>
-            <a:endParaRPr lang="en-GB" dirty="0"/>
-          </a:p>
-        </p:txBody>
-      </p:sp>
-      <p:pic>
-        <p:nvPicPr>
-          <p:cNvPr id="1028" name="Picture 4" descr="https://www.projects.science.uu.nl/iceclimate/aws/files_stations/ulvebreen_2015.jpg"/>
-          <p:cNvPicPr>
-            <a:picLocks noChangeAspect="1" noChangeArrowheads="1"/>
-          </p:cNvPicPr>
-          <p:nvPr/>
-        </p:nvPicPr>
-        <p:blipFill>
-          <a:blip r:embed="rId3">
-            <a:extLst>
-              <a:ext uri="{28A0092B-C50C-407E-A947-70E740481C1C}">
-                <a14:useLocalDpi xmlns:a14="http://schemas.microsoft.com/office/drawing/2010/main" val="0"/>
-              </a:ext>
-            </a:extLst>
-          </a:blip>
-          <a:srcRect/>
-          <a:stretch>
-            <a:fillRect/>
-          </a:stretch>
-        </p:blipFill>
-        <p:spPr bwMode="auto">
-          <a:xfrm>
-            <a:off x="7102524" y="481937"/>
-            <a:ext cx="3286125" cy="4762500"/>
-          </a:xfrm>
-          <a:prstGeom prst="rect">
-            <a:avLst/>
-          </a:prstGeom>
-          <a:noFill/>
-          <a:extLst>
-            <a:ext uri="{909E8E84-426E-40DD-AFC4-6F175D3DCCD1}">
-              <a14:hiddenFill xmlns:a14="http://schemas.microsoft.com/office/drawing/2010/main">
-                <a:solidFill>
-                  <a:srgbClr val="FFFFFF"/>
-                </a:solidFill>
-              </a14:hiddenFill>
-            </a:ext>
-          </a:extLst>
-        </p:spPr>
-      </p:pic>
-      <p:sp>
-        <p:nvSpPr>
-          <p:cNvPr id="5" name="Tekstvak 4"/>
-          <p:cNvSpPr txBox="1"/>
-          <p:nvPr/>
-        </p:nvSpPr>
-        <p:spPr>
-          <a:xfrm>
-            <a:off x="6981390" y="5323178"/>
-            <a:ext cx="3528392" cy="369332"/>
-          </a:xfrm>
-          <a:prstGeom prst="rect">
-            <a:avLst/>
-          </a:prstGeom>
-          <a:noFill/>
-        </p:spPr>
-        <p:txBody>
-          <a:bodyPr wrap="square" rtlCol="0">
-            <a:spAutoFit/>
-          </a:bodyPr>
-          <a:lstStyle/>
-          <a:p>
-            <a:r>
-              <a:rPr lang="en-GB" dirty="0" err="1"/>
-              <a:t>Ulvebreen</a:t>
-            </a:r>
-            <a:endParaRPr lang="en-GB" dirty="0"/>
-          </a:p>
-        </p:txBody>
-      </p:sp>
-    </p:spTree>
-    <p:extLst>
-      <p:ext uri="{BB962C8B-B14F-4D97-AF65-F5344CB8AC3E}">
-        <p14:creationId xmlns:p14="http://schemas.microsoft.com/office/powerpoint/2010/main" val="1770106665"/>
-      </p:ext>
-    </p:extLst>
-  </p:cSld>
-  <p:clrMapOvr>
-    <a:masterClrMapping/>
-  </p:clrMapOvr>
-  <mc:AlternateContent xmlns:mc="http://schemas.openxmlformats.org/markup-compatibility/2006" xmlns:p14="http://schemas.microsoft.com/office/powerpoint/2010/main">
-    <mc:Choice Requires="p14">
-      <p:transition spd="med" p14:dur="700">
-        <p:fade/>
-      </p:transition>
-    </mc:Choice>
-    <mc:Fallback xmlns="">
-      <p:transition spd="med">
-        <p:fade/>
-      </p:transition>
-    </mc:Fallback>
-  </mc:AlternateContent>
-</p:sld>
-</file>
-
-<file path=ppt/slides/slide5.xml><?xml version="1.0" encoding="utf-8"?>
-<p:sld xmlns:a="http://schemas.openxmlformats.org/drawingml/2006/main" xmlns:r="http://schemas.openxmlformats.org/officeDocument/2006/relationships" xmlns:p="http://schemas.openxmlformats.org/presentationml/2006/main">
-  <p:cSld>
-    <p:spTree>
-      <p:nvGrpSpPr>
-        <p:cNvPr id="1" name=""/>
-        <p:cNvGrpSpPr/>
-        <p:nvPr/>
-      </p:nvGrpSpPr>
-      <p:grpSpPr>
-        <a:xfrm>
-          <a:off x="0" y="0"/>
-          <a:ext cx="0" cy="0"/>
-          <a:chOff x="0" y="0"/>
-          <a:chExt cx="0" cy="0"/>
-        </a:xfrm>
-      </p:grpSpPr>
-      <p:sp>
-        <p:nvSpPr>
-          <p:cNvPr id="2" name="Rectangle 1">
-            <a:extLst>
-              <a:ext uri="{FF2B5EF4-FFF2-40B4-BE49-F238E27FC236}">
-                <a16:creationId xmlns:a16="http://schemas.microsoft.com/office/drawing/2014/main" xmlns="" id="{9F326EE7-D4BC-4F17-86BE-15B273139D16}"/>
-              </a:ext>
-            </a:extLst>
-          </p:cNvPr>
-          <p:cNvSpPr/>
-          <p:nvPr/>
-        </p:nvSpPr>
-        <p:spPr>
-          <a:xfrm>
-            <a:off x="1485900" y="548680"/>
-            <a:ext cx="7556877" cy="5632311"/>
-          </a:xfrm>
-          <a:prstGeom prst="rect">
-            <a:avLst/>
-          </a:prstGeom>
-        </p:spPr>
-        <p:txBody>
-          <a:bodyPr wrap="none">
-            <a:spAutoFit/>
-          </a:bodyPr>
-          <a:lstStyle/>
-          <a:p>
-            <a:r>
-              <a:rPr lang="en-US" dirty="0"/>
-              <a:t>PCA </a:t>
-            </a:r>
-            <a:r>
-              <a:rPr lang="en-US" dirty="0" err="1"/>
-              <a:t>Winddir</a:t>
-            </a:r>
-            <a:endParaRPr lang="en-US" dirty="0"/>
-          </a:p>
-          <a:p>
-            <a:endParaRPr lang="en-US" dirty="0"/>
-          </a:p>
-          <a:p>
-            <a:r>
-              <a:rPr lang="en-US" dirty="0"/>
-              <a:t>[[1.         0.11458907 0.37392154]</a:t>
-            </a:r>
-          </a:p>
-          <a:p>
-            <a:r>
-              <a:rPr lang="en-US" dirty="0"/>
-              <a:t> [0.11458907 1.         0.56317597]</a:t>
-            </a:r>
-          </a:p>
-          <a:p>
-            <a:r>
-              <a:rPr lang="en-US" dirty="0"/>
-              <a:t> [0.37392154 0.56317597 1.        ]]</a:t>
-            </a:r>
-          </a:p>
-          <a:p>
-            <a:r>
-              <a:rPr lang="en-US" dirty="0"/>
-              <a:t>eigenvalues:  [1.73214264+0.j 0.89487026+0.j 0.3729871 +0.j]</a:t>
-            </a:r>
-          </a:p>
-          <a:p>
-            <a:r>
-              <a:rPr lang="en-US" dirty="0"/>
-              <a:t>Eigenvalue 1 =  1.7321426407196063</a:t>
-            </a:r>
-          </a:p>
-          <a:p>
-            <a:r>
-              <a:rPr lang="en-US" dirty="0"/>
-              <a:t>Eigenvalue 2 =  0.8948702586896115</a:t>
-            </a:r>
-          </a:p>
-          <a:p>
-            <a:r>
-              <a:rPr lang="en-US" dirty="0"/>
-              <a:t>Eigenvalue 3 =  0.37298710059078394</a:t>
-            </a:r>
-          </a:p>
-          <a:p>
-            <a:r>
-              <a:rPr lang="en-US" dirty="0"/>
-              <a:t>Variance of total data:</a:t>
-            </a:r>
-          </a:p>
-          <a:p>
-            <a:r>
-              <a:rPr lang="en-US" dirty="0"/>
-              <a:t>Eigenvalue 1 =  57.738088023986876</a:t>
-            </a:r>
-          </a:p>
-          <a:p>
-            <a:r>
-              <a:rPr lang="en-US" dirty="0"/>
-              <a:t>Eigenvalue 2 =  29.829008622987047</a:t>
-            </a:r>
-          </a:p>
-          <a:p>
-            <a:r>
-              <a:rPr lang="en-US" dirty="0"/>
-              <a:t>Eigenvalue 3 =  12.43290335302613</a:t>
-            </a:r>
-          </a:p>
-          <a:p>
-            <a:r>
-              <a:rPr lang="en-US" dirty="0"/>
-              <a:t>eigenvectors: </a:t>
-            </a:r>
-          </a:p>
-          <a:p>
-            <a:r>
-              <a:rPr lang="en-US" dirty="0"/>
-              <a:t>[[-0.43855177 -0.83699375 -0.32728245]</a:t>
-            </a:r>
-          </a:p>
-          <a:p>
-            <a:r>
-              <a:rPr lang="en-US" dirty="0"/>
-              <a:t> [-0.59006219  0.54284893 -0.5976133 ]</a:t>
-            </a:r>
-          </a:p>
-          <a:p>
-            <a:r>
-              <a:rPr lang="en-US" dirty="0"/>
-              <a:t> [-0.67786353  0.06896737  0.73194572]]</a:t>
-            </a:r>
-          </a:p>
-          <a:p>
-            <a:r>
-              <a:rPr lang="en-US" dirty="0"/>
-              <a:t>number 1: -0.4385517669693483 -0.590062185949309 -0.6778635293337335</a:t>
-            </a:r>
-          </a:p>
-          <a:p>
-            <a:r>
-              <a:rPr lang="en-US" dirty="0"/>
-              <a:t>number 2: -0.836993753714971 0.5428489275313869 0.06896736996685765</a:t>
-            </a:r>
-          </a:p>
-          <a:p>
-            <a:r>
-              <a:rPr lang="en-US" dirty="0"/>
-              <a:t>number 3: -0.3272824528296397 -0.5976133018857139 0.731945720309279</a:t>
-            </a:r>
-            <a:endParaRPr lang="x-none" dirty="0"/>
-          </a:p>
-        </p:txBody>
-      </p:sp>
-    </p:spTree>
-    <p:extLst>
-      <p:ext uri="{BB962C8B-B14F-4D97-AF65-F5344CB8AC3E}">
-        <p14:creationId xmlns:p14="http://schemas.microsoft.com/office/powerpoint/2010/main" val="2752934820"/>
-      </p:ext>
-    </p:extLst>
-  </p:cSld>
-  <p:clrMapOvr>
-    <a:masterClrMapping/>
-  </p:clrMapOvr>
-  <mc:AlternateContent xmlns:mc="http://schemas.openxmlformats.org/markup-compatibility/2006" xmlns:p14="http://schemas.microsoft.com/office/powerpoint/2010/main">
-    <mc:Choice Requires="p14">
-      <p:transition spd="med" p14:dur="700">
-        <p:fade/>
-      </p:transition>
-    </mc:Choice>
-    <mc:Fallback xmlns="">
-      <p:transition spd="med">
-        <p:fade/>
-      </p:transition>
-    </mc:Fallback>
-  </mc:AlternateContent>
-</p:sld>
-</file>
-
-<file path=ppt/slides/slide6.xml><?xml version="1.0" encoding="utf-8"?>
-<p:sld xmlns:a="http://schemas.openxmlformats.org/drawingml/2006/main" xmlns:r="http://schemas.openxmlformats.org/officeDocument/2006/relationships" xmlns:p="http://schemas.openxmlformats.org/presentationml/2006/main">
-  <p:cSld>
-    <p:spTree>
-      <p:nvGrpSpPr>
-        <p:cNvPr id="1" name=""/>
-        <p:cNvGrpSpPr/>
-        <p:nvPr/>
-      </p:nvGrpSpPr>
-      <p:grpSpPr>
-        <a:xfrm>
-          <a:off x="0" y="0"/>
-          <a:ext cx="0" cy="0"/>
-          <a:chOff x="0" y="0"/>
-          <a:chExt cx="0" cy="0"/>
-        </a:xfrm>
-      </p:grpSpPr>
-      <p:sp>
-        <p:nvSpPr>
-          <p:cNvPr id="2" name="Rectangle 1">
-            <a:extLst>
-              <a:ext uri="{FF2B5EF4-FFF2-40B4-BE49-F238E27FC236}">
-                <a16:creationId xmlns:a16="http://schemas.microsoft.com/office/drawing/2014/main" xmlns="" id="{E1B25272-0DF4-4AEB-AF59-6E8AB4E1144D}"/>
-              </a:ext>
-            </a:extLst>
-          </p:cNvPr>
-          <p:cNvSpPr/>
-          <p:nvPr/>
-        </p:nvSpPr>
-        <p:spPr>
-          <a:xfrm>
-            <a:off x="909836" y="374214"/>
-            <a:ext cx="6092825" cy="6463308"/>
-          </a:xfrm>
-          <a:prstGeom prst="rect">
-            <a:avLst/>
-          </a:prstGeom>
-        </p:spPr>
-        <p:txBody>
-          <a:bodyPr>
-            <a:spAutoFit/>
-          </a:bodyPr>
-          <a:lstStyle/>
-          <a:p>
-            <a:r>
-              <a:rPr lang="en-US" dirty="0"/>
-              <a:t>PCA Windspeed</a:t>
-            </a:r>
-          </a:p>
-          <a:p>
-            <a:endParaRPr lang="en-US" dirty="0"/>
-          </a:p>
-          <a:p>
-            <a:r>
-              <a:rPr lang="x-none" dirty="0"/>
-              <a:t>[[1.         0.62589092 0.63877069]</a:t>
-            </a:r>
-          </a:p>
-          <a:p>
-            <a:r>
-              <a:rPr lang="x-none" dirty="0"/>
-              <a:t> [0.62589092 1.         0.69326062]</a:t>
-            </a:r>
-          </a:p>
-          <a:p>
-            <a:r>
-              <a:rPr lang="x-none" dirty="0"/>
-              <a:t> [0.63877069 0.69326062 1.        ]]</a:t>
-            </a:r>
-          </a:p>
-          <a:p>
-            <a:r>
-              <a:rPr lang="x-none" dirty="0"/>
-              <a:t>eigenvalues:  [2.30572493+0.j 0.38824158+0.j 0.30603349+0.j]</a:t>
-            </a:r>
-          </a:p>
-          <a:p>
-            <a:r>
-              <a:rPr lang="x-none" dirty="0"/>
-              <a:t>Eigenvalue 1 =  2.30572492652982</a:t>
-            </a:r>
-          </a:p>
-          <a:p>
-            <a:r>
-              <a:rPr lang="x-none" dirty="0"/>
-              <a:t>Eigenvalue 2 =  0.3882415812665583</a:t>
-            </a:r>
-          </a:p>
-          <a:p>
-            <a:r>
-              <a:rPr lang="x-none" dirty="0"/>
-              <a:t>Eigenvalue 3 =  0.3060334922036205</a:t>
-            </a:r>
-          </a:p>
-          <a:p>
-            <a:r>
-              <a:rPr lang="x-none" dirty="0"/>
-              <a:t>Variance of total data:</a:t>
-            </a:r>
-          </a:p>
-          <a:p>
-            <a:r>
-              <a:rPr lang="x-none" dirty="0"/>
-              <a:t>Eigenvalue 1 =  76.857497550994</a:t>
-            </a:r>
-          </a:p>
-          <a:p>
-            <a:r>
-              <a:rPr lang="x-none" dirty="0"/>
-              <a:t>Eigenvalue 2 =  12.941386042218609</a:t>
-            </a:r>
-          </a:p>
-          <a:p>
-            <a:r>
-              <a:rPr lang="x-none" dirty="0"/>
-              <a:t>Eigenvalue 3 =  10.201116406787351</a:t>
-            </a:r>
-          </a:p>
-          <a:p>
-            <a:r>
-              <a:rPr lang="x-none" dirty="0"/>
-              <a:t>eigenvectors: </a:t>
-            </a:r>
-          </a:p>
-          <a:p>
-            <a:r>
-              <a:rPr lang="x-none" dirty="0"/>
-              <a:t>[[ 0.56506437  0.82142899 -0.07717944]</a:t>
-            </a:r>
-          </a:p>
-          <a:p>
-            <a:r>
-              <a:rPr lang="x-none" dirty="0"/>
-              <a:t> [ 0.58157296 -0.46291829 -0.66893912]</a:t>
-            </a:r>
-          </a:p>
-          <a:p>
-            <a:r>
-              <a:rPr lang="x-none" dirty="0"/>
-              <a:t> [ 0.58521376 -0.33310818  0.73929953]]</a:t>
-            </a:r>
-          </a:p>
-          <a:p>
-            <a:r>
-              <a:rPr lang="x-none" dirty="0"/>
-              <a:t>number 1: 0.5650643708906329 0.5815729647028391 0.585213758789661</a:t>
-            </a:r>
-          </a:p>
-          <a:p>
-            <a:r>
-              <a:rPr lang="x-none" dirty="0"/>
-              <a:t>number 2: 0.8214289931302869 -0.46291829370832854 -0.3331081845213845</a:t>
-            </a:r>
-          </a:p>
-          <a:p>
-            <a:r>
-              <a:rPr lang="x-none" dirty="0"/>
-              <a:t>number 3: -0.07717944023466546 -0.6689391153736788 0.7392995292357111</a:t>
-            </a:r>
-          </a:p>
-        </p:txBody>
-      </p:sp>
-    </p:spTree>
-    <p:extLst>
-      <p:ext uri="{BB962C8B-B14F-4D97-AF65-F5344CB8AC3E}">
-        <p14:creationId xmlns:p14="http://schemas.microsoft.com/office/powerpoint/2010/main" val="722039877"/>
-      </p:ext>
-    </p:extLst>
-  </p:cSld>
-  <p:clrMapOvr>
-    <a:masterClrMapping/>
-  </p:clrMapOvr>
-  <mc:AlternateContent xmlns:mc="http://schemas.openxmlformats.org/markup-compatibility/2006" xmlns:p14="http://schemas.microsoft.com/office/powerpoint/2010/main">
-    <mc:Choice Requires="p14">
-      <p:transition spd="med" p14:dur="700">
-        <p:fade/>
-      </p:transition>
-    </mc:Choice>
-    <mc:Fallback xmlns="">
-      <p:transition spd="med">
-        <p:fade/>
-      </p:transition>
-    </mc:Fallback>
-  </mc:AlternateContent>
-</p:sld>
-</file>
-
 <file path=ppt/slides/slide7.xml><?xml version="1.0" encoding="utf-8"?>
 <p:sld xmlns:a="http://schemas.openxmlformats.org/drawingml/2006/main" xmlns:r="http://schemas.openxmlformats.org/officeDocument/2006/relationships" xmlns:p="http://schemas.openxmlformats.org/presentationml/2006/main">
   <p:cSld>
@@ -4823,168 +5600,126 @@
       </p:grpSpPr>
       <p:sp>
         <p:nvSpPr>
-          <p:cNvPr id="2" name="Rectangle 1">
+          <p:cNvPr id="2" name="Title 1">
             <a:extLst>
               <a:ext uri="{FF2B5EF4-FFF2-40B4-BE49-F238E27FC236}">
-                <a16:creationId xmlns:a16="http://schemas.microsoft.com/office/drawing/2014/main" xmlns="" id="{9AB7D132-E3E3-4CFF-80F3-DC379BA4B8FE}"/>
+                <a16:creationId xmlns:a16="http://schemas.microsoft.com/office/drawing/2014/main" id="{714C3980-8F80-4AAA-990B-D211CB4C604C}"/>
               </a:ext>
             </a:extLst>
           </p:cNvPr>
-          <p:cNvSpPr/>
-          <p:nvPr/>
-        </p:nvSpPr>
+          <p:cNvSpPr>
+            <a:spLocks noGrp="1"/>
+          </p:cNvSpPr>
+          <p:nvPr>
+            <p:ph type="title"/>
+          </p:nvPr>
+        </p:nvSpPr>
+        <p:spPr/>
+        <p:txBody>
+          <a:bodyPr/>
+          <a:lstStyle/>
+          <a:p>
+            <a:r>
+              <a:rPr lang="en-GB" dirty="0"/>
+              <a:t>katabatic wind – </a:t>
+            </a:r>
+            <a:r>
+              <a:rPr lang="en-GB" dirty="0" err="1"/>
+              <a:t>richting</a:t>
+            </a:r>
+            <a:r>
+              <a:rPr lang="en-GB" dirty="0"/>
+              <a:t> </a:t>
+            </a:r>
+            <a:r>
+              <a:rPr lang="en-GB" dirty="0" err="1"/>
+              <a:t>gletsjer</a:t>
+            </a:r>
+            <a:endParaRPr lang="en-NL" dirty="0"/>
+          </a:p>
+        </p:txBody>
+      </p:sp>
+      <p:pic>
+        <p:nvPicPr>
+          <p:cNvPr id="5" name="Content Placeholder 4">
+            <a:extLst>
+              <a:ext uri="{FF2B5EF4-FFF2-40B4-BE49-F238E27FC236}">
+                <a16:creationId xmlns:a16="http://schemas.microsoft.com/office/drawing/2014/main" id="{A6985DBE-980D-4766-8C32-E53D060B5AA5}"/>
+              </a:ext>
+            </a:extLst>
+          </p:cNvPr>
+          <p:cNvPicPr>
+            <a:picLocks noGrp="1" noChangeAspect="1"/>
+          </p:cNvPicPr>
+          <p:nvPr>
+            <p:ph idx="1"/>
+          </p:nvPr>
+        </p:nvPicPr>
+        <p:blipFill>
+          <a:blip r:embed="rId3">
+            <a:extLst>
+              <a:ext uri="{28A0092B-C50C-407E-A947-70E740481C1C}">
+                <a14:useLocalDpi xmlns:a14="http://schemas.microsoft.com/office/drawing/2010/main" val="0"/>
+              </a:ext>
+            </a:extLst>
+          </a:blip>
+          <a:stretch>
+            <a:fillRect/>
+          </a:stretch>
+        </p:blipFill>
         <p:spPr>
           <a:xfrm>
-            <a:off x="693812" y="476672"/>
-            <a:ext cx="6092825" cy="6186309"/>
+            <a:off x="0" y="1697290"/>
+            <a:ext cx="6238429" cy="5198691"/>
+          </a:xfrm>
+        </p:spPr>
+      </p:pic>
+      <p:pic>
+        <p:nvPicPr>
+          <p:cNvPr id="7" name="Picture 6">
+            <a:extLst>
+              <a:ext uri="{FF2B5EF4-FFF2-40B4-BE49-F238E27FC236}">
+                <a16:creationId xmlns:a16="http://schemas.microsoft.com/office/drawing/2014/main" id="{97130134-A428-4438-82B8-2F96FE1273E8}"/>
+              </a:ext>
+            </a:extLst>
+          </p:cNvPr>
+          <p:cNvPicPr>
+            <a:picLocks noChangeAspect="1"/>
+          </p:cNvPicPr>
+          <p:nvPr/>
+        </p:nvPicPr>
+        <p:blipFill>
+          <a:blip r:embed="rId4">
+            <a:extLst>
+              <a:ext uri="{28A0092B-C50C-407E-A947-70E740481C1C}">
+                <a14:useLocalDpi xmlns:a14="http://schemas.microsoft.com/office/drawing/2010/main" val="0"/>
+              </a:ext>
+            </a:extLst>
+          </a:blip>
+          <a:stretch>
+            <a:fillRect/>
+          </a:stretch>
+        </p:blipFill>
+        <p:spPr>
+          <a:xfrm>
+            <a:off x="5734372" y="1663541"/>
+            <a:ext cx="6238429" cy="5198691"/>
           </a:xfrm>
           <a:prstGeom prst="rect">
             <a:avLst/>
           </a:prstGeom>
         </p:spPr>
-        <p:txBody>
-          <a:bodyPr>
-            <a:spAutoFit/>
-          </a:bodyPr>
-          <a:lstStyle/>
-          <a:p>
-            <a:r>
-              <a:rPr lang="en-US" dirty="0"/>
-              <a:t>PCA T-2m TA</a:t>
-            </a:r>
-          </a:p>
-          <a:p>
-            <a:r>
-              <a:rPr lang="x-none" dirty="0"/>
-              <a:t>[[1.         0.96744203 0.95924812]</a:t>
-            </a:r>
-          </a:p>
-          <a:p>
-            <a:r>
-              <a:rPr lang="x-none" dirty="0"/>
-              <a:t> [0.96744203 1.         0.96819833]</a:t>
-            </a:r>
-          </a:p>
-          <a:p>
-            <a:r>
-              <a:rPr lang="x-none" dirty="0"/>
-              <a:t> [0.95924812 0.96819833 1.        ]]</a:t>
-            </a:r>
-          </a:p>
-          <a:p>
-            <a:r>
-              <a:rPr lang="x-none" dirty="0"/>
-              <a:t>eigenvalues:  [2.92993131+0.j 0.04076847+0.j 0.02930022+0.j]</a:t>
-            </a:r>
-          </a:p>
-          <a:p>
-            <a:r>
-              <a:rPr lang="x-none" dirty="0"/>
-              <a:t>Eigenvalue 1 =  2.929931311987825</a:t>
-            </a:r>
-          </a:p>
-          <a:p>
-            <a:r>
-              <a:rPr lang="x-none" dirty="0"/>
-              <a:t>Eigenvalue 2 =  0.04076846661638439</a:t>
-            </a:r>
-          </a:p>
-          <a:p>
-            <a:r>
-              <a:rPr lang="x-none" dirty="0"/>
-              <a:t>Eigenvalue 3 =  0.029300221395791408</a:t>
-            </a:r>
-          </a:p>
-          <a:p>
-            <a:r>
-              <a:rPr lang="x-none" dirty="0"/>
-              <a:t>Variance of total data:</a:t>
-            </a:r>
-          </a:p>
-          <a:p>
-            <a:r>
-              <a:rPr lang="x-none" dirty="0"/>
-              <a:t>Eigenvalue 1 =  97.66437706626084</a:t>
-            </a:r>
-          </a:p>
-          <a:p>
-            <a:r>
-              <a:rPr lang="x-none" dirty="0"/>
-              <a:t>Eigenvalue 2 =  1.358948887212813</a:t>
-            </a:r>
-          </a:p>
-          <a:p>
-            <a:r>
-              <a:rPr lang="x-none" dirty="0"/>
-              <a:t>Eigenvalue 3 =  0.9766740465263802</a:t>
-            </a:r>
-          </a:p>
-          <a:p>
-            <a:r>
-              <a:rPr lang="x-none" dirty="0"/>
-              <a:t>eigenvectors: </a:t>
-            </a:r>
-          </a:p>
-          <a:p>
-            <a:r>
-              <a:rPr lang="x-none" dirty="0"/>
-              <a:t>[[-0.57670524 -0.72222661  0.38183737]</a:t>
-            </a:r>
-          </a:p>
-          <a:p>
-            <a:r>
-              <a:rPr lang="x-none" dirty="0"/>
-              <a:t> [-0.5784872   0.03098743 -0.81510266]</a:t>
-            </a:r>
-          </a:p>
-          <a:p>
-            <a:r>
-              <a:rPr lang="x-none" dirty="0"/>
-              <a:t> [-0.57685667  0.69096201  0.43566946]]</a:t>
-            </a:r>
-          </a:p>
-          <a:p>
-            <a:r>
-              <a:rPr lang="x-none" dirty="0"/>
-              <a:t>number 1: -0.5767052431704728 -0.5784871988297967 -0.5768566748246406</a:t>
-            </a:r>
-          </a:p>
-          <a:p>
-            <a:r>
-              <a:rPr lang="x-none" dirty="0"/>
-              <a:t>number 2: -0.7222266147466163 0.030987425819239345 0.6909620079228234</a:t>
-            </a:r>
-          </a:p>
-          <a:p>
-            <a:r>
-              <a:rPr lang="x-none" dirty="0"/>
-              <a:t>number 3: 0.3818373730416173 -0.8151026562532794 0.435669462227415</a:t>
-            </a:r>
-          </a:p>
-        </p:txBody>
-      </p:sp>
+      </p:pic>
     </p:spTree>
     <p:extLst>
       <p:ext uri="{BB962C8B-B14F-4D97-AF65-F5344CB8AC3E}">
-        <p14:creationId xmlns:p14="http://schemas.microsoft.com/office/powerpoint/2010/main" val="2874328257"/>
+        <p14:creationId xmlns:p14="http://schemas.microsoft.com/office/powerpoint/2010/main" val="1968282199"/>
       </p:ext>
     </p:extLst>
   </p:cSld>
   <p:clrMapOvr>
     <a:masterClrMapping/>
   </p:clrMapOvr>
-  <mc:AlternateContent xmlns:mc="http://schemas.openxmlformats.org/markup-compatibility/2006" xmlns:p14="http://schemas.microsoft.com/office/powerpoint/2010/main">
-    <mc:Choice Requires="p14">
-      <p:transition spd="med" p14:dur="700">
-        <p:fade/>
-      </p:transition>
-    </mc:Choice>
-    <mc:Fallback xmlns="">
-      <p:transition spd="med">
-        <p:fade/>
-      </p:transition>
-    </mc:Fallback>
-  </mc:AlternateContent>
 </p:sld>
 </file>
 
@@ -5010,7 +5745,7 @@
           <p:cNvPr id="2" name="Rectangle 1">
             <a:extLst>
               <a:ext uri="{FF2B5EF4-FFF2-40B4-BE49-F238E27FC236}">
-                <a16:creationId xmlns:a16="http://schemas.microsoft.com/office/drawing/2014/main" xmlns="" id="{A969AED3-5A09-440D-BBAA-0541063F26EC}"/>
+                <a16:creationId xmlns:a16="http://schemas.microsoft.com/office/drawing/2014/main" id="{9F326EE7-D4BC-4F17-86BE-15B273139D16}"/>
               </a:ext>
             </a:extLst>
           </p:cNvPr>
@@ -5019,26 +5754,26 @@
         </p:nvSpPr>
         <p:spPr>
           <a:xfrm>
-            <a:off x="333772" y="394692"/>
-            <a:ext cx="6092825" cy="6463308"/>
+            <a:off x="1485900" y="548680"/>
+            <a:ext cx="7556877" cy="5632311"/>
           </a:xfrm>
           <a:prstGeom prst="rect">
             <a:avLst/>
           </a:prstGeom>
         </p:spPr>
         <p:txBody>
-          <a:bodyPr>
+          <a:bodyPr wrap="none">
             <a:spAutoFit/>
           </a:bodyPr>
           <a:lstStyle/>
           <a:p>
             <a:r>
               <a:rPr lang="en-US" dirty="0"/>
-              <a:t>PCA P </a:t>
+              <a:t>PCA </a:t>
             </a:r>
             <a:r>
               <a:rPr lang="en-US" dirty="0" err="1"/>
-              <a:t>luchtdruk</a:t>
+              <a:t>Winddir</a:t>
             </a:r>
             <a:endParaRPr lang="en-US" dirty="0"/>
           </a:p>
@@ -5047,118 +5782,119 @@
           </a:p>
           <a:p>
             <a:r>
-              <a:rPr lang="x-none" dirty="0"/>
-              <a:t>[[1.         0.87833401 0.99169127]</a:t>
-            </a:r>
-          </a:p>
-          <a:p>
-            <a:r>
-              <a:rPr lang="x-none" dirty="0"/>
-              <a:t> [0.87833401 1.         0.87540947]</a:t>
-            </a:r>
-          </a:p>
-          <a:p>
-            <a:r>
-              <a:rPr lang="x-none" dirty="0"/>
-              <a:t> [0.99169127 0.87540947 1.        ]]</a:t>
-            </a:r>
-          </a:p>
-          <a:p>
-            <a:r>
-              <a:rPr lang="x-none" dirty="0"/>
-              <a:t>eigenvalues:  [2.83138757+0.j 0.00828897+0.j 0.16032346+0.j]</a:t>
-            </a:r>
-          </a:p>
-          <a:p>
-            <a:r>
-              <a:rPr lang="x-none" dirty="0"/>
-              <a:t>Eigenvalue 1 =  2.8313875658218937</a:t>
-            </a:r>
-          </a:p>
-          <a:p>
-            <a:r>
-              <a:rPr lang="x-none" dirty="0"/>
-              <a:t>Eigenvalue 2 =  0.16032346392847416</a:t>
-            </a:r>
-          </a:p>
-          <a:p>
-            <a:r>
-              <a:rPr lang="x-none" dirty="0"/>
-              <a:t>Eigenvalue 3 =  0.008288970249631876</a:t>
-            </a:r>
-          </a:p>
-          <a:p>
-            <a:r>
-              <a:rPr lang="x-none" dirty="0"/>
+              <a:rPr lang="en-US" dirty="0"/>
+              <a:t>[[1.         0.11458907 0.37392154]</a:t>
+            </a:r>
+          </a:p>
+          <a:p>
+            <a:r>
+              <a:rPr lang="en-US" dirty="0"/>
+              <a:t> [0.11458907 1.         0.56317597]</a:t>
+            </a:r>
+          </a:p>
+          <a:p>
+            <a:r>
+              <a:rPr lang="en-US" dirty="0"/>
+              <a:t> [0.37392154 0.56317597 1.        ]]</a:t>
+            </a:r>
+          </a:p>
+          <a:p>
+            <a:r>
+              <a:rPr lang="en-US" dirty="0"/>
+              <a:t>eigenvalues:  [1.73214264+0.j 0.89487026+0.j 0.3729871 +0.j]</a:t>
+            </a:r>
+          </a:p>
+          <a:p>
+            <a:r>
+              <a:rPr lang="en-US" dirty="0"/>
+              <a:t>Eigenvalue 1 =  1.7321426407196063</a:t>
+            </a:r>
+          </a:p>
+          <a:p>
+            <a:r>
+              <a:rPr lang="en-US" dirty="0"/>
+              <a:t>Eigenvalue 2 =  0.8948702586896115</a:t>
+            </a:r>
+          </a:p>
+          <a:p>
+            <a:r>
+              <a:rPr lang="en-US" dirty="0"/>
+              <a:t>Eigenvalue 3 =  0.37298710059078394</a:t>
+            </a:r>
+          </a:p>
+          <a:p>
+            <a:r>
+              <a:rPr lang="en-US" dirty="0"/>
               <a:t>Variance of total data:</a:t>
             </a:r>
           </a:p>
           <a:p>
             <a:r>
-              <a:rPr lang="x-none" dirty="0"/>
-              <a:t>Eigenvalue 1 =  94.37958552739646</a:t>
-            </a:r>
-          </a:p>
-          <a:p>
-            <a:r>
-              <a:rPr lang="x-none" dirty="0"/>
-              <a:t>Eigenvalue 2 =  5.344115464282472</a:t>
-            </a:r>
-          </a:p>
-          <a:p>
-            <a:r>
-              <a:rPr lang="x-none" dirty="0"/>
-              <a:t>Eigenvalue 3 =  0.2762990083210625</a:t>
-            </a:r>
-          </a:p>
-          <a:p>
-            <a:r>
-              <a:rPr lang="x-none" dirty="0"/>
+              <a:rPr lang="en-US" dirty="0"/>
+              <a:t>Eigenvalue 1 =  57.738088023986876</a:t>
+            </a:r>
+          </a:p>
+          <a:p>
+            <a:r>
+              <a:rPr lang="en-US" dirty="0"/>
+              <a:t>Eigenvalue 2 =  29.829008622987047</a:t>
+            </a:r>
+          </a:p>
+          <a:p>
+            <a:r>
+              <a:rPr lang="en-US" dirty="0"/>
+              <a:t>Eigenvalue 3 =  12.43290335302613</a:t>
+            </a:r>
+          </a:p>
+          <a:p>
+            <a:r>
+              <a:rPr lang="en-US" dirty="0"/>
               <a:t>eigenvectors: </a:t>
             </a:r>
           </a:p>
           <a:p>
             <a:r>
-              <a:rPr lang="x-none" dirty="0"/>
-              <a:t>[[-0.58579632 -0.71128698  0.38847587]</a:t>
-            </a:r>
-          </a:p>
-          <a:p>
-            <a:r>
-              <a:rPr lang="x-none" dirty="0"/>
-              <a:t> [-0.56068307  0.00955682 -0.82797534]</a:t>
-            </a:r>
-          </a:p>
-          <a:p>
-            <a:r>
-              <a:rPr lang="x-none" dirty="0"/>
-              <a:t> [-0.58521549  0.70283675  0.40440492]]</a:t>
-            </a:r>
-          </a:p>
-          <a:p>
-            <a:r>
-              <a:rPr lang="x-none" dirty="0"/>
-              <a:t>number 1: -0.5857963198528137 -0.5606830721903274 -0.585215485275395</a:t>
-            </a:r>
-          </a:p>
-          <a:p>
-            <a:r>
-              <a:rPr lang="x-none" dirty="0"/>
-              <a:t>number 2: -0.7112869805196672 0.00955681647707408 0.7028367510325838</a:t>
-            </a:r>
-          </a:p>
-          <a:p>
-            <a:r>
-              <a:rPr lang="x-none" dirty="0"/>
-              <a:t>number 3: 0.3884758718248986 -0.8279753376870833 0.4044049173685274</a:t>
-            </a:r>
+              <a:rPr lang="en-US" dirty="0"/>
+              <a:t>[[-0.43855177 -0.83699375 -0.32728245]</a:t>
+            </a:r>
+          </a:p>
+          <a:p>
+            <a:r>
+              <a:rPr lang="en-US" dirty="0"/>
+              <a:t> [-0.59006219  0.54284893 -0.5976133 ]</a:t>
+            </a:r>
+          </a:p>
+          <a:p>
+            <a:r>
+              <a:rPr lang="en-US" dirty="0"/>
+              <a:t> [-0.67786353  0.06896737  0.73194572]]</a:t>
+            </a:r>
+          </a:p>
+          <a:p>
+            <a:r>
+              <a:rPr lang="en-US" dirty="0"/>
+              <a:t>number 1: -0.4385517669693483 -0.590062185949309 -0.6778635293337335</a:t>
+            </a:r>
+          </a:p>
+          <a:p>
+            <a:r>
+              <a:rPr lang="en-US" dirty="0"/>
+              <a:t>number 2: -0.836993753714971 0.5428489275313869 0.06896736996685765</a:t>
+            </a:r>
+          </a:p>
+          <a:p>
+            <a:r>
+              <a:rPr lang="en-US" dirty="0"/>
+              <a:t>number 3: -0.3272824528296397 -0.5976133018857139 0.731945720309279</a:t>
+            </a:r>
+            <a:endParaRPr lang="x-none" dirty="0"/>
           </a:p>
         </p:txBody>
       </p:sp>
     </p:spTree>
     <p:extLst>
       <p:ext uri="{BB962C8B-B14F-4D97-AF65-F5344CB8AC3E}">
-        <p14:creationId xmlns:p14="http://schemas.microsoft.com/office/powerpoint/2010/main" val="1305984340"/>
+        <p14:creationId xmlns:p14="http://schemas.microsoft.com/office/powerpoint/2010/main" val="2752934820"/>
       </p:ext>
     </p:extLst>
   </p:cSld>
@@ -5199,161 +5935,166 @@
       </p:grpSpPr>
       <p:sp>
         <p:nvSpPr>
-          <p:cNvPr id="2" name="Titel 1"/>
-          <p:cNvSpPr>
-            <a:spLocks noGrp="1"/>
-          </p:cNvSpPr>
-          <p:nvPr>
-            <p:ph type="title"/>
-          </p:nvPr>
-        </p:nvSpPr>
-        <p:spPr/>
-        <p:txBody>
-          <a:bodyPr/>
+          <p:cNvPr id="2" name="Rectangle 1">
+            <a:extLst>
+              <a:ext uri="{FF2B5EF4-FFF2-40B4-BE49-F238E27FC236}">
+                <a16:creationId xmlns:a16="http://schemas.microsoft.com/office/drawing/2014/main" id="{E1B25272-0DF4-4AEB-AF59-6E8AB4E1144D}"/>
+              </a:ext>
+            </a:extLst>
+          </p:cNvPr>
+          <p:cNvSpPr/>
+          <p:nvPr/>
+        </p:nvSpPr>
+        <p:spPr>
+          <a:xfrm>
+            <a:off x="909836" y="374214"/>
+            <a:ext cx="6092825" cy="6463308"/>
+          </a:xfrm>
+          <a:prstGeom prst="rect">
+            <a:avLst/>
+          </a:prstGeom>
+        </p:spPr>
+        <p:txBody>
+          <a:bodyPr>
+            <a:spAutoFit/>
+          </a:bodyPr>
           <a:lstStyle/>
           <a:p>
             <a:r>
-              <a:rPr lang="en-GB" dirty="0" err="1" smtClean="0"/>
-              <a:t>Verschillen</a:t>
-            </a:r>
-            <a:r>
-              <a:rPr lang="en-GB" dirty="0" smtClean="0"/>
-              <a:t> </a:t>
-            </a:r>
-            <a:r>
-              <a:rPr lang="en-GB" dirty="0" err="1" smtClean="0"/>
-              <a:t>tussen</a:t>
-            </a:r>
-            <a:r>
-              <a:rPr lang="en-GB" dirty="0" smtClean="0"/>
-              <a:t> </a:t>
-            </a:r>
-            <a:r>
-              <a:rPr lang="en-GB" dirty="0" err="1" smtClean="0"/>
-              <a:t>meetstations</a:t>
-            </a:r>
-            <a:r>
-              <a:rPr lang="en-GB" dirty="0" smtClean="0"/>
-              <a:t> en hoe </a:t>
-            </a:r>
-            <a:r>
-              <a:rPr lang="en-GB" dirty="0" err="1" smtClean="0"/>
-              <a:t>te</a:t>
-            </a:r>
-            <a:r>
-              <a:rPr lang="en-GB" dirty="0" smtClean="0"/>
-              <a:t> </a:t>
-            </a:r>
-            <a:r>
-              <a:rPr lang="en-GB" dirty="0" err="1" smtClean="0"/>
-              <a:t>verklaren</a:t>
-            </a:r>
-            <a:endParaRPr lang="en-GB" dirty="0"/>
-          </a:p>
-        </p:txBody>
-      </p:sp>
-      <p:sp>
-        <p:nvSpPr>
-          <p:cNvPr id="3" name="Tijdelijke aanduiding voor inhoud 2"/>
-          <p:cNvSpPr>
-            <a:spLocks noGrp="1"/>
-          </p:cNvSpPr>
-          <p:nvPr>
-            <p:ph idx="1"/>
-          </p:nvPr>
-        </p:nvSpPr>
-        <p:spPr/>
-        <p:txBody>
-          <a:bodyPr/>
-          <a:lstStyle/>
-          <a:p>
-            <a:r>
-              <a:rPr lang="en-GB" dirty="0" err="1" smtClean="0"/>
-              <a:t>Temperatuur</a:t>
-            </a:r>
-            <a:r>
-              <a:rPr lang="en-GB" dirty="0" smtClean="0"/>
-              <a:t> – </a:t>
-            </a:r>
-            <a:r>
-              <a:rPr lang="en-GB" dirty="0" err="1" smtClean="0"/>
-              <a:t>hoogte</a:t>
-            </a:r>
-            <a:endParaRPr lang="en-GB" dirty="0" smtClean="0"/>
-          </a:p>
-          <a:p>
-            <a:r>
-              <a:rPr lang="en-GB" dirty="0" err="1" smtClean="0"/>
-              <a:t>Mooie</a:t>
-            </a:r>
-            <a:r>
-              <a:rPr lang="en-GB" dirty="0" smtClean="0"/>
-              <a:t> </a:t>
-            </a:r>
-            <a:r>
-              <a:rPr lang="en-GB" dirty="0" err="1" smtClean="0"/>
-              <a:t>plaatjes</a:t>
-            </a:r>
-            <a:r>
-              <a:rPr lang="en-GB" dirty="0" smtClean="0"/>
-              <a:t> – katabatic wind – </a:t>
-            </a:r>
-            <a:r>
-              <a:rPr lang="en-GB" dirty="0" err="1" smtClean="0"/>
-              <a:t>richting</a:t>
-            </a:r>
-            <a:r>
-              <a:rPr lang="en-GB" dirty="0" smtClean="0"/>
-              <a:t> </a:t>
-            </a:r>
-            <a:r>
-              <a:rPr lang="en-GB" dirty="0" err="1" smtClean="0"/>
-              <a:t>gletsjer</a:t>
-            </a:r>
-            <a:endParaRPr lang="en-GB" dirty="0" smtClean="0"/>
-          </a:p>
-          <a:p>
-            <a:r>
-              <a:rPr lang="en-GB" dirty="0" err="1" smtClean="0"/>
-              <a:t>Sneewhoogte</a:t>
-            </a:r>
-            <a:r>
-              <a:rPr lang="en-GB" dirty="0" smtClean="0"/>
-              <a:t> en </a:t>
-            </a:r>
-            <a:r>
-              <a:rPr lang="en-GB" dirty="0" err="1" smtClean="0"/>
-              <a:t>straling</a:t>
-            </a:r>
-            <a:r>
-              <a:rPr lang="en-GB" dirty="0" smtClean="0"/>
-              <a:t> - </a:t>
-            </a:r>
-            <a:r>
-              <a:rPr lang="en-GB" dirty="0" err="1" smtClean="0"/>
-              <a:t>hoogte</a:t>
-            </a:r>
-            <a:endParaRPr lang="en-GB" dirty="0"/>
+              <a:rPr lang="en-US" dirty="0"/>
+              <a:t>PCA Windspeed</a:t>
+            </a:r>
+          </a:p>
+          <a:p>
+            <a:endParaRPr lang="en-US" dirty="0"/>
+          </a:p>
+          <a:p>
+            <a:r>
+              <a:rPr lang="x-none" dirty="0"/>
+              <a:t>[[1.         0.62589092 0.63877069]</a:t>
+            </a:r>
+          </a:p>
+          <a:p>
+            <a:r>
+              <a:rPr lang="x-none" dirty="0"/>
+              <a:t> [0.62589092 1.         0.69326062]</a:t>
+            </a:r>
+          </a:p>
+          <a:p>
+            <a:r>
+              <a:rPr lang="x-none" dirty="0"/>
+              <a:t> [0.63877069 0.69326062 1.        ]]</a:t>
+            </a:r>
+          </a:p>
+          <a:p>
+            <a:r>
+              <a:rPr lang="x-none" dirty="0"/>
+              <a:t>eigenvalues:  [2.30572493+0.j 0.38824158+0.j 0.30603349+0.j]</a:t>
+            </a:r>
+          </a:p>
+          <a:p>
+            <a:r>
+              <a:rPr lang="x-none" dirty="0"/>
+              <a:t>Eigenvalue 1 =  2.30572492652982</a:t>
+            </a:r>
+          </a:p>
+          <a:p>
+            <a:r>
+              <a:rPr lang="x-none" dirty="0"/>
+              <a:t>Eigenvalue 2 =  0.3882415812665583</a:t>
+            </a:r>
+          </a:p>
+          <a:p>
+            <a:r>
+              <a:rPr lang="x-none" dirty="0"/>
+              <a:t>Eigenvalue 3 =  0.3060334922036205</a:t>
+            </a:r>
+          </a:p>
+          <a:p>
+            <a:r>
+              <a:rPr lang="x-none" dirty="0"/>
+              <a:t>Variance of total data:</a:t>
+            </a:r>
+          </a:p>
+          <a:p>
+            <a:r>
+              <a:rPr lang="x-none" dirty="0"/>
+              <a:t>Eigenvalue 1 =  76.857497550994</a:t>
+            </a:r>
+          </a:p>
+          <a:p>
+            <a:r>
+              <a:rPr lang="x-none" dirty="0"/>
+              <a:t>Eigenvalue 2 =  12.941386042218609</a:t>
+            </a:r>
+          </a:p>
+          <a:p>
+            <a:r>
+              <a:rPr lang="x-none" dirty="0"/>
+              <a:t>Eigenvalue 3 =  10.201116406787351</a:t>
+            </a:r>
+          </a:p>
+          <a:p>
+            <a:r>
+              <a:rPr lang="x-none" dirty="0"/>
+              <a:t>eigenvectors: </a:t>
+            </a:r>
+          </a:p>
+          <a:p>
+            <a:r>
+              <a:rPr lang="x-none" dirty="0"/>
+              <a:t>[[ 0.56506437  0.82142899 -0.07717944]</a:t>
+            </a:r>
+          </a:p>
+          <a:p>
+            <a:r>
+              <a:rPr lang="x-none" dirty="0"/>
+              <a:t> [ 0.58157296 -0.46291829 -0.66893912]</a:t>
+            </a:r>
+          </a:p>
+          <a:p>
+            <a:r>
+              <a:rPr lang="x-none" dirty="0"/>
+              <a:t> [ 0.58521376 -0.33310818  0.73929953]]</a:t>
+            </a:r>
+          </a:p>
+          <a:p>
+            <a:r>
+              <a:rPr lang="x-none" dirty="0"/>
+              <a:t>number 1: 0.5650643708906329 0.5815729647028391 0.585213758789661</a:t>
+            </a:r>
+          </a:p>
+          <a:p>
+            <a:r>
+              <a:rPr lang="x-none" dirty="0"/>
+              <a:t>number 2: 0.8214289931302869 -0.46291829370832854 -0.3331081845213845</a:t>
+            </a:r>
+          </a:p>
+          <a:p>
+            <a:r>
+              <a:rPr lang="x-none" dirty="0"/>
+              <a:t>number 3: -0.07717944023466546 -0.6689391153736788 0.7392995292357111</a:t>
+            </a:r>
           </a:p>
         </p:txBody>
       </p:sp>
     </p:spTree>
     <p:extLst>
       <p:ext uri="{BB962C8B-B14F-4D97-AF65-F5344CB8AC3E}">
-        <p14:creationId xmlns:p14="http://schemas.microsoft.com/office/powerpoint/2010/main" val="1878178011"/>
+        <p14:creationId xmlns:p14="http://schemas.microsoft.com/office/powerpoint/2010/main" val="722039877"/>
       </p:ext>
     </p:extLst>
   </p:cSld>
   <p:clrMapOvr>
     <a:masterClrMapping/>
   </p:clrMapOvr>
-  <mc:AlternateContent xmlns:mc="http://schemas.openxmlformats.org/markup-compatibility/2006">
-    <mc:Choice xmlns:p14="http://schemas.microsoft.com/office/powerpoint/2010/main" Requires="p14">
+  <mc:AlternateContent xmlns:mc="http://schemas.openxmlformats.org/markup-compatibility/2006" xmlns:p14="http://schemas.microsoft.com/office/powerpoint/2010/main">
+    <mc:Choice Requires="p14">
       <p:transition spd="med" p14:dur="700">
         <p:fade/>
       </p:transition>
     </mc:Choice>
-    <mc:Fallback>
+    <mc:Fallback xmlns="">
       <p:transition spd="med">
         <p:fade/>
       </p:transition>
@@ -6167,6 +6908,17 @@
 </file>
 
 <file path=customXml/item2.xml><?xml version="1.0" encoding="utf-8"?>
+<p:properties xmlns:p="http://schemas.microsoft.com/office/2006/metadata/properties" xmlns:xsi="http://www.w3.org/2001/XMLSchema-instance" xmlns:pc="http://schemas.microsoft.com/office/infopath/2007/PartnerControls">
+  <documentManagement>
+    <VSO_x0020_item_x0020_id xmlns="40262f94-9f35-4ac3-9a90-690165a166b7" xsi:nil="true"/>
+    <Assetid_x0020_ xmlns="40262f94-9f35-4ac3-9a90-690165a166b7" xsi:nil="true"/>
+    <Item_x0020_Details xmlns="40262f94-9f35-4ac3-9a90-690165a166b7" xsi:nil="true"/>
+    <Template_x0020_details xmlns="40262f94-9f35-4ac3-9a90-690165a166b7" xsi:nil="true"/>
+  </documentManagement>
+</p:properties>
+</file>
+
+<file path=customXml/item3.xml><?xml version="1.0" encoding="utf-8"?>
 <ct:contentTypeSchema xmlns:ct="http://schemas.microsoft.com/office/2006/metadata/contentType" xmlns:ma="http://schemas.microsoft.com/office/2006/metadata/properties/metaAttributes" ct:_="" ma:_="" ma:contentTypeName="Document" ma:contentTypeID="0x010100AA3F7D94069FF64A86F7DFF56D60E3BE" ma:contentTypeVersion="6" ma:contentTypeDescription="Create a new document." ma:contentTypeScope="" ma:versionID="c32302c77d4085ecf495bdddb7f5e889">
   <xsd:schema xmlns:xsd="http://www.w3.org/2001/XMLSchema" xmlns:xs="http://www.w3.org/2001/XMLSchema" xmlns:p="http://schemas.microsoft.com/office/2006/metadata/properties" xmlns:ns2="a4f35948-e619-41b3-aa29-22878b09cfd2" xmlns:ns3="40262f94-9f35-4ac3-9a90-690165a166b7" targetNamespace="http://schemas.microsoft.com/office/2006/metadata/properties" ma:root="true" ma:fieldsID="4ab5ae46be95f9d0be6107e8200be7a2" ns2:_="" ns3:_="">
     <xsd:import namespace="a4f35948-e619-41b3-aa29-22878b09cfd2"/>
@@ -6347,17 +7099,6 @@
 </ct:contentTypeSchema>
 </file>
 
-<file path=customXml/item3.xml><?xml version="1.0" encoding="utf-8"?>
-<p:properties xmlns:p="http://schemas.microsoft.com/office/2006/metadata/properties" xmlns:xsi="http://www.w3.org/2001/XMLSchema-instance" xmlns:pc="http://schemas.microsoft.com/office/infopath/2007/PartnerControls">
-  <documentManagement>
-    <VSO_x0020_item_x0020_id xmlns="40262f94-9f35-4ac3-9a90-690165a166b7" xsi:nil="true"/>
-    <Assetid_x0020_ xmlns="40262f94-9f35-4ac3-9a90-690165a166b7" xsi:nil="true"/>
-    <Item_x0020_Details xmlns="40262f94-9f35-4ac3-9a90-690165a166b7" xsi:nil="true"/>
-    <Template_x0020_details xmlns="40262f94-9f35-4ac3-9a90-690165a166b7" xsi:nil="true"/>
-  </documentManagement>
-</p:properties>
-</file>
-
 <file path=customXml/itemProps1.xml><?xml version="1.0" encoding="utf-8"?>
 <ds:datastoreItem xmlns:ds="http://schemas.openxmlformats.org/officeDocument/2006/customXml" ds:itemID="{3E783485-1103-4BBC-98A1-D39A248154C3}">
   <ds:schemaRefs>
@@ -6367,6 +7108,23 @@
 </file>
 
 <file path=customXml/itemProps2.xml><?xml version="1.0" encoding="utf-8"?>
+<ds:datastoreItem xmlns:ds="http://schemas.openxmlformats.org/officeDocument/2006/customXml" ds:itemID="{2915ED37-D514-41C3-9B3C-B262145D17B7}">
+  <ds:schemaRefs>
+    <ds:schemaRef ds:uri="a4f35948-e619-41b3-aa29-22878b09cfd2"/>
+    <ds:schemaRef ds:uri="http://www.w3.org/XML/1998/namespace"/>
+    <ds:schemaRef ds:uri="http://purl.org/dc/terms/"/>
+    <ds:schemaRef ds:uri="http://schemas.microsoft.com/office/infopath/2007/PartnerControls"/>
+    <ds:schemaRef ds:uri="http://schemas.microsoft.com/office/2006/documentManagement/types"/>
+    <ds:schemaRef ds:uri="http://schemas.microsoft.com/office/2006/metadata/properties"/>
+    <ds:schemaRef ds:uri="http://purl.org/dc/dcmitype/"/>
+    <ds:schemaRef ds:uri="http://purl.org/dc/elements/1.1/"/>
+    <ds:schemaRef ds:uri="http://schemas.openxmlformats.org/package/2006/metadata/core-properties"/>
+    <ds:schemaRef ds:uri="40262f94-9f35-4ac3-9a90-690165a166b7"/>
+  </ds:schemaRefs>
+</ds:datastoreItem>
+</file>
+
+<file path=customXml/itemProps3.xml><?xml version="1.0" encoding="utf-8"?>
 <ds:datastoreItem xmlns:ds="http://schemas.openxmlformats.org/officeDocument/2006/customXml" ds:itemID="{D8853CD7-B1C6-4FDD-B6D0-92A83B857D3F}">
   <ds:schemaRefs>
     <ds:schemaRef ds:uri="http://schemas.microsoft.com/office/2006/metadata/contentType"/>
@@ -6383,21 +7141,4 @@
     <ds:schemaRef ds:uri="http://schemas.microsoft.com/internal/obd"/>
   </ds:schemaRefs>
 </ds:datastoreItem>
-</file>
-
-<file path=customXml/itemProps3.xml><?xml version="1.0" encoding="utf-8"?>
-<ds:datastoreItem xmlns:ds="http://schemas.openxmlformats.org/officeDocument/2006/customXml" ds:itemID="{2915ED37-D514-41C3-9B3C-B262145D17B7}">
-  <ds:schemaRefs>
-    <ds:schemaRef ds:uri="http://schemas.microsoft.com/office/2006/documentManagement/types"/>
-    <ds:schemaRef ds:uri="http://schemas.microsoft.com/office/infopath/2007/PartnerControls"/>
-    <ds:schemaRef ds:uri="http://purl.org/dc/elements/1.1/"/>
-    <ds:schemaRef ds:uri="http://schemas.microsoft.com/office/2006/metadata/properties"/>
-    <ds:schemaRef ds:uri="http://purl.org/dc/terms/"/>
-    <ds:schemaRef ds:uri="http://schemas.openxmlformats.org/package/2006/metadata/core-properties"/>
-    <ds:schemaRef ds:uri="40262f94-9f35-4ac3-9a90-690165a166b7"/>
-    <ds:schemaRef ds:uri="a4f35948-e619-41b3-aa29-22878b09cfd2"/>
-    <ds:schemaRef ds:uri="http://www.w3.org/XML/1998/namespace"/>
-    <ds:schemaRef ds:uri="http://purl.org/dc/dcmitype/"/>
-  </ds:schemaRefs>
-</ds:datastoreItem>
 </file>
--- a/presentatie/plaatjes.pptx
+++ b/presentatie/plaatjes.pptx
@@ -5,23 +5,27 @@
     <p:sldMasterId id="2147483720" r:id="rId4"/>
   </p:sldMasterIdLst>
   <p:notesMasterIdLst>
-    <p:notesMasterId r:id="rId16"/>
+    <p:notesMasterId r:id="rId20"/>
   </p:notesMasterIdLst>
   <p:handoutMasterIdLst>
-    <p:handoutMasterId r:id="rId17"/>
+    <p:handoutMasterId r:id="rId21"/>
   </p:handoutMasterIdLst>
   <p:sldIdLst>
     <p:sldId id="267" r:id="rId5"/>
     <p:sldId id="259" r:id="rId6"/>
-    <p:sldId id="261" r:id="rId7"/>
-    <p:sldId id="268" r:id="rId8"/>
+    <p:sldId id="273" r:id="rId7"/>
+    <p:sldId id="261" r:id="rId8"/>
     <p:sldId id="262" r:id="rId9"/>
     <p:sldId id="260" r:id="rId10"/>
-    <p:sldId id="270" r:id="rId11"/>
-    <p:sldId id="263" r:id="rId12"/>
-    <p:sldId id="264" r:id="rId13"/>
-    <p:sldId id="265" r:id="rId14"/>
-    <p:sldId id="266" r:id="rId15"/>
+    <p:sldId id="271" r:id="rId11"/>
+    <p:sldId id="272" r:id="rId12"/>
+    <p:sldId id="268" r:id="rId13"/>
+    <p:sldId id="270" r:id="rId14"/>
+    <p:sldId id="274" r:id="rId15"/>
+    <p:sldId id="263" r:id="rId16"/>
+    <p:sldId id="264" r:id="rId17"/>
+    <p:sldId id="265" r:id="rId18"/>
+    <p:sldId id="266" r:id="rId19"/>
   </p:sldIdLst>
   <p:sldSz cx="12188825" cy="6858000"/>
   <p:notesSz cx="6858000" cy="9144000"/>
@@ -330,7 +334,7 @@
             <a:pPr rtl="0"/>
             <a:fld id="{04360E59-1627-4404-ACC5-51C744AB0F27}" type="slidenum">
               <a:rPr lang="nl-NL" smtClean="0"/>
-              <a:t>‹#›</a:t>
+              <a:t>‹nr.›</a:t>
             </a:fld>
             <a:endParaRPr lang="nl-NL" dirty="0"/>
           </a:p>
@@ -609,7 +613,7 @@
             <a:fld id="{841221E5-7225-48EB-A4EE-420E7BFCF705}" type="slidenum">
               <a:rPr lang="nl-NL" noProof="0" smtClean="0"/>
               <a:pPr rtl="0"/>
-              <a:t>‹#›</a:t>
+              <a:t>‹nr.›</a:t>
             </a:fld>
             <a:endParaRPr lang="nl-NL" noProof="0" dirty="0"/>
           </a:p>
@@ -824,7 +828,7 @@
       </p:grpSpPr>
       <p:sp>
         <p:nvSpPr>
-          <p:cNvPr id="2" name="Slide Image Placeholder 1"/>
+          <p:cNvPr id="2" name="Tijdelijke aanduiding voor dia-afbeelding 1"/>
           <p:cNvSpPr>
             <a:spLocks noGrp="1" noRot="1" noChangeAspect="1"/>
           </p:cNvSpPr>
@@ -836,7 +840,7 @@
       </p:sp>
       <p:sp>
         <p:nvSpPr>
-          <p:cNvPr id="3" name="Notes Placeholder 2"/>
+          <p:cNvPr id="3" name="Tijdelijke aanduiding voor notities 2"/>
           <p:cNvSpPr>
             <a:spLocks noGrp="1"/>
           </p:cNvSpPr>
@@ -850,139 +854,49 @@
           <a:lstStyle/>
           <a:p>
             <a:r>
-              <a:rPr lang="en-US" dirty="0"/>
-              <a:t>Temperature depended on height of </a:t>
-            </a:r>
-            <a:r>
-              <a:rPr lang="en-US" dirty="0" err="1"/>
-              <a:t>gletsjer</a:t>
-            </a:r>
-            <a:r>
-              <a:rPr lang="en-US" dirty="0"/>
-              <a:t>. In these plots, temperature at 2 meter height and surface temperature are plotted over time, corresponding to the </a:t>
-            </a:r>
-            <a:r>
-              <a:rPr lang="en-US" dirty="0" err="1"/>
-              <a:t>colorbar</a:t>
-            </a:r>
-            <a:r>
-              <a:rPr lang="en-US" dirty="0"/>
-              <a:t>. At the x-axis the temperatures at the </a:t>
-            </a:r>
-            <a:r>
-              <a:rPr lang="en-US" dirty="0" err="1"/>
+              <a:rPr lang="en-GB" dirty="0" err="1" smtClean="0"/>
+              <a:t>Nordenskioldbreen</a:t>
+            </a:r>
+            <a:r>
+              <a:rPr lang="en-GB" baseline="0" dirty="0" smtClean="0"/>
+              <a:t> seems colder than </a:t>
+            </a:r>
+            <a:r>
+              <a:rPr lang="en-GB" baseline="0" dirty="0" err="1" smtClean="0"/>
               <a:t>Ulvebreen</a:t>
             </a:r>
             <a:r>
-              <a:rPr lang="en-US" dirty="0"/>
-              <a:t> are visible and at the y-axis, the temperatures at the </a:t>
-            </a:r>
-            <a:r>
-              <a:rPr lang="en-US" dirty="0" err="1"/>
-              <a:t>Nordeskiolbreen</a:t>
-            </a:r>
-            <a:r>
-              <a:rPr lang="en-US" dirty="0"/>
-              <a:t> are visible. Looking through the different values at the axis, the </a:t>
-            </a:r>
-            <a:r>
-              <a:rPr lang="en-US" dirty="0" err="1"/>
-              <a:t>Nordenskioldbreen</a:t>
-            </a:r>
-            <a:r>
-              <a:rPr lang="en-US" dirty="0"/>
-              <a:t> looks colder, because the </a:t>
-            </a:r>
-            <a:r>
-              <a:rPr lang="en-US" dirty="0" err="1"/>
-              <a:t>Nordenskiolbreen</a:t>
-            </a:r>
-            <a:r>
-              <a:rPr lang="en-US" dirty="0"/>
-              <a:t> is located higher. To correct for this, the lapse rate of 2,334 degrees per meter is added to the data, corresponding to the black line. Taking the correction factor into account, a T-test is done. With a p-value of 0.4, the </a:t>
-            </a:r>
-            <a:r>
-              <a:rPr lang="en-US" dirty="0" err="1"/>
-              <a:t>Nordeskioldbreen</a:t>
-            </a:r>
-            <a:r>
-              <a:rPr lang="en-US" dirty="0"/>
-              <a:t> is not significant warmer than the </a:t>
-            </a:r>
-            <a:r>
-              <a:rPr lang="en-US" dirty="0" err="1"/>
+              <a:rPr lang="en-GB" baseline="0" dirty="0" smtClean="0"/>
+              <a:t>. This is because the weather station on the </a:t>
+            </a:r>
+            <a:r>
+              <a:rPr lang="en-GB" baseline="0" dirty="0" err="1" smtClean="0"/>
+              <a:t>nordenskioldbreen</a:t>
+            </a:r>
+            <a:r>
+              <a:rPr lang="en-GB" baseline="0" dirty="0" smtClean="0"/>
+              <a:t> is situated at a higher level: 529 m, </a:t>
+            </a:r>
+            <a:r>
+              <a:rPr lang="en-GB" baseline="0" dirty="0" err="1" smtClean="0"/>
               <a:t>Ulvebreen</a:t>
             </a:r>
             <a:r>
-              <a:rPr lang="en-US" dirty="0"/>
-              <a:t>. </a:t>
-            </a:r>
-            <a:br>
-              <a:rPr lang="en-US" dirty="0"/>
-            </a:br>
-            <a:br>
-              <a:rPr lang="en-US" dirty="0"/>
-            </a:br>
-            <a:r>
-              <a:rPr lang="en-US" dirty="0" err="1"/>
-              <a:t>Afbuigen</a:t>
-            </a:r>
-            <a:r>
-              <a:rPr lang="en-US" dirty="0"/>
-              <a:t> </a:t>
-            </a:r>
-            <a:r>
-              <a:rPr lang="en-US" dirty="0" err="1"/>
-              <a:t>boven</a:t>
-            </a:r>
-            <a:r>
-              <a:rPr lang="en-US" dirty="0"/>
-              <a:t> 0 </a:t>
-            </a:r>
-            <a:r>
-              <a:rPr lang="en-US" dirty="0" err="1"/>
-              <a:t>graden</a:t>
-            </a:r>
-            <a:r>
-              <a:rPr lang="en-US" dirty="0"/>
-              <a:t>? (</a:t>
-            </a:r>
-            <a:r>
-              <a:rPr lang="en-US" dirty="0" err="1"/>
-              <a:t>immers</a:t>
-            </a:r>
-            <a:r>
-              <a:rPr lang="en-US" dirty="0"/>
-              <a:t> if 0 </a:t>
-            </a:r>
-            <a:r>
-              <a:rPr lang="en-US" dirty="0" err="1"/>
-              <a:t>graden</a:t>
-            </a:r>
-            <a:r>
-              <a:rPr lang="en-US" dirty="0"/>
-              <a:t>, dan </a:t>
-            </a:r>
-            <a:r>
-              <a:rPr lang="en-US" dirty="0" err="1"/>
-              <a:t>smeltijs</a:t>
-            </a:r>
-            <a:r>
-              <a:rPr lang="en-US" dirty="0"/>
-              <a:t>)</a:t>
-            </a:r>
-            <a:endParaRPr lang="en-NL" dirty="0"/>
-          </a:p>
-        </p:txBody>
-      </p:sp>
-      <p:sp>
-        <p:nvSpPr>
-          <p:cNvPr id="4" name="Slide Number Placeholder 3"/>
-          <p:cNvSpPr>
-            <a:spLocks noGrp="1"/>
-          </p:cNvSpPr>
-          <p:nvPr>
-            <p:ph type="sldNum" sz="quarter" idx="5"/>
+              <a:rPr lang="en-GB" baseline="0" dirty="0" smtClean="0"/>
+              <a:t>: 140m.</a:t>
+            </a:r>
+            <a:endParaRPr lang="en-GB" dirty="0"/>
+          </a:p>
+        </p:txBody>
+      </p:sp>
+      <p:sp>
+        <p:nvSpPr>
+          <p:cNvPr id="4" name="Tijdelijke aanduiding voor dianummer 3"/>
+          <p:cNvSpPr>
+            <a:spLocks noGrp="1"/>
+          </p:cNvSpPr>
+          <p:nvPr>
+            <p:ph type="sldNum" sz="quarter" idx="10"/>
           </p:nvPr>
         </p:nvSpPr>
         <p:spPr/>
@@ -990,20 +904,18 @@
           <a:bodyPr/>
           <a:lstStyle/>
           <a:p>
-            <a:pPr rtl="0"/>
-            <a:fld id="{841221E5-7225-48EB-A4EE-420E7BFCF705}" type="slidenum">
-              <a:rPr lang="nl-NL" noProof="0" smtClean="0"/>
-              <a:pPr rtl="0"/>
-              <a:t>4</a:t>
+            <a:fld id="{B6377A2E-AD1E-43F5-8220-27084598F695}" type="slidenum">
+              <a:rPr lang="en-GB" smtClean="0"/>
+              <a:t>7</a:t>
             </a:fld>
-            <a:endParaRPr lang="nl-NL" noProof="0" dirty="0"/>
+            <a:endParaRPr lang="en-GB"/>
           </a:p>
         </p:txBody>
       </p:sp>
     </p:spTree>
     <p:extLst>
       <p:ext uri="{BB962C8B-B14F-4D97-AF65-F5344CB8AC3E}">
-        <p14:creationId xmlns:p14="http://schemas.microsoft.com/office/powerpoint/2010/main" val="4219134457"/>
+        <p14:creationId xmlns:p14="http://schemas.microsoft.com/office/powerpoint/2010/main" val="3208105491"/>
       </p:ext>
     </p:extLst>
   </p:cSld>
@@ -1032,7 +944,7 @@
       </p:grpSpPr>
       <p:sp>
         <p:nvSpPr>
-          <p:cNvPr id="2" name="Slide Image Placeholder 1"/>
+          <p:cNvPr id="2" name="Tijdelijke aanduiding voor dia-afbeelding 1"/>
           <p:cNvSpPr>
             <a:spLocks noGrp="1" noRot="1" noChangeAspect="1"/>
           </p:cNvSpPr>
@@ -1044,7 +956,7 @@
       </p:sp>
       <p:sp>
         <p:nvSpPr>
-          <p:cNvPr id="3" name="Notes Placeholder 2"/>
+          <p:cNvPr id="3" name="Tijdelijke aanduiding voor notities 2"/>
           <p:cNvSpPr>
             <a:spLocks noGrp="1"/>
           </p:cNvSpPr>
@@ -1057,62 +969,18 @@
           <a:bodyPr/>
           <a:lstStyle/>
           <a:p>
-            <a:r>
-              <a:rPr lang="en-US" dirty="0"/>
-              <a:t>The </a:t>
-            </a:r>
-            <a:r>
-              <a:rPr lang="en-US" dirty="0" err="1"/>
-              <a:t>Nordenksioldbreen</a:t>
-            </a:r>
-            <a:r>
-              <a:rPr lang="en-US" dirty="0"/>
-              <a:t> and </a:t>
-            </a:r>
-            <a:r>
-              <a:rPr lang="en-US" dirty="0" err="1"/>
-              <a:t>Ulvebreen</a:t>
-            </a:r>
-            <a:r>
-              <a:rPr lang="en-US" dirty="0"/>
-              <a:t> are located in different directions. Plotted are </a:t>
-            </a:r>
-            <a:r>
-              <a:rPr lang="en-US" dirty="0" err="1"/>
-              <a:t>winddirection</a:t>
-            </a:r>
-            <a:r>
-              <a:rPr lang="en-US" dirty="0"/>
-              <a:t> on x-axis, windspeed at y-axis and colors are corresponding with pressure, as visible at the </a:t>
-            </a:r>
-            <a:r>
-              <a:rPr lang="en-US" dirty="0" err="1"/>
-              <a:t>colorbar</a:t>
-            </a:r>
-            <a:r>
-              <a:rPr lang="en-US" dirty="0"/>
-              <a:t>. Katabatic winds are clearly visible at the </a:t>
-            </a:r>
-            <a:r>
-              <a:rPr lang="en-US" dirty="0" err="1"/>
-              <a:t>ulvebreen</a:t>
-            </a:r>
-            <a:r>
-              <a:rPr lang="en-US" dirty="0"/>
-              <a:t> at 250 degrees. Usually the higher the wind speed, the lower the pressure, but an exception is visible for the katabatic wind speed. </a:t>
-            </a:r>
-            <a:endParaRPr lang="en-NL" dirty="0"/>
-          </a:p>
-        </p:txBody>
-      </p:sp>
-      <p:sp>
-        <p:nvSpPr>
-          <p:cNvPr id="4" name="Slide Number Placeholder 3"/>
-          <p:cNvSpPr>
-            <a:spLocks noGrp="1"/>
-          </p:cNvSpPr>
-          <p:nvPr>
-            <p:ph type="sldNum" sz="quarter" idx="5"/>
+            <a:endParaRPr lang="en-GB" dirty="0"/>
+          </a:p>
+        </p:txBody>
+      </p:sp>
+      <p:sp>
+        <p:nvSpPr>
+          <p:cNvPr id="4" name="Tijdelijke aanduiding voor dianummer 3"/>
+          <p:cNvSpPr>
+            <a:spLocks noGrp="1"/>
+          </p:cNvSpPr>
+          <p:nvPr>
+            <p:ph type="sldNum" sz="quarter" idx="10"/>
           </p:nvPr>
         </p:nvSpPr>
         <p:spPr/>
@@ -1124,7 +992,349 @@
             <a:fld id="{841221E5-7225-48EB-A4EE-420E7BFCF705}" type="slidenum">
               <a:rPr lang="nl-NL" noProof="0" smtClean="0"/>
               <a:pPr rtl="0"/>
-              <a:t>7</a:t>
+              <a:t>8</a:t>
+            </a:fld>
+            <a:endParaRPr lang="nl-NL" noProof="0" dirty="0"/>
+          </a:p>
+        </p:txBody>
+      </p:sp>
+    </p:spTree>
+    <p:extLst>
+      <p:ext uri="{BB962C8B-B14F-4D97-AF65-F5344CB8AC3E}">
+        <p14:creationId xmlns:p14="http://schemas.microsoft.com/office/powerpoint/2010/main" val="3818288749"/>
+      </p:ext>
+    </p:extLst>
+  </p:cSld>
+  <p:clrMapOvr>
+    <a:masterClrMapping/>
+  </p:clrMapOvr>
+</p:notes>
+</file>
+
+<file path=ppt/notesSlides/notesSlide4.xml><?xml version="1.0" encoding="utf-8"?>
+<p:notes xmlns:a="http://schemas.openxmlformats.org/drawingml/2006/main" xmlns:r="http://schemas.openxmlformats.org/officeDocument/2006/relationships" xmlns:p="http://schemas.openxmlformats.org/presentationml/2006/main">
+  <p:cSld>
+    <p:spTree>
+      <p:nvGrpSpPr>
+        <p:cNvPr id="1" name=""/>
+        <p:cNvGrpSpPr/>
+        <p:nvPr/>
+      </p:nvGrpSpPr>
+      <p:grpSpPr>
+        <a:xfrm>
+          <a:off x="0" y="0"/>
+          <a:ext cx="0" cy="0"/>
+          <a:chOff x="0" y="0"/>
+          <a:chExt cx="0" cy="0"/>
+        </a:xfrm>
+      </p:grpSpPr>
+      <p:sp>
+        <p:nvSpPr>
+          <p:cNvPr id="2" name="Slide Image Placeholder 1"/>
+          <p:cNvSpPr>
+            <a:spLocks noGrp="1" noRot="1" noChangeAspect="1"/>
+          </p:cNvSpPr>
+          <p:nvPr>
+            <p:ph type="sldImg"/>
+          </p:nvPr>
+        </p:nvSpPr>
+        <p:spPr/>
+      </p:sp>
+      <p:sp>
+        <p:nvSpPr>
+          <p:cNvPr id="3" name="Notes Placeholder 2"/>
+          <p:cNvSpPr>
+            <a:spLocks noGrp="1"/>
+          </p:cNvSpPr>
+          <p:nvPr>
+            <p:ph type="body" idx="1"/>
+          </p:nvPr>
+        </p:nvSpPr>
+        <p:spPr/>
+        <p:txBody>
+          <a:bodyPr/>
+          <a:lstStyle/>
+          <a:p>
+            <a:r>
+              <a:rPr lang="en-US" dirty="0"/>
+              <a:t>Temperature depended on height of </a:t>
+            </a:r>
+            <a:r>
+              <a:rPr lang="en-US" dirty="0" err="1"/>
+              <a:t>gletsjer</a:t>
+            </a:r>
+            <a:r>
+              <a:rPr lang="en-US" dirty="0"/>
+              <a:t>. In these plots, temperature at 2 meter height and surface temperature are plotted over time, corresponding to the </a:t>
+            </a:r>
+            <a:r>
+              <a:rPr lang="en-US" dirty="0" err="1"/>
+              <a:t>colorbar</a:t>
+            </a:r>
+            <a:r>
+              <a:rPr lang="en-US" dirty="0"/>
+              <a:t>. At the x-axis the temperatures at the </a:t>
+            </a:r>
+            <a:r>
+              <a:rPr lang="en-US" dirty="0" err="1"/>
+              <a:t>Ulvebreen</a:t>
+            </a:r>
+            <a:r>
+              <a:rPr lang="en-US" dirty="0"/>
+              <a:t> are visible and at the y-axis, the temperatures at the </a:t>
+            </a:r>
+            <a:r>
+              <a:rPr lang="en-US" dirty="0" err="1"/>
+              <a:t>Nordeskiolbreen</a:t>
+            </a:r>
+            <a:r>
+              <a:rPr lang="en-US" dirty="0"/>
+              <a:t> are visible. Looking through the different values at the axis, the </a:t>
+            </a:r>
+            <a:r>
+              <a:rPr lang="en-US" dirty="0" err="1"/>
+              <a:t>Nordenskioldbreen</a:t>
+            </a:r>
+            <a:r>
+              <a:rPr lang="en-US" dirty="0"/>
+              <a:t> looks colder, because the </a:t>
+            </a:r>
+            <a:r>
+              <a:rPr lang="en-US" dirty="0" err="1"/>
+              <a:t>Nordenskiolbreen</a:t>
+            </a:r>
+            <a:r>
+              <a:rPr lang="en-US" dirty="0"/>
+              <a:t> is located higher. To correct for this, the lapse rate of 2,334 degrees per meter is added to the data, corresponding to the black line. Taking the correction factor into account, a T-test is done. With a p-value of 0.4, the </a:t>
+            </a:r>
+            <a:r>
+              <a:rPr lang="en-US" dirty="0" err="1"/>
+              <a:t>Nordeskioldbreen</a:t>
+            </a:r>
+            <a:r>
+              <a:rPr lang="en-US" dirty="0"/>
+              <a:t> is not significant warmer than the </a:t>
+            </a:r>
+            <a:r>
+              <a:rPr lang="en-US" dirty="0" err="1"/>
+              <a:t>Ulvebreen</a:t>
+            </a:r>
+            <a:r>
+              <a:rPr lang="en-US" dirty="0"/>
+              <a:t>. </a:t>
+            </a:r>
+            <a:br>
+              <a:rPr lang="en-US" dirty="0"/>
+            </a:br>
+            <a:r>
+              <a:rPr lang="en-US" dirty="0"/>
+              <a:t/>
+            </a:r>
+            <a:br>
+              <a:rPr lang="en-US" dirty="0"/>
+            </a:br>
+            <a:r>
+              <a:rPr lang="en-US" dirty="0" err="1"/>
+              <a:t>Afbuigen</a:t>
+            </a:r>
+            <a:r>
+              <a:rPr lang="en-US" dirty="0"/>
+              <a:t> </a:t>
+            </a:r>
+            <a:r>
+              <a:rPr lang="en-US" dirty="0" err="1"/>
+              <a:t>boven</a:t>
+            </a:r>
+            <a:r>
+              <a:rPr lang="en-US" dirty="0"/>
+              <a:t> 0 </a:t>
+            </a:r>
+            <a:r>
+              <a:rPr lang="en-US" dirty="0" err="1"/>
+              <a:t>graden</a:t>
+            </a:r>
+            <a:r>
+              <a:rPr lang="en-US" dirty="0"/>
+              <a:t>? (</a:t>
+            </a:r>
+            <a:r>
+              <a:rPr lang="en-US" dirty="0" err="1"/>
+              <a:t>immers</a:t>
+            </a:r>
+            <a:r>
+              <a:rPr lang="en-US" dirty="0"/>
+              <a:t> if 0 </a:t>
+            </a:r>
+            <a:r>
+              <a:rPr lang="en-US" dirty="0" err="1"/>
+              <a:t>graden</a:t>
+            </a:r>
+            <a:r>
+              <a:rPr lang="en-US" dirty="0"/>
+              <a:t>, dan </a:t>
+            </a:r>
+            <a:r>
+              <a:rPr lang="en-US" dirty="0" err="1"/>
+              <a:t>smeltijs</a:t>
+            </a:r>
+            <a:r>
+              <a:rPr lang="en-US" dirty="0"/>
+              <a:t>)</a:t>
+            </a:r>
+            <a:endParaRPr lang="x-none" dirty="0"/>
+          </a:p>
+        </p:txBody>
+      </p:sp>
+      <p:sp>
+        <p:nvSpPr>
+          <p:cNvPr id="4" name="Slide Number Placeholder 3"/>
+          <p:cNvSpPr>
+            <a:spLocks noGrp="1"/>
+          </p:cNvSpPr>
+          <p:nvPr>
+            <p:ph type="sldNum" sz="quarter" idx="5"/>
+          </p:nvPr>
+        </p:nvSpPr>
+        <p:spPr/>
+        <p:txBody>
+          <a:bodyPr/>
+          <a:lstStyle/>
+          <a:p>
+            <a:pPr rtl="0"/>
+            <a:fld id="{841221E5-7225-48EB-A4EE-420E7BFCF705}" type="slidenum">
+              <a:rPr lang="nl-NL" noProof="0" smtClean="0"/>
+              <a:pPr rtl="0"/>
+              <a:t>9</a:t>
+            </a:fld>
+            <a:endParaRPr lang="nl-NL" noProof="0" dirty="0"/>
+          </a:p>
+        </p:txBody>
+      </p:sp>
+    </p:spTree>
+    <p:extLst>
+      <p:ext uri="{BB962C8B-B14F-4D97-AF65-F5344CB8AC3E}">
+        <p14:creationId xmlns:p14="http://schemas.microsoft.com/office/powerpoint/2010/main" val="4219134457"/>
+      </p:ext>
+    </p:extLst>
+  </p:cSld>
+  <p:clrMapOvr>
+    <a:masterClrMapping/>
+  </p:clrMapOvr>
+</p:notes>
+</file>
+
+<file path=ppt/notesSlides/notesSlide5.xml><?xml version="1.0" encoding="utf-8"?>
+<p:notes xmlns:a="http://schemas.openxmlformats.org/drawingml/2006/main" xmlns:r="http://schemas.openxmlformats.org/officeDocument/2006/relationships" xmlns:p="http://schemas.openxmlformats.org/presentationml/2006/main">
+  <p:cSld>
+    <p:spTree>
+      <p:nvGrpSpPr>
+        <p:cNvPr id="1" name=""/>
+        <p:cNvGrpSpPr/>
+        <p:nvPr/>
+      </p:nvGrpSpPr>
+      <p:grpSpPr>
+        <a:xfrm>
+          <a:off x="0" y="0"/>
+          <a:ext cx="0" cy="0"/>
+          <a:chOff x="0" y="0"/>
+          <a:chExt cx="0" cy="0"/>
+        </a:xfrm>
+      </p:grpSpPr>
+      <p:sp>
+        <p:nvSpPr>
+          <p:cNvPr id="2" name="Slide Image Placeholder 1"/>
+          <p:cNvSpPr>
+            <a:spLocks noGrp="1" noRot="1" noChangeAspect="1"/>
+          </p:cNvSpPr>
+          <p:nvPr>
+            <p:ph type="sldImg"/>
+          </p:nvPr>
+        </p:nvSpPr>
+        <p:spPr/>
+      </p:sp>
+      <p:sp>
+        <p:nvSpPr>
+          <p:cNvPr id="3" name="Notes Placeholder 2"/>
+          <p:cNvSpPr>
+            <a:spLocks noGrp="1"/>
+          </p:cNvSpPr>
+          <p:nvPr>
+            <p:ph type="body" idx="1"/>
+          </p:nvPr>
+        </p:nvSpPr>
+        <p:spPr/>
+        <p:txBody>
+          <a:bodyPr/>
+          <a:lstStyle/>
+          <a:p>
+            <a:r>
+              <a:rPr lang="en-US" dirty="0"/>
+              <a:t>The </a:t>
+            </a:r>
+            <a:r>
+              <a:rPr lang="en-US" dirty="0" err="1"/>
+              <a:t>Nordenksioldbreen</a:t>
+            </a:r>
+            <a:r>
+              <a:rPr lang="en-US" dirty="0"/>
+              <a:t> and </a:t>
+            </a:r>
+            <a:r>
+              <a:rPr lang="en-US" dirty="0" err="1"/>
+              <a:t>Ulvebreen</a:t>
+            </a:r>
+            <a:r>
+              <a:rPr lang="en-US" dirty="0"/>
+              <a:t> are located in different directions. Plotted are </a:t>
+            </a:r>
+            <a:r>
+              <a:rPr lang="en-US" dirty="0" err="1"/>
+              <a:t>winddirection</a:t>
+            </a:r>
+            <a:r>
+              <a:rPr lang="en-US" dirty="0"/>
+              <a:t> on x-axis, windspeed at y-axis and colors are corresponding with pressure, as visible at the </a:t>
+            </a:r>
+            <a:r>
+              <a:rPr lang="en-US" dirty="0" err="1"/>
+              <a:t>colorbar</a:t>
+            </a:r>
+            <a:r>
+              <a:rPr lang="en-US" dirty="0"/>
+              <a:t>. Katabatic winds are clearly visible at the </a:t>
+            </a:r>
+            <a:r>
+              <a:rPr lang="en-US" dirty="0" err="1"/>
+              <a:t>ulvebreen</a:t>
+            </a:r>
+            <a:r>
+              <a:rPr lang="en-US" dirty="0"/>
+              <a:t> at 250 degrees. Usually the higher the wind speed, the lower the pressure, but an exception is visible for the katabatic wind speed. </a:t>
+            </a:r>
+            <a:endParaRPr lang="x-none" dirty="0"/>
+          </a:p>
+        </p:txBody>
+      </p:sp>
+      <p:sp>
+        <p:nvSpPr>
+          <p:cNvPr id="4" name="Slide Number Placeholder 3"/>
+          <p:cNvSpPr>
+            <a:spLocks noGrp="1"/>
+          </p:cNvSpPr>
+          <p:nvPr>
+            <p:ph type="sldNum" sz="quarter" idx="5"/>
+          </p:nvPr>
+        </p:nvSpPr>
+        <p:spPr/>
+        <p:txBody>
+          <a:bodyPr/>
+          <a:lstStyle/>
+          <a:p>
+            <a:pPr rtl="0"/>
+            <a:fld id="{841221E5-7225-48EB-A4EE-420E7BFCF705}" type="slidenum">
+              <a:rPr lang="nl-NL" noProof="0" smtClean="0"/>
+              <a:pPr rtl="0"/>
+              <a:t>10</a:t>
             </a:fld>
             <a:endParaRPr lang="nl-NL" noProof="0" dirty="0"/>
           </a:p>
@@ -1324,7 +1534,7 @@
             <a:fld id="{7DC1BBB0-96F0-4077-A278-0F3FB5C104D3}" type="slidenum">
               <a:rPr lang="nl-NL" noProof="0" smtClean="0"/>
               <a:pPr rtl="0"/>
-              <a:t>‹#›</a:t>
+              <a:t>‹nr.›</a:t>
             </a:fld>
             <a:endParaRPr lang="nl-NL" noProof="0" dirty="0"/>
           </a:p>
@@ -1513,7 +1723,7 @@
             <a:pPr rtl="0"/>
             <a:fld id="{7DC1BBB0-96F0-4077-A278-0F3FB5C104D3}" type="slidenum">
               <a:rPr lang="nl-NL" noProof="0" smtClean="0"/>
-              <a:t>‹#›</a:t>
+              <a:t>‹nr.›</a:t>
             </a:fld>
             <a:endParaRPr lang="nl-NL" noProof="0" dirty="0"/>
           </a:p>
@@ -1712,7 +1922,7 @@
             <a:pPr rtl="0"/>
             <a:fld id="{7DC1BBB0-96F0-4077-A278-0F3FB5C104D3}" type="slidenum">
               <a:rPr lang="nl-NL" noProof="0" smtClean="0"/>
-              <a:t>‹#›</a:t>
+              <a:t>‹nr.›</a:t>
             </a:fld>
             <a:endParaRPr lang="nl-NL" noProof="0" dirty="0"/>
           </a:p>
@@ -1902,7 +2112,7 @@
             <a:fld id="{7DC1BBB0-96F0-4077-A278-0F3FB5C104D3}" type="slidenum">
               <a:rPr lang="nl-NL" noProof="0" smtClean="0"/>
               <a:pPr rtl="0"/>
-              <a:t>‹#›</a:t>
+              <a:t>‹nr.›</a:t>
             </a:fld>
             <a:endParaRPr lang="nl-NL" noProof="0" dirty="0"/>
           </a:p>
@@ -2157,7 +2367,7 @@
             <a:fld id="{7DC1BBB0-96F0-4077-A278-0F3FB5C104D3}" type="slidenum">
               <a:rPr lang="nl-NL" noProof="0" smtClean="0"/>
               <a:pPr rtl="0"/>
-              <a:t>‹#›</a:t>
+              <a:t>‹nr.›</a:t>
             </a:fld>
             <a:endParaRPr lang="nl-NL" noProof="0" dirty="0"/>
           </a:p>
@@ -2408,7 +2618,7 @@
             <a:pPr rtl="0"/>
             <a:fld id="{7DC1BBB0-96F0-4077-A278-0F3FB5C104D3}" type="slidenum">
               <a:rPr lang="nl-NL" noProof="0" smtClean="0"/>
-              <a:t>‹#›</a:t>
+              <a:t>‹nr.›</a:t>
             </a:fld>
             <a:endParaRPr lang="nl-NL" noProof="0" dirty="0"/>
           </a:p>
@@ -2794,7 +3004,7 @@
             <a:pPr rtl="0"/>
             <a:fld id="{7DC1BBB0-96F0-4077-A278-0F3FB5C104D3}" type="slidenum">
               <a:rPr lang="nl-NL" noProof="0" smtClean="0"/>
-              <a:t>‹#›</a:t>
+              <a:t>‹nr.›</a:t>
             </a:fld>
             <a:endParaRPr lang="nl-NL" noProof="0" dirty="0"/>
           </a:p>
@@ -2931,7 +3141,7 @@
             <a:pPr rtl="0"/>
             <a:fld id="{7DC1BBB0-96F0-4077-A278-0F3FB5C104D3}" type="slidenum">
               <a:rPr lang="nl-NL" noProof="0" smtClean="0"/>
-              <a:t>‹#›</a:t>
+              <a:t>‹nr.›</a:t>
             </a:fld>
             <a:endParaRPr lang="nl-NL" noProof="0" dirty="0"/>
           </a:p>
@@ -3046,7 +3256,7 @@
             <a:fld id="{7DC1BBB0-96F0-4077-A278-0F3FB5C104D3}" type="slidenum">
               <a:rPr lang="nl-NL" noProof="0" smtClean="0"/>
               <a:pPr rtl="0"/>
-              <a:t>‹#›</a:t>
+              <a:t>‹nr.›</a:t>
             </a:fld>
             <a:endParaRPr lang="nl-NL" noProof="0" dirty="0"/>
           </a:p>
@@ -3342,7 +3552,7 @@
             <a:pPr rtl="0"/>
             <a:fld id="{7DC1BBB0-96F0-4077-A278-0F3FB5C104D3}" type="slidenum">
               <a:rPr lang="nl-NL" noProof="0" smtClean="0"/>
-              <a:t>‹#›</a:t>
+              <a:t>‹nr.›</a:t>
             </a:fld>
             <a:endParaRPr lang="nl-NL" noProof="0" dirty="0"/>
           </a:p>
@@ -3614,7 +3824,7 @@
             <a:pPr rtl="0"/>
             <a:fld id="{7DC1BBB0-96F0-4077-A278-0F3FB5C104D3}" type="slidenum">
               <a:rPr lang="nl-NL" noProof="0" smtClean="0"/>
-              <a:t>‹#›</a:t>
+              <a:t>‹nr.›</a:t>
             </a:fld>
             <a:endParaRPr lang="nl-NL" noProof="0" dirty="0"/>
           </a:p>
@@ -3931,7 +4141,7 @@
             <a:fld id="{7DC1BBB0-96F0-4077-A278-0F3FB5C104D3}" type="slidenum">
               <a:rPr lang="nl-NL" noProof="0" smtClean="0"/>
               <a:pPr rtl="0"/>
-              <a:t>‹#›</a:t>
+              <a:t>‹nr.›</a:t>
             </a:fld>
             <a:endParaRPr lang="nl-NL" noProof="0" dirty="0"/>
           </a:p>
@@ -4481,10 +4691,618 @@
       </p:grpSpPr>
       <p:sp>
         <p:nvSpPr>
+          <p:cNvPr id="2" name="Title 1">
+            <a:extLst>
+              <a:ext uri="{FF2B5EF4-FFF2-40B4-BE49-F238E27FC236}">
+                <a16:creationId xmlns:a16="http://schemas.microsoft.com/office/drawing/2014/main" xmlns="" id="{714C3980-8F80-4AAA-990B-D211CB4C604C}"/>
+              </a:ext>
+            </a:extLst>
+          </p:cNvPr>
+          <p:cNvSpPr>
+            <a:spLocks noGrp="1"/>
+          </p:cNvSpPr>
+          <p:nvPr>
+            <p:ph type="title"/>
+          </p:nvPr>
+        </p:nvSpPr>
+        <p:spPr/>
+        <p:txBody>
+          <a:bodyPr/>
+          <a:lstStyle/>
+          <a:p>
+            <a:r>
+              <a:rPr lang="en-GB" dirty="0"/>
+              <a:t>katabatic wind – </a:t>
+            </a:r>
+            <a:r>
+              <a:rPr lang="en-GB" dirty="0" err="1"/>
+              <a:t>richting</a:t>
+            </a:r>
+            <a:r>
+              <a:rPr lang="en-GB" dirty="0"/>
+              <a:t> </a:t>
+            </a:r>
+            <a:r>
+              <a:rPr lang="en-GB" dirty="0" err="1"/>
+              <a:t>gletsjer</a:t>
+            </a:r>
+            <a:endParaRPr lang="x-none" dirty="0"/>
+          </a:p>
+        </p:txBody>
+      </p:sp>
+      <p:pic>
+        <p:nvPicPr>
+          <p:cNvPr id="5" name="Content Placeholder 4">
+            <a:extLst>
+              <a:ext uri="{FF2B5EF4-FFF2-40B4-BE49-F238E27FC236}">
+                <a16:creationId xmlns:a16="http://schemas.microsoft.com/office/drawing/2014/main" xmlns="" id="{A6985DBE-980D-4766-8C32-E53D060B5AA5}"/>
+              </a:ext>
+            </a:extLst>
+          </p:cNvPr>
+          <p:cNvPicPr>
+            <a:picLocks noGrp="1" noChangeAspect="1"/>
+          </p:cNvPicPr>
+          <p:nvPr>
+            <p:ph idx="1"/>
+          </p:nvPr>
+        </p:nvPicPr>
+        <p:blipFill>
+          <a:blip r:embed="rId3">
+            <a:extLst>
+              <a:ext uri="{28A0092B-C50C-407E-A947-70E740481C1C}">
+                <a14:useLocalDpi xmlns:a14="http://schemas.microsoft.com/office/drawing/2010/main" val="0"/>
+              </a:ext>
+            </a:extLst>
+          </a:blip>
+          <a:stretch>
+            <a:fillRect/>
+          </a:stretch>
+        </p:blipFill>
+        <p:spPr>
+          <a:xfrm>
+            <a:off x="0" y="1697290"/>
+            <a:ext cx="6238429" cy="5198691"/>
+          </a:xfrm>
+        </p:spPr>
+      </p:pic>
+      <p:pic>
+        <p:nvPicPr>
+          <p:cNvPr id="7" name="Picture 6">
+            <a:extLst>
+              <a:ext uri="{FF2B5EF4-FFF2-40B4-BE49-F238E27FC236}">
+                <a16:creationId xmlns:a16="http://schemas.microsoft.com/office/drawing/2014/main" xmlns="" id="{97130134-A428-4438-82B8-2F96FE1273E8}"/>
+              </a:ext>
+            </a:extLst>
+          </p:cNvPr>
+          <p:cNvPicPr>
+            <a:picLocks noChangeAspect="1"/>
+          </p:cNvPicPr>
+          <p:nvPr/>
+        </p:nvPicPr>
+        <p:blipFill>
+          <a:blip r:embed="rId4">
+            <a:extLst>
+              <a:ext uri="{28A0092B-C50C-407E-A947-70E740481C1C}">
+                <a14:useLocalDpi xmlns:a14="http://schemas.microsoft.com/office/drawing/2010/main" val="0"/>
+              </a:ext>
+            </a:extLst>
+          </a:blip>
+          <a:stretch>
+            <a:fillRect/>
+          </a:stretch>
+        </p:blipFill>
+        <p:spPr>
+          <a:xfrm>
+            <a:off x="5734372" y="1663541"/>
+            <a:ext cx="6238429" cy="5198691"/>
+          </a:xfrm>
+          <a:prstGeom prst="rect">
+            <a:avLst/>
+          </a:prstGeom>
+        </p:spPr>
+      </p:pic>
+    </p:spTree>
+    <p:extLst>
+      <p:ext uri="{BB962C8B-B14F-4D97-AF65-F5344CB8AC3E}">
+        <p14:creationId xmlns:p14="http://schemas.microsoft.com/office/powerpoint/2010/main" val="1968282199"/>
+      </p:ext>
+    </p:extLst>
+  </p:cSld>
+  <p:clrMapOvr>
+    <a:masterClrMapping/>
+  </p:clrMapOvr>
+</p:sld>
+</file>
+
+<file path=ppt/slides/slide11.xml><?xml version="1.0" encoding="utf-8"?>
+<p:sld xmlns:a="http://schemas.openxmlformats.org/drawingml/2006/main" xmlns:r="http://schemas.openxmlformats.org/officeDocument/2006/relationships" xmlns:p="http://schemas.openxmlformats.org/presentationml/2006/main">
+  <p:cSld>
+    <p:spTree>
+      <p:nvGrpSpPr>
+        <p:cNvPr id="1" name=""/>
+        <p:cNvGrpSpPr/>
+        <p:nvPr/>
+      </p:nvGrpSpPr>
+      <p:grpSpPr>
+        <a:xfrm>
+          <a:off x="0" y="0"/>
+          <a:ext cx="0" cy="0"/>
+          <a:chOff x="0" y="0"/>
+          <a:chExt cx="0" cy="0"/>
+        </a:xfrm>
+      </p:grpSpPr>
+      <p:sp>
+        <p:nvSpPr>
+          <p:cNvPr id="2" name="Titel 1"/>
+          <p:cNvSpPr>
+            <a:spLocks noGrp="1"/>
+          </p:cNvSpPr>
+          <p:nvPr>
+            <p:ph type="title"/>
+          </p:nvPr>
+        </p:nvSpPr>
+        <p:spPr/>
+        <p:txBody>
+          <a:bodyPr/>
+          <a:lstStyle/>
+          <a:p>
+            <a:r>
+              <a:rPr lang="en-GB" dirty="0" err="1" smtClean="0"/>
+              <a:t>Sout</a:t>
+            </a:r>
+            <a:r>
+              <a:rPr lang="en-GB" dirty="0" smtClean="0"/>
+              <a:t> &amp; snow height</a:t>
+            </a:r>
+            <a:endParaRPr lang="en-GB" dirty="0"/>
+          </a:p>
+        </p:txBody>
+      </p:sp>
+      <p:pic>
+        <p:nvPicPr>
+          <p:cNvPr id="4" name="Tijdelijke aanduiding voor inhoud 3"/>
+          <p:cNvPicPr>
+            <a:picLocks noGrp="1" noChangeAspect="1"/>
+          </p:cNvPicPr>
+          <p:nvPr>
+            <p:ph idx="1"/>
+          </p:nvPr>
+        </p:nvPicPr>
+        <p:blipFill>
+          <a:blip r:embed="rId2">
+            <a:extLst>
+              <a:ext uri="{28A0092B-C50C-407E-A947-70E740481C1C}">
+                <a14:useLocalDpi xmlns:a14="http://schemas.microsoft.com/office/drawing/2010/main" val="0"/>
+              </a:ext>
+            </a:extLst>
+          </a:blip>
+          <a:stretch>
+            <a:fillRect/>
+          </a:stretch>
+        </p:blipFill>
+        <p:spPr>
+          <a:xfrm>
+            <a:off x="1269876" y="1988840"/>
+            <a:ext cx="9189075" cy="4594537"/>
+          </a:xfrm>
+        </p:spPr>
+      </p:pic>
+    </p:spTree>
+    <p:extLst>
+      <p:ext uri="{BB962C8B-B14F-4D97-AF65-F5344CB8AC3E}">
+        <p14:creationId xmlns:p14="http://schemas.microsoft.com/office/powerpoint/2010/main" val="1008136059"/>
+      </p:ext>
+    </p:extLst>
+  </p:cSld>
+  <p:clrMapOvr>
+    <a:masterClrMapping/>
+  </p:clrMapOvr>
+</p:sld>
+</file>
+
+<file path=ppt/slides/slide12.xml><?xml version="1.0" encoding="utf-8"?>
+<p:sld xmlns:a="http://schemas.openxmlformats.org/drawingml/2006/main" xmlns:r="http://schemas.openxmlformats.org/officeDocument/2006/relationships" xmlns:p="http://schemas.openxmlformats.org/presentationml/2006/main">
+  <p:cSld>
+    <p:spTree>
+      <p:nvGrpSpPr>
+        <p:cNvPr id="1" name=""/>
+        <p:cNvGrpSpPr/>
+        <p:nvPr/>
+      </p:nvGrpSpPr>
+      <p:grpSpPr>
+        <a:xfrm>
+          <a:off x="0" y="0"/>
+          <a:ext cx="0" cy="0"/>
+          <a:chOff x="0" y="0"/>
+          <a:chExt cx="0" cy="0"/>
+        </a:xfrm>
+      </p:grpSpPr>
+      <p:sp>
+        <p:nvSpPr>
           <p:cNvPr id="2" name="Rectangle 1">
             <a:extLst>
               <a:ext uri="{FF2B5EF4-FFF2-40B4-BE49-F238E27FC236}">
-                <a16:creationId xmlns:a16="http://schemas.microsoft.com/office/drawing/2014/main" id="{9AB7D132-E3E3-4CFF-80F3-DC379BA4B8FE}"/>
+                <a16:creationId xmlns:a16="http://schemas.microsoft.com/office/drawing/2014/main" xmlns="" id="{9F326EE7-D4BC-4F17-86BE-15B273139D16}"/>
+              </a:ext>
+            </a:extLst>
+          </p:cNvPr>
+          <p:cNvSpPr/>
+          <p:nvPr/>
+        </p:nvSpPr>
+        <p:spPr>
+          <a:xfrm>
+            <a:off x="1485900" y="548680"/>
+            <a:ext cx="7556877" cy="5632311"/>
+          </a:xfrm>
+          <a:prstGeom prst="rect">
+            <a:avLst/>
+          </a:prstGeom>
+        </p:spPr>
+        <p:txBody>
+          <a:bodyPr wrap="none">
+            <a:spAutoFit/>
+          </a:bodyPr>
+          <a:lstStyle/>
+          <a:p>
+            <a:r>
+              <a:rPr lang="en-US" dirty="0"/>
+              <a:t>PCA </a:t>
+            </a:r>
+            <a:r>
+              <a:rPr lang="en-US" dirty="0" err="1"/>
+              <a:t>Winddir</a:t>
+            </a:r>
+            <a:endParaRPr lang="en-US" dirty="0"/>
+          </a:p>
+          <a:p>
+            <a:endParaRPr lang="en-US" dirty="0"/>
+          </a:p>
+          <a:p>
+            <a:r>
+              <a:rPr lang="en-US" dirty="0"/>
+              <a:t>[[1.         0.11458907 0.37392154]</a:t>
+            </a:r>
+          </a:p>
+          <a:p>
+            <a:r>
+              <a:rPr lang="en-US" dirty="0"/>
+              <a:t> [0.11458907 1.         0.56317597]</a:t>
+            </a:r>
+          </a:p>
+          <a:p>
+            <a:r>
+              <a:rPr lang="en-US" dirty="0"/>
+              <a:t> [0.37392154 0.56317597 1.        ]]</a:t>
+            </a:r>
+          </a:p>
+          <a:p>
+            <a:r>
+              <a:rPr lang="en-US" dirty="0"/>
+              <a:t>eigenvalues:  [1.73214264+0.j 0.89487026+0.j 0.3729871 +0.j]</a:t>
+            </a:r>
+          </a:p>
+          <a:p>
+            <a:r>
+              <a:rPr lang="en-US" dirty="0"/>
+              <a:t>Eigenvalue 1 =  1.7321426407196063</a:t>
+            </a:r>
+          </a:p>
+          <a:p>
+            <a:r>
+              <a:rPr lang="en-US" dirty="0"/>
+              <a:t>Eigenvalue 2 =  0.8948702586896115</a:t>
+            </a:r>
+          </a:p>
+          <a:p>
+            <a:r>
+              <a:rPr lang="en-US" dirty="0"/>
+              <a:t>Eigenvalue 3 =  0.37298710059078394</a:t>
+            </a:r>
+          </a:p>
+          <a:p>
+            <a:r>
+              <a:rPr lang="en-US" dirty="0"/>
+              <a:t>Variance of total data:</a:t>
+            </a:r>
+          </a:p>
+          <a:p>
+            <a:r>
+              <a:rPr lang="en-US" dirty="0"/>
+              <a:t>Eigenvalue 1 =  57.738088023986876</a:t>
+            </a:r>
+          </a:p>
+          <a:p>
+            <a:r>
+              <a:rPr lang="en-US" dirty="0"/>
+              <a:t>Eigenvalue 2 =  29.829008622987047</a:t>
+            </a:r>
+          </a:p>
+          <a:p>
+            <a:r>
+              <a:rPr lang="en-US" dirty="0"/>
+              <a:t>Eigenvalue 3 =  12.43290335302613</a:t>
+            </a:r>
+          </a:p>
+          <a:p>
+            <a:r>
+              <a:rPr lang="en-US" dirty="0"/>
+              <a:t>eigenvectors: </a:t>
+            </a:r>
+          </a:p>
+          <a:p>
+            <a:r>
+              <a:rPr lang="en-US" dirty="0"/>
+              <a:t>[[-0.43855177 -0.83699375 -0.32728245]</a:t>
+            </a:r>
+          </a:p>
+          <a:p>
+            <a:r>
+              <a:rPr lang="en-US" dirty="0"/>
+              <a:t> [-0.59006219  0.54284893 -0.5976133 ]</a:t>
+            </a:r>
+          </a:p>
+          <a:p>
+            <a:r>
+              <a:rPr lang="en-US" dirty="0"/>
+              <a:t> [-0.67786353  0.06896737  0.73194572]]</a:t>
+            </a:r>
+          </a:p>
+          <a:p>
+            <a:r>
+              <a:rPr lang="en-US" dirty="0"/>
+              <a:t>number 1: -0.4385517669693483 -0.590062185949309 -0.6778635293337335</a:t>
+            </a:r>
+          </a:p>
+          <a:p>
+            <a:r>
+              <a:rPr lang="en-US" dirty="0"/>
+              <a:t>number 2: -0.836993753714971 0.5428489275313869 0.06896736996685765</a:t>
+            </a:r>
+          </a:p>
+          <a:p>
+            <a:r>
+              <a:rPr lang="en-US" dirty="0"/>
+              <a:t>number 3: -0.3272824528296397 -0.5976133018857139 0.731945720309279</a:t>
+            </a:r>
+            <a:endParaRPr lang="x-none" dirty="0"/>
+          </a:p>
+        </p:txBody>
+      </p:sp>
+    </p:spTree>
+    <p:extLst>
+      <p:ext uri="{BB962C8B-B14F-4D97-AF65-F5344CB8AC3E}">
+        <p14:creationId xmlns:p14="http://schemas.microsoft.com/office/powerpoint/2010/main" val="2752934820"/>
+      </p:ext>
+    </p:extLst>
+  </p:cSld>
+  <p:clrMapOvr>
+    <a:masterClrMapping/>
+  </p:clrMapOvr>
+  <mc:AlternateContent xmlns:mc="http://schemas.openxmlformats.org/markup-compatibility/2006" xmlns:p14="http://schemas.microsoft.com/office/powerpoint/2010/main">
+    <mc:Choice Requires="p14">
+      <p:transition spd="med" p14:dur="700">
+        <p:fade/>
+      </p:transition>
+    </mc:Choice>
+    <mc:Fallback xmlns="">
+      <p:transition spd="med">
+        <p:fade/>
+      </p:transition>
+    </mc:Fallback>
+  </mc:AlternateContent>
+</p:sld>
+</file>
+
+<file path=ppt/slides/slide13.xml><?xml version="1.0" encoding="utf-8"?>
+<p:sld xmlns:a="http://schemas.openxmlformats.org/drawingml/2006/main" xmlns:r="http://schemas.openxmlformats.org/officeDocument/2006/relationships" xmlns:p="http://schemas.openxmlformats.org/presentationml/2006/main">
+  <p:cSld>
+    <p:spTree>
+      <p:nvGrpSpPr>
+        <p:cNvPr id="1" name=""/>
+        <p:cNvGrpSpPr/>
+        <p:nvPr/>
+      </p:nvGrpSpPr>
+      <p:grpSpPr>
+        <a:xfrm>
+          <a:off x="0" y="0"/>
+          <a:ext cx="0" cy="0"/>
+          <a:chOff x="0" y="0"/>
+          <a:chExt cx="0" cy="0"/>
+        </a:xfrm>
+      </p:grpSpPr>
+      <p:sp>
+        <p:nvSpPr>
+          <p:cNvPr id="2" name="Rectangle 1">
+            <a:extLst>
+              <a:ext uri="{FF2B5EF4-FFF2-40B4-BE49-F238E27FC236}">
+                <a16:creationId xmlns:a16="http://schemas.microsoft.com/office/drawing/2014/main" xmlns="" id="{E1B25272-0DF4-4AEB-AF59-6E8AB4E1144D}"/>
+              </a:ext>
+            </a:extLst>
+          </p:cNvPr>
+          <p:cNvSpPr/>
+          <p:nvPr/>
+        </p:nvSpPr>
+        <p:spPr>
+          <a:xfrm>
+            <a:off x="909836" y="374214"/>
+            <a:ext cx="6092825" cy="6463308"/>
+          </a:xfrm>
+          <a:prstGeom prst="rect">
+            <a:avLst/>
+          </a:prstGeom>
+        </p:spPr>
+        <p:txBody>
+          <a:bodyPr>
+            <a:spAutoFit/>
+          </a:bodyPr>
+          <a:lstStyle/>
+          <a:p>
+            <a:r>
+              <a:rPr lang="en-US" dirty="0"/>
+              <a:t>PCA Windspeed</a:t>
+            </a:r>
+          </a:p>
+          <a:p>
+            <a:endParaRPr lang="en-US" dirty="0"/>
+          </a:p>
+          <a:p>
+            <a:r>
+              <a:rPr lang="x-none" dirty="0"/>
+              <a:t>[[1.         0.62589092 0.63877069]</a:t>
+            </a:r>
+          </a:p>
+          <a:p>
+            <a:r>
+              <a:rPr lang="x-none" dirty="0"/>
+              <a:t> [0.62589092 1.         0.69326062]</a:t>
+            </a:r>
+          </a:p>
+          <a:p>
+            <a:r>
+              <a:rPr lang="x-none" dirty="0"/>
+              <a:t> [0.63877069 0.69326062 1.        ]]</a:t>
+            </a:r>
+          </a:p>
+          <a:p>
+            <a:r>
+              <a:rPr lang="x-none" dirty="0"/>
+              <a:t>eigenvalues:  [2.30572493+0.j 0.38824158+0.j 0.30603349+0.j]</a:t>
+            </a:r>
+          </a:p>
+          <a:p>
+            <a:r>
+              <a:rPr lang="x-none" dirty="0"/>
+              <a:t>Eigenvalue 1 =  2.30572492652982</a:t>
+            </a:r>
+          </a:p>
+          <a:p>
+            <a:r>
+              <a:rPr lang="x-none" dirty="0"/>
+              <a:t>Eigenvalue 2 =  0.3882415812665583</a:t>
+            </a:r>
+          </a:p>
+          <a:p>
+            <a:r>
+              <a:rPr lang="x-none" dirty="0"/>
+              <a:t>Eigenvalue 3 =  0.3060334922036205</a:t>
+            </a:r>
+          </a:p>
+          <a:p>
+            <a:r>
+              <a:rPr lang="x-none" dirty="0"/>
+              <a:t>Variance of total data:</a:t>
+            </a:r>
+          </a:p>
+          <a:p>
+            <a:r>
+              <a:rPr lang="x-none" dirty="0"/>
+              <a:t>Eigenvalue 1 =  76.857497550994</a:t>
+            </a:r>
+          </a:p>
+          <a:p>
+            <a:r>
+              <a:rPr lang="x-none" dirty="0"/>
+              <a:t>Eigenvalue 2 =  12.941386042218609</a:t>
+            </a:r>
+          </a:p>
+          <a:p>
+            <a:r>
+              <a:rPr lang="x-none" dirty="0"/>
+              <a:t>Eigenvalue 3 =  10.201116406787351</a:t>
+            </a:r>
+          </a:p>
+          <a:p>
+            <a:r>
+              <a:rPr lang="x-none" dirty="0"/>
+              <a:t>eigenvectors: </a:t>
+            </a:r>
+          </a:p>
+          <a:p>
+            <a:r>
+              <a:rPr lang="x-none" dirty="0"/>
+              <a:t>[[ 0.56506437  0.82142899 -0.07717944]</a:t>
+            </a:r>
+          </a:p>
+          <a:p>
+            <a:r>
+              <a:rPr lang="x-none" dirty="0"/>
+              <a:t> [ 0.58157296 -0.46291829 -0.66893912]</a:t>
+            </a:r>
+          </a:p>
+          <a:p>
+            <a:r>
+              <a:rPr lang="x-none" dirty="0"/>
+              <a:t> [ 0.58521376 -0.33310818  0.73929953]]</a:t>
+            </a:r>
+          </a:p>
+          <a:p>
+            <a:r>
+              <a:rPr lang="x-none" dirty="0"/>
+              <a:t>number 1: 0.5650643708906329 0.5815729647028391 0.585213758789661</a:t>
+            </a:r>
+          </a:p>
+          <a:p>
+            <a:r>
+              <a:rPr lang="x-none" dirty="0"/>
+              <a:t>number 2: 0.8214289931302869 -0.46291829370832854 -0.3331081845213845</a:t>
+            </a:r>
+          </a:p>
+          <a:p>
+            <a:r>
+              <a:rPr lang="x-none" dirty="0"/>
+              <a:t>number 3: -0.07717944023466546 -0.6689391153736788 0.7392995292357111</a:t>
+            </a:r>
+          </a:p>
+        </p:txBody>
+      </p:sp>
+    </p:spTree>
+    <p:extLst>
+      <p:ext uri="{BB962C8B-B14F-4D97-AF65-F5344CB8AC3E}">
+        <p14:creationId xmlns:p14="http://schemas.microsoft.com/office/powerpoint/2010/main" val="722039877"/>
+      </p:ext>
+    </p:extLst>
+  </p:cSld>
+  <p:clrMapOvr>
+    <a:masterClrMapping/>
+  </p:clrMapOvr>
+  <mc:AlternateContent xmlns:mc="http://schemas.openxmlformats.org/markup-compatibility/2006" xmlns:p14="http://schemas.microsoft.com/office/powerpoint/2010/main">
+    <mc:Choice Requires="p14">
+      <p:transition spd="med" p14:dur="700">
+        <p:fade/>
+      </p:transition>
+    </mc:Choice>
+    <mc:Fallback xmlns="">
+      <p:transition spd="med">
+        <p:fade/>
+      </p:transition>
+    </mc:Fallback>
+  </mc:AlternateContent>
+</p:sld>
+</file>
+
+<file path=ppt/slides/slide14.xml><?xml version="1.0" encoding="utf-8"?>
+<p:sld xmlns:a="http://schemas.openxmlformats.org/drawingml/2006/main" xmlns:r="http://schemas.openxmlformats.org/officeDocument/2006/relationships" xmlns:p="http://schemas.openxmlformats.org/presentationml/2006/main">
+  <p:cSld>
+    <p:spTree>
+      <p:nvGrpSpPr>
+        <p:cNvPr id="1" name=""/>
+        <p:cNvGrpSpPr/>
+        <p:nvPr/>
+      </p:nvGrpSpPr>
+      <p:grpSpPr>
+        <a:xfrm>
+          <a:off x="0" y="0"/>
+          <a:ext cx="0" cy="0"/>
+          <a:chOff x="0" y="0"/>
+          <a:chExt cx="0" cy="0"/>
+        </a:xfrm>
+      </p:grpSpPr>
+      <p:sp>
+        <p:nvSpPr>
+          <p:cNvPr id="2" name="Rectangle 1">
+            <a:extLst>
+              <a:ext uri="{FF2B5EF4-FFF2-40B4-BE49-F238E27FC236}">
+                <a16:creationId xmlns:a16="http://schemas.microsoft.com/office/drawing/2014/main" xmlns="" id="{9AB7D132-E3E3-4CFF-80F3-DC379BA4B8FE}"/>
               </a:ext>
             </a:extLst>
           </p:cNvPr>
@@ -4646,7 +5464,7 @@
 </p:sld>
 </file>
 
-<file path=ppt/slides/slide11.xml><?xml version="1.0" encoding="utf-8"?>
+<file path=ppt/slides/slide15.xml><?xml version="1.0" encoding="utf-8"?>
 <p:sld xmlns:a="http://schemas.openxmlformats.org/drawingml/2006/main" xmlns:r="http://schemas.openxmlformats.org/officeDocument/2006/relationships" xmlns:p="http://schemas.openxmlformats.org/presentationml/2006/main">
   <p:cSld>
     <p:spTree>
@@ -4668,7 +5486,7 @@
           <p:cNvPr id="2" name="Rectangle 1">
             <a:extLst>
               <a:ext uri="{FF2B5EF4-FFF2-40B4-BE49-F238E27FC236}">
-                <a16:creationId xmlns:a16="http://schemas.microsoft.com/office/drawing/2014/main" id="{A969AED3-5A09-440D-BBAA-0541063F26EC}"/>
+                <a16:creationId xmlns:a16="http://schemas.microsoft.com/office/drawing/2014/main" xmlns="" id="{A969AED3-5A09-440D-BBAA-0541063F26EC}"/>
               </a:ext>
             </a:extLst>
           </p:cNvPr>
@@ -5014,6 +5832,130 @@
       </p:grpSpPr>
       <p:pic>
         <p:nvPicPr>
+          <p:cNvPr id="1028" name="Picture 4" descr="CalvingFront IMAU"/>
+          <p:cNvPicPr>
+            <a:picLocks noChangeAspect="1" noChangeArrowheads="1"/>
+          </p:cNvPicPr>
+          <p:nvPr/>
+        </p:nvPicPr>
+        <p:blipFill>
+          <a:blip r:embed="rId2">
+            <a:extLst>
+              <a:ext uri="{28A0092B-C50C-407E-A947-70E740481C1C}">
+                <a14:useLocalDpi xmlns:a14="http://schemas.microsoft.com/office/drawing/2010/main" val="0"/>
+              </a:ext>
+            </a:extLst>
+          </a:blip>
+          <a:srcRect/>
+          <a:stretch>
+            <a:fillRect/>
+          </a:stretch>
+        </p:blipFill>
+        <p:spPr bwMode="auto">
+          <a:xfrm>
+            <a:off x="1039509" y="4293096"/>
+            <a:ext cx="10343456" cy="2353136"/>
+          </a:xfrm>
+          <a:prstGeom prst="rect">
+            <a:avLst/>
+          </a:prstGeom>
+          <a:noFill/>
+          <a:extLst>
+            <a:ext uri="{909E8E84-426E-40DD-AFC4-6F175D3DCCD1}">
+              <a14:hiddenFill xmlns:a14="http://schemas.microsoft.com/office/drawing/2010/main">
+                <a:solidFill>
+                  <a:srgbClr val="FFFFFF"/>
+                </a:solidFill>
+              </a14:hiddenFill>
+            </a:ext>
+          </a:extLst>
+        </p:spPr>
+      </p:pic>
+      <p:pic>
+        <p:nvPicPr>
+          <p:cNvPr id="1030" name="Picture 6" descr="Image result for nordenskioldbreen"/>
+          <p:cNvPicPr>
+            <a:picLocks noChangeAspect="1" noChangeArrowheads="1"/>
+          </p:cNvPicPr>
+          <p:nvPr/>
+        </p:nvPicPr>
+        <p:blipFill>
+          <a:blip r:embed="rId3">
+            <a:extLst>
+              <a:ext uri="{28A0092B-C50C-407E-A947-70E740481C1C}">
+                <a14:useLocalDpi xmlns:a14="http://schemas.microsoft.com/office/drawing/2010/main" val="0"/>
+              </a:ext>
+            </a:extLst>
+          </a:blip>
+          <a:srcRect/>
+          <a:stretch>
+            <a:fillRect/>
+          </a:stretch>
+        </p:blipFill>
+        <p:spPr bwMode="auto">
+          <a:xfrm>
+            <a:off x="5446340" y="188640"/>
+            <a:ext cx="5936625" cy="3900363"/>
+          </a:xfrm>
+          <a:prstGeom prst="rect">
+            <a:avLst/>
+          </a:prstGeom>
+          <a:noFill/>
+          <a:extLst>
+            <a:ext uri="{909E8E84-426E-40DD-AFC4-6F175D3DCCD1}">
+              <a14:hiddenFill xmlns:a14="http://schemas.microsoft.com/office/drawing/2010/main">
+                <a:solidFill>
+                  <a:srgbClr val="FFFFFF"/>
+                </a:solidFill>
+              </a14:hiddenFill>
+            </a:ext>
+          </a:extLst>
+        </p:spPr>
+      </p:pic>
+    </p:spTree>
+    <p:extLst>
+      <p:ext uri="{BB962C8B-B14F-4D97-AF65-F5344CB8AC3E}">
+        <p14:creationId xmlns:p14="http://schemas.microsoft.com/office/powerpoint/2010/main" val="845384569"/>
+      </p:ext>
+    </p:extLst>
+  </p:cSld>
+  <p:clrMapOvr>
+    <a:masterClrMapping/>
+  </p:clrMapOvr>
+  <mc:AlternateContent xmlns:mc="http://schemas.openxmlformats.org/markup-compatibility/2006">
+    <mc:Choice xmlns:p14="http://schemas.microsoft.com/office/powerpoint/2010/main" Requires="p14">
+      <p:transition spd="med" p14:dur="700">
+        <p:fade/>
+      </p:transition>
+    </mc:Choice>
+    <mc:Fallback>
+      <p:transition spd="med">
+        <p:fade/>
+      </p:transition>
+    </mc:Fallback>
+  </mc:AlternateContent>
+</p:sld>
+</file>
+
+<file path=ppt/slides/slide4.xml><?xml version="1.0" encoding="utf-8"?>
+<p:sld xmlns:a="http://schemas.openxmlformats.org/drawingml/2006/main" xmlns:r="http://schemas.openxmlformats.org/officeDocument/2006/relationships" xmlns:p="http://schemas.openxmlformats.org/presentationml/2006/main">
+  <p:cSld>
+    <p:spTree>
+      <p:nvGrpSpPr>
+        <p:cNvPr id="1" name=""/>
+        <p:cNvGrpSpPr/>
+        <p:nvPr/>
+      </p:nvGrpSpPr>
+      <p:grpSpPr>
+        <a:xfrm>
+          <a:off x="0" y="0"/>
+          <a:ext cx="0" cy="0"/>
+          <a:chOff x="0" y="0"/>
+          <a:chExt cx="0" cy="0"/>
+        </a:xfrm>
+      </p:grpSpPr>
+      <p:pic>
+        <p:nvPicPr>
           <p:cNvPr id="1026" name="Picture 2" descr="https://www.projects.science.uu.nl/iceclimate/aws/files_stations/nbreen_2010b.jpg"/>
           <p:cNvPicPr>
             <a:picLocks noChangeAspect="1" noChangeArrowheads="1"/>
@@ -5176,265 +6118,6 @@
       </p:transition>
     </mc:Fallback>
   </mc:AlternateContent>
-</p:sld>
-</file>
-
-<file path=ppt/slides/slide4.xml><?xml version="1.0" encoding="utf-8"?>
-<p:sld xmlns:a="http://schemas.openxmlformats.org/drawingml/2006/main" xmlns:r="http://schemas.openxmlformats.org/officeDocument/2006/relationships" xmlns:p="http://schemas.openxmlformats.org/presentationml/2006/main">
-  <p:cSld>
-    <p:spTree>
-      <p:nvGrpSpPr>
-        <p:cNvPr id="1" name=""/>
-        <p:cNvGrpSpPr/>
-        <p:nvPr/>
-      </p:nvGrpSpPr>
-      <p:grpSpPr>
-        <a:xfrm>
-          <a:off x="0" y="0"/>
-          <a:ext cx="0" cy="0"/>
-          <a:chOff x="0" y="0"/>
-          <a:chExt cx="0" cy="0"/>
-        </a:xfrm>
-      </p:grpSpPr>
-      <p:sp>
-        <p:nvSpPr>
-          <p:cNvPr id="2" name="Title 1">
-            <a:extLst>
-              <a:ext uri="{FF2B5EF4-FFF2-40B4-BE49-F238E27FC236}">
-                <a16:creationId xmlns:a16="http://schemas.microsoft.com/office/drawing/2014/main" id="{D9F82D00-BBEB-47D8-8921-681D6D0B5CCA}"/>
-              </a:ext>
-            </a:extLst>
-          </p:cNvPr>
-          <p:cNvSpPr>
-            <a:spLocks noGrp="1"/>
-          </p:cNvSpPr>
-          <p:nvPr>
-            <p:ph type="title"/>
-          </p:nvPr>
-        </p:nvSpPr>
-        <p:spPr/>
-        <p:txBody>
-          <a:bodyPr/>
-          <a:lstStyle/>
-          <a:p>
-            <a:r>
-              <a:rPr lang="en-GB" dirty="0"/>
-              <a:t>Temperature</a:t>
-            </a:r>
-            <a:endParaRPr lang="en-NL" dirty="0"/>
-          </a:p>
-        </p:txBody>
-      </p:sp>
-      <p:pic>
-        <p:nvPicPr>
-          <p:cNvPr id="5" name="Content Placeholder 4">
-            <a:extLst>
-              <a:ext uri="{FF2B5EF4-FFF2-40B4-BE49-F238E27FC236}">
-                <a16:creationId xmlns:a16="http://schemas.microsoft.com/office/drawing/2014/main" id="{DDA405FC-DC7B-49AC-9416-59C7F4D86A90}"/>
-              </a:ext>
-            </a:extLst>
-          </p:cNvPr>
-          <p:cNvPicPr>
-            <a:picLocks noGrp="1" noChangeAspect="1"/>
-          </p:cNvPicPr>
-          <p:nvPr>
-            <p:ph idx="1"/>
-          </p:nvPr>
-        </p:nvPicPr>
-        <p:blipFill>
-          <a:blip r:embed="rId3">
-            <a:extLst>
-              <a:ext uri="{28A0092B-C50C-407E-A947-70E740481C1C}">
-                <a14:useLocalDpi xmlns:a14="http://schemas.microsoft.com/office/drawing/2010/main" val="0"/>
-              </a:ext>
-            </a:extLst>
-          </a:blip>
-          <a:stretch>
-            <a:fillRect/>
-          </a:stretch>
-        </p:blipFill>
-        <p:spPr>
-          <a:xfrm>
-            <a:off x="545099" y="1215261"/>
-            <a:ext cx="5642739" cy="5642739"/>
-          </a:xfrm>
-        </p:spPr>
-      </p:pic>
-      <p:pic>
-        <p:nvPicPr>
-          <p:cNvPr id="7" name="Picture 6">
-            <a:extLst>
-              <a:ext uri="{FF2B5EF4-FFF2-40B4-BE49-F238E27FC236}">
-                <a16:creationId xmlns:a16="http://schemas.microsoft.com/office/drawing/2014/main" id="{F28F6D6C-3E04-4244-A7A3-87E9DED5617A}"/>
-              </a:ext>
-            </a:extLst>
-          </p:cNvPr>
-          <p:cNvPicPr>
-            <a:picLocks noChangeAspect="1"/>
-          </p:cNvPicPr>
-          <p:nvPr/>
-        </p:nvPicPr>
-        <p:blipFill>
-          <a:blip r:embed="rId4">
-            <a:extLst>
-              <a:ext uri="{28A0092B-C50C-407E-A947-70E740481C1C}">
-                <a14:useLocalDpi xmlns:a14="http://schemas.microsoft.com/office/drawing/2010/main" val="0"/>
-              </a:ext>
-            </a:extLst>
-          </a:blip>
-          <a:stretch>
-            <a:fillRect/>
-          </a:stretch>
-        </p:blipFill>
-        <p:spPr>
-          <a:xfrm>
-            <a:off x="6501983" y="1277455"/>
-            <a:ext cx="5518349" cy="5518349"/>
-          </a:xfrm>
-          <a:prstGeom prst="rect">
-            <a:avLst/>
-          </a:prstGeom>
-        </p:spPr>
-      </p:pic>
-      <p:sp>
-        <p:nvSpPr>
-          <p:cNvPr id="8" name="Tekstvak 1">
-            <a:extLst>
-              <a:ext uri="{FF2B5EF4-FFF2-40B4-BE49-F238E27FC236}">
-                <a16:creationId xmlns:a16="http://schemas.microsoft.com/office/drawing/2014/main" id="{128338E3-6E4C-44EB-9F91-BEBB4832279E}"/>
-              </a:ext>
-            </a:extLst>
-          </p:cNvPr>
-          <p:cNvSpPr txBox="1"/>
-          <p:nvPr/>
-        </p:nvSpPr>
-        <p:spPr>
-          <a:xfrm>
-            <a:off x="6653443" y="389667"/>
-            <a:ext cx="3528392" cy="369332"/>
-          </a:xfrm>
-          <a:prstGeom prst="rect">
-            <a:avLst/>
-          </a:prstGeom>
-          <a:noFill/>
-        </p:spPr>
-        <p:txBody>
-          <a:bodyPr wrap="square" rtlCol="0">
-            <a:spAutoFit/>
-          </a:bodyPr>
-          <a:lstStyle/>
-          <a:p>
-            <a:r>
-              <a:rPr lang="en-GB" dirty="0" err="1"/>
-              <a:t>Nordenskiöldbreen</a:t>
-            </a:r>
-            <a:r>
-              <a:rPr lang="en-GB" dirty="0"/>
-              <a:t> – 529 m </a:t>
-            </a:r>
-            <a:r>
-              <a:rPr lang="en-GB" dirty="0" err="1"/>
-              <a:t>a.s.l</a:t>
-            </a:r>
-            <a:r>
-              <a:rPr lang="en-GB" dirty="0"/>
-              <a:t>.</a:t>
-            </a:r>
-          </a:p>
-        </p:txBody>
-      </p:sp>
-      <p:sp>
-        <p:nvSpPr>
-          <p:cNvPr id="9" name="Tekstvak 4">
-            <a:extLst>
-              <a:ext uri="{FF2B5EF4-FFF2-40B4-BE49-F238E27FC236}">
-                <a16:creationId xmlns:a16="http://schemas.microsoft.com/office/drawing/2014/main" id="{85EBD6BF-AED2-4565-8EEA-7221708F4BB6}"/>
-              </a:ext>
-            </a:extLst>
-          </p:cNvPr>
-          <p:cNvSpPr txBox="1"/>
-          <p:nvPr/>
-        </p:nvSpPr>
-        <p:spPr>
-          <a:xfrm>
-            <a:off x="6653443" y="767948"/>
-            <a:ext cx="2672407" cy="369332"/>
-          </a:xfrm>
-          <a:prstGeom prst="rect">
-            <a:avLst/>
-          </a:prstGeom>
-          <a:noFill/>
-        </p:spPr>
-        <p:txBody>
-          <a:bodyPr wrap="square" rtlCol="0">
-            <a:spAutoFit/>
-          </a:bodyPr>
-          <a:lstStyle/>
-          <a:p>
-            <a:r>
-              <a:rPr lang="en-GB" dirty="0" err="1"/>
-              <a:t>Ulvebreen</a:t>
-            </a:r>
-            <a:r>
-              <a:rPr lang="en-GB" dirty="0"/>
-              <a:t> – 140 m </a:t>
-            </a:r>
-            <a:r>
-              <a:rPr lang="en-GB" dirty="0" err="1"/>
-              <a:t>a.s.l</a:t>
-            </a:r>
-            <a:r>
-              <a:rPr lang="en-GB" dirty="0"/>
-              <a:t>.</a:t>
-            </a:r>
-          </a:p>
-        </p:txBody>
-      </p:sp>
-      <p:sp>
-        <p:nvSpPr>
-          <p:cNvPr id="10" name="Tekstvak 4">
-            <a:extLst>
-              <a:ext uri="{FF2B5EF4-FFF2-40B4-BE49-F238E27FC236}">
-                <a16:creationId xmlns:a16="http://schemas.microsoft.com/office/drawing/2014/main" id="{639EA36E-F7CC-487D-9DC0-72EC84565058}"/>
-              </a:ext>
-            </a:extLst>
-          </p:cNvPr>
-          <p:cNvSpPr txBox="1"/>
-          <p:nvPr/>
-        </p:nvSpPr>
-        <p:spPr>
-          <a:xfrm>
-            <a:off x="6670476" y="1152331"/>
-            <a:ext cx="5518349" cy="369332"/>
-          </a:xfrm>
-          <a:prstGeom prst="rect">
-            <a:avLst/>
-          </a:prstGeom>
-          <a:noFill/>
-        </p:spPr>
-        <p:txBody>
-          <a:bodyPr wrap="square" rtlCol="0">
-            <a:spAutoFit/>
-          </a:bodyPr>
-          <a:lstStyle/>
-          <a:p>
-            <a:r>
-              <a:rPr lang="en-GB" dirty="0"/>
-              <a:t>529 – 140 = 389 * 0.6 degrees / meter = 2,3 degrees</a:t>
-            </a:r>
-          </a:p>
-        </p:txBody>
-      </p:sp>
-    </p:spTree>
-    <p:extLst>
-      <p:ext uri="{BB962C8B-B14F-4D97-AF65-F5344CB8AC3E}">
-        <p14:creationId xmlns:p14="http://schemas.microsoft.com/office/powerpoint/2010/main" val="1942872799"/>
-      </p:ext>
-    </p:extLst>
-  </p:cSld>
-  <p:clrMapOvr>
-    <a:masterClrMapping/>
-  </p:clrMapOvr>
 </p:sld>
 </file>
 
@@ -5600,13 +6283,7 @@
       </p:grpSpPr>
       <p:sp>
         <p:nvSpPr>
-          <p:cNvPr id="2" name="Title 1">
-            <a:extLst>
-              <a:ext uri="{FF2B5EF4-FFF2-40B4-BE49-F238E27FC236}">
-                <a16:creationId xmlns:a16="http://schemas.microsoft.com/office/drawing/2014/main" id="{714C3980-8F80-4AAA-990B-D211CB4C604C}"/>
-              </a:ext>
-            </a:extLst>
-          </p:cNvPr>
+          <p:cNvPr id="5" name="Titel 4"/>
           <p:cNvSpPr>
             <a:spLocks noGrp="1"/>
           </p:cNvSpPr>
@@ -5620,43 +6297,42 @@
           <a:lstStyle/>
           <a:p>
             <a:r>
-              <a:rPr lang="en-GB" dirty="0"/>
-              <a:t>katabatic wind – </a:t>
-            </a:r>
-            <a:r>
-              <a:rPr lang="en-GB" dirty="0" err="1"/>
-              <a:t>richting</a:t>
-            </a:r>
-            <a:r>
-              <a:rPr lang="en-GB" dirty="0"/>
-              <a:t> </a:t>
-            </a:r>
-            <a:r>
-              <a:rPr lang="en-GB" dirty="0" err="1"/>
-              <a:t>gletsjer</a:t>
-            </a:r>
-            <a:endParaRPr lang="en-NL" dirty="0"/>
+              <a:rPr lang="en-GB" dirty="0" smtClean="0"/>
+              <a:t>Temperature differences</a:t>
+            </a:r>
+            <a:endParaRPr lang="en-GB" dirty="0"/>
+          </a:p>
+        </p:txBody>
+      </p:sp>
+      <p:sp>
+        <p:nvSpPr>
+          <p:cNvPr id="6" name="Tijdelijke aanduiding voor inhoud 5"/>
+          <p:cNvSpPr>
+            <a:spLocks noGrp="1"/>
+          </p:cNvSpPr>
+          <p:nvPr>
+            <p:ph idx="1"/>
+          </p:nvPr>
+        </p:nvSpPr>
+        <p:spPr/>
+        <p:txBody>
+          <a:bodyPr/>
+          <a:lstStyle/>
+          <a:p>
+            <a:endParaRPr lang="en-GB"/>
           </a:p>
         </p:txBody>
       </p:sp>
       <p:pic>
         <p:nvPicPr>
-          <p:cNvPr id="5" name="Content Placeholder 4">
-            <a:extLst>
-              <a:ext uri="{FF2B5EF4-FFF2-40B4-BE49-F238E27FC236}">
-                <a16:creationId xmlns:a16="http://schemas.microsoft.com/office/drawing/2014/main" id="{A6985DBE-980D-4766-8C32-E53D060B5AA5}"/>
-              </a:ext>
-            </a:extLst>
-          </p:cNvPr>
+          <p:cNvPr id="4" name="Afbeelding 3"/>
           <p:cNvPicPr>
-            <a:picLocks noGrp="1" noChangeAspect="1"/>
+            <a:picLocks noChangeAspect="1"/>
           </p:cNvPicPr>
-          <p:nvPr>
-            <p:ph idx="1"/>
-          </p:nvPr>
+          <p:nvPr/>
         </p:nvPicPr>
         <p:blipFill>
-          <a:blip r:embed="rId3">
+          <a:blip r:embed="rId3" cstate="print">
             <a:extLst>
               <a:ext uri="{28A0092B-C50C-407E-A947-70E740481C1C}">
                 <a14:useLocalDpi xmlns:a14="http://schemas.microsoft.com/office/drawing/2010/main" val="0"/>
@@ -5669,41 +6345,8 @@
         </p:blipFill>
         <p:spPr>
           <a:xfrm>
-            <a:off x="0" y="1697290"/>
-            <a:ext cx="6238429" cy="5198691"/>
-          </a:xfrm>
-        </p:spPr>
-      </p:pic>
-      <p:pic>
-        <p:nvPicPr>
-          <p:cNvPr id="7" name="Picture 6">
-            <a:extLst>
-              <a:ext uri="{FF2B5EF4-FFF2-40B4-BE49-F238E27FC236}">
-                <a16:creationId xmlns:a16="http://schemas.microsoft.com/office/drawing/2014/main" id="{97130134-A428-4438-82B8-2F96FE1273E8}"/>
-              </a:ext>
-            </a:extLst>
-          </p:cNvPr>
-          <p:cNvPicPr>
-            <a:picLocks noChangeAspect="1"/>
-          </p:cNvPicPr>
-          <p:nvPr/>
-        </p:nvPicPr>
-        <p:blipFill>
-          <a:blip r:embed="rId4">
-            <a:extLst>
-              <a:ext uri="{28A0092B-C50C-407E-A947-70E740481C1C}">
-                <a14:useLocalDpi xmlns:a14="http://schemas.microsoft.com/office/drawing/2010/main" val="0"/>
-              </a:ext>
-            </a:extLst>
-          </a:blip>
-          <a:stretch>
-            <a:fillRect/>
-          </a:stretch>
-        </p:blipFill>
-        <p:spPr>
-          <a:xfrm>
-            <a:off x="5734372" y="1663541"/>
-            <a:ext cx="6238429" cy="5198691"/>
+            <a:off x="2755362" y="1826043"/>
+            <a:ext cx="7315790" cy="4029681"/>
           </a:xfrm>
           <a:prstGeom prst="rect">
             <a:avLst/>
@@ -5713,7 +6356,7 @@
     </p:spTree>
     <p:extLst>
       <p:ext uri="{BB962C8B-B14F-4D97-AF65-F5344CB8AC3E}">
-        <p14:creationId xmlns:p14="http://schemas.microsoft.com/office/powerpoint/2010/main" val="1968282199"/>
+        <p14:creationId xmlns:p14="http://schemas.microsoft.com/office/powerpoint/2010/main" val="2417380481"/>
       </p:ext>
     </p:extLst>
   </p:cSld>
@@ -5742,177 +6385,111 @@
       </p:grpSpPr>
       <p:sp>
         <p:nvSpPr>
-          <p:cNvPr id="2" name="Rectangle 1">
-            <a:extLst>
-              <a:ext uri="{FF2B5EF4-FFF2-40B4-BE49-F238E27FC236}">
-                <a16:creationId xmlns:a16="http://schemas.microsoft.com/office/drawing/2014/main" id="{9F326EE7-D4BC-4F17-86BE-15B273139D16}"/>
-              </a:ext>
-            </a:extLst>
-          </p:cNvPr>
-          <p:cNvSpPr/>
-          <p:nvPr/>
-        </p:nvSpPr>
-        <p:spPr>
-          <a:xfrm>
-            <a:off x="1485900" y="548680"/>
-            <a:ext cx="7556877" cy="5632311"/>
-          </a:xfrm>
-          <a:prstGeom prst="rect">
-            <a:avLst/>
-          </a:prstGeom>
-        </p:spPr>
-        <p:txBody>
-          <a:bodyPr wrap="none">
-            <a:spAutoFit/>
-          </a:bodyPr>
-          <a:lstStyle/>
-          <a:p>
-            <a:r>
-              <a:rPr lang="en-US" dirty="0"/>
-              <a:t>PCA </a:t>
-            </a:r>
-            <a:r>
-              <a:rPr lang="en-US" dirty="0" err="1"/>
-              <a:t>Winddir</a:t>
-            </a:r>
-            <a:endParaRPr lang="en-US" dirty="0"/>
-          </a:p>
-          <a:p>
-            <a:endParaRPr lang="en-US" dirty="0"/>
-          </a:p>
-          <a:p>
-            <a:r>
-              <a:rPr lang="en-US" dirty="0"/>
-              <a:t>[[1.         0.11458907 0.37392154]</a:t>
-            </a:r>
-          </a:p>
-          <a:p>
-            <a:r>
-              <a:rPr lang="en-US" dirty="0"/>
-              <a:t> [0.11458907 1.         0.56317597]</a:t>
-            </a:r>
-          </a:p>
-          <a:p>
-            <a:r>
-              <a:rPr lang="en-US" dirty="0"/>
-              <a:t> [0.37392154 0.56317597 1.        ]]</a:t>
-            </a:r>
-          </a:p>
-          <a:p>
-            <a:r>
-              <a:rPr lang="en-US" dirty="0"/>
-              <a:t>eigenvalues:  [1.73214264+0.j 0.89487026+0.j 0.3729871 +0.j]</a:t>
-            </a:r>
-          </a:p>
-          <a:p>
-            <a:r>
-              <a:rPr lang="en-US" dirty="0"/>
-              <a:t>Eigenvalue 1 =  1.7321426407196063</a:t>
-            </a:r>
-          </a:p>
-          <a:p>
-            <a:r>
-              <a:rPr lang="en-US" dirty="0"/>
-              <a:t>Eigenvalue 2 =  0.8948702586896115</a:t>
-            </a:r>
-          </a:p>
-          <a:p>
-            <a:r>
-              <a:rPr lang="en-US" dirty="0"/>
-              <a:t>Eigenvalue 3 =  0.37298710059078394</a:t>
-            </a:r>
-          </a:p>
-          <a:p>
-            <a:r>
-              <a:rPr lang="en-US" dirty="0"/>
-              <a:t>Variance of total data:</a:t>
-            </a:r>
-          </a:p>
-          <a:p>
-            <a:r>
-              <a:rPr lang="en-US" dirty="0"/>
-              <a:t>Eigenvalue 1 =  57.738088023986876</a:t>
-            </a:r>
-          </a:p>
-          <a:p>
-            <a:r>
-              <a:rPr lang="en-US" dirty="0"/>
-              <a:t>Eigenvalue 2 =  29.829008622987047</a:t>
-            </a:r>
-          </a:p>
-          <a:p>
-            <a:r>
-              <a:rPr lang="en-US" dirty="0"/>
-              <a:t>Eigenvalue 3 =  12.43290335302613</a:t>
-            </a:r>
-          </a:p>
-          <a:p>
-            <a:r>
-              <a:rPr lang="en-US" dirty="0"/>
-              <a:t>eigenvectors: </a:t>
-            </a:r>
-          </a:p>
-          <a:p>
-            <a:r>
-              <a:rPr lang="en-US" dirty="0"/>
-              <a:t>[[-0.43855177 -0.83699375 -0.32728245]</a:t>
-            </a:r>
-          </a:p>
-          <a:p>
-            <a:r>
-              <a:rPr lang="en-US" dirty="0"/>
-              <a:t> [-0.59006219  0.54284893 -0.5976133 ]</a:t>
-            </a:r>
-          </a:p>
-          <a:p>
-            <a:r>
-              <a:rPr lang="en-US" dirty="0"/>
-              <a:t> [-0.67786353  0.06896737  0.73194572]]</a:t>
-            </a:r>
-          </a:p>
-          <a:p>
-            <a:r>
-              <a:rPr lang="en-US" dirty="0"/>
-              <a:t>number 1: -0.4385517669693483 -0.590062185949309 -0.6778635293337335</a:t>
-            </a:r>
-          </a:p>
-          <a:p>
-            <a:r>
-              <a:rPr lang="en-US" dirty="0"/>
-              <a:t>number 2: -0.836993753714971 0.5428489275313869 0.06896736996685765</a:t>
-            </a:r>
-          </a:p>
-          <a:p>
-            <a:r>
-              <a:rPr lang="en-US" dirty="0"/>
-              <a:t>number 3: -0.3272824528296397 -0.5976133018857139 0.731945720309279</a:t>
-            </a:r>
-            <a:endParaRPr lang="x-none" dirty="0"/>
+          <p:cNvPr id="2" name="Titel 1"/>
+          <p:cNvSpPr>
+            <a:spLocks noGrp="1"/>
+          </p:cNvSpPr>
+          <p:nvPr>
+            <p:ph type="title"/>
+          </p:nvPr>
+        </p:nvSpPr>
+        <p:spPr/>
+        <p:txBody>
+          <a:bodyPr/>
+          <a:lstStyle/>
+          <a:p>
+            <a:r>
+              <a:rPr lang="en-GB" dirty="0" smtClean="0"/>
+              <a:t>Lapse rate</a:t>
+            </a:r>
+            <a:endParaRPr lang="en-GB" dirty="0"/>
+          </a:p>
+        </p:txBody>
+      </p:sp>
+      <p:sp>
+        <p:nvSpPr>
+          <p:cNvPr id="3" name="Tijdelijke aanduiding voor inhoud 2"/>
+          <p:cNvSpPr>
+            <a:spLocks noGrp="1"/>
+          </p:cNvSpPr>
+          <p:nvPr>
+            <p:ph idx="1"/>
+          </p:nvPr>
+        </p:nvSpPr>
+        <p:spPr/>
+        <p:txBody>
+          <a:bodyPr/>
+          <a:lstStyle/>
+          <a:p>
+            <a:r>
+              <a:rPr lang="en-GB" dirty="0" smtClean="0"/>
+              <a:t>Height difference: 389 m</a:t>
+            </a:r>
+          </a:p>
+          <a:p>
+            <a:r>
+              <a:rPr lang="en-GB" dirty="0" smtClean="0"/>
+              <a:t>Lapse rate: 0.6 °C/100m (also used in literature)</a:t>
+            </a:r>
+          </a:p>
+          <a:p>
+            <a:r>
+              <a:rPr lang="en-GB" dirty="0" smtClean="0"/>
+              <a:t>Expected T difference: 2.334 </a:t>
+            </a:r>
+            <a:r>
+              <a:rPr lang="en-GB" dirty="0" smtClean="0"/>
+              <a:t>°C</a:t>
+            </a:r>
+          </a:p>
+          <a:p>
+            <a:endParaRPr lang="en-GB" dirty="0"/>
+          </a:p>
+          <a:p>
+            <a:r>
+              <a:rPr lang="en-GB" dirty="0" smtClean="0"/>
+              <a:t>Still an unexplained mean difference of -0.22 </a:t>
+            </a:r>
+            <a:r>
+              <a:rPr lang="en-GB" dirty="0" smtClean="0"/>
+              <a:t>°C (</a:t>
+            </a:r>
+            <a:r>
+              <a:rPr lang="en-GB" dirty="0" err="1" smtClean="0"/>
+              <a:t>Ulvebreen</a:t>
+            </a:r>
+            <a:r>
+              <a:rPr lang="en-GB" dirty="0" smtClean="0"/>
+              <a:t> colder than expected)</a:t>
+            </a:r>
+          </a:p>
+          <a:p>
+            <a:r>
+              <a:rPr lang="en-GB" dirty="0" smtClean="0"/>
+              <a:t>However: no significant difference according to t-test.</a:t>
+            </a:r>
+          </a:p>
+          <a:p>
+            <a:r>
+              <a:rPr lang="en-GB" dirty="0" smtClean="0"/>
+              <a:t>(so no effect from east side island)</a:t>
+            </a:r>
+          </a:p>
+          <a:p>
+            <a:endParaRPr lang="en-GB" dirty="0"/>
           </a:p>
         </p:txBody>
       </p:sp>
     </p:spTree>
     <p:extLst>
       <p:ext uri="{BB962C8B-B14F-4D97-AF65-F5344CB8AC3E}">
-        <p14:creationId xmlns:p14="http://schemas.microsoft.com/office/powerpoint/2010/main" val="2752934820"/>
+        <p14:creationId xmlns:p14="http://schemas.microsoft.com/office/powerpoint/2010/main" val="3964274778"/>
       </p:ext>
     </p:extLst>
   </p:cSld>
   <p:clrMapOvr>
     <a:masterClrMapping/>
   </p:clrMapOvr>
-  <mc:AlternateContent xmlns:mc="http://schemas.openxmlformats.org/markup-compatibility/2006" xmlns:p14="http://schemas.microsoft.com/office/powerpoint/2010/main">
-    <mc:Choice Requires="p14">
-      <p:transition spd="med" p14:dur="700">
-        <p:fade/>
-      </p:transition>
-    </mc:Choice>
-    <mc:Fallback xmlns="">
-      <p:transition spd="med">
-        <p:fade/>
-      </p:transition>
-    </mc:Fallback>
-  </mc:AlternateContent>
 </p:sld>
 </file>
 
@@ -5935,145 +6512,229 @@
       </p:grpSpPr>
       <p:sp>
         <p:nvSpPr>
-          <p:cNvPr id="2" name="Rectangle 1">
+          <p:cNvPr id="2" name="Title 1">
             <a:extLst>
               <a:ext uri="{FF2B5EF4-FFF2-40B4-BE49-F238E27FC236}">
-                <a16:creationId xmlns:a16="http://schemas.microsoft.com/office/drawing/2014/main" id="{E1B25272-0DF4-4AEB-AF59-6E8AB4E1144D}"/>
+                <a16:creationId xmlns:a16="http://schemas.microsoft.com/office/drawing/2014/main" xmlns="" id="{D9F82D00-BBEB-47D8-8921-681D6D0B5CCA}"/>
               </a:ext>
             </a:extLst>
           </p:cNvPr>
-          <p:cNvSpPr/>
-          <p:nvPr/>
-        </p:nvSpPr>
+          <p:cNvSpPr>
+            <a:spLocks noGrp="1"/>
+          </p:cNvSpPr>
+          <p:nvPr>
+            <p:ph type="title"/>
+          </p:nvPr>
+        </p:nvSpPr>
+        <p:spPr/>
+        <p:txBody>
+          <a:bodyPr/>
+          <a:lstStyle/>
+          <a:p>
+            <a:r>
+              <a:rPr lang="en-GB" dirty="0"/>
+              <a:t>Temperature</a:t>
+            </a:r>
+            <a:endParaRPr lang="x-none" dirty="0"/>
+          </a:p>
+        </p:txBody>
+      </p:sp>
+      <p:pic>
+        <p:nvPicPr>
+          <p:cNvPr id="5" name="Content Placeholder 4">
+            <a:extLst>
+              <a:ext uri="{FF2B5EF4-FFF2-40B4-BE49-F238E27FC236}">
+                <a16:creationId xmlns:a16="http://schemas.microsoft.com/office/drawing/2014/main" xmlns="" id="{DDA405FC-DC7B-49AC-9416-59C7F4D86A90}"/>
+              </a:ext>
+            </a:extLst>
+          </p:cNvPr>
+          <p:cNvPicPr>
+            <a:picLocks noGrp="1" noChangeAspect="1"/>
+          </p:cNvPicPr>
+          <p:nvPr>
+            <p:ph idx="1"/>
+          </p:nvPr>
+        </p:nvPicPr>
+        <p:blipFill>
+          <a:blip r:embed="rId3">
+            <a:extLst>
+              <a:ext uri="{28A0092B-C50C-407E-A947-70E740481C1C}">
+                <a14:useLocalDpi xmlns:a14="http://schemas.microsoft.com/office/drawing/2010/main" val="0"/>
+              </a:ext>
+            </a:extLst>
+          </a:blip>
+          <a:stretch>
+            <a:fillRect/>
+          </a:stretch>
+        </p:blipFill>
         <p:spPr>
           <a:xfrm>
-            <a:off x="909836" y="374214"/>
-            <a:ext cx="6092825" cy="6463308"/>
+            <a:off x="545099" y="1215261"/>
+            <a:ext cx="5642739" cy="5642739"/>
+          </a:xfrm>
+        </p:spPr>
+      </p:pic>
+      <p:pic>
+        <p:nvPicPr>
+          <p:cNvPr id="7" name="Picture 6">
+            <a:extLst>
+              <a:ext uri="{FF2B5EF4-FFF2-40B4-BE49-F238E27FC236}">
+                <a16:creationId xmlns:a16="http://schemas.microsoft.com/office/drawing/2014/main" xmlns="" id="{F28F6D6C-3E04-4244-A7A3-87E9DED5617A}"/>
+              </a:ext>
+            </a:extLst>
+          </p:cNvPr>
+          <p:cNvPicPr>
+            <a:picLocks noChangeAspect="1"/>
+          </p:cNvPicPr>
+          <p:nvPr/>
+        </p:nvPicPr>
+        <p:blipFill>
+          <a:blip r:embed="rId4">
+            <a:extLst>
+              <a:ext uri="{28A0092B-C50C-407E-A947-70E740481C1C}">
+                <a14:useLocalDpi xmlns:a14="http://schemas.microsoft.com/office/drawing/2010/main" val="0"/>
+              </a:ext>
+            </a:extLst>
+          </a:blip>
+          <a:stretch>
+            <a:fillRect/>
+          </a:stretch>
+        </p:blipFill>
+        <p:spPr>
+          <a:xfrm>
+            <a:off x="6501983" y="1277455"/>
+            <a:ext cx="5518349" cy="5518349"/>
           </a:xfrm>
           <a:prstGeom prst="rect">
             <a:avLst/>
           </a:prstGeom>
         </p:spPr>
-        <p:txBody>
-          <a:bodyPr>
+      </p:pic>
+      <p:sp>
+        <p:nvSpPr>
+          <p:cNvPr id="8" name="Tekstvak 1">
+            <a:extLst>
+              <a:ext uri="{FF2B5EF4-FFF2-40B4-BE49-F238E27FC236}">
+                <a16:creationId xmlns:a16="http://schemas.microsoft.com/office/drawing/2014/main" xmlns="" id="{128338E3-6E4C-44EB-9F91-BEBB4832279E}"/>
+              </a:ext>
+            </a:extLst>
+          </p:cNvPr>
+          <p:cNvSpPr txBox="1"/>
+          <p:nvPr/>
+        </p:nvSpPr>
+        <p:spPr>
+          <a:xfrm>
+            <a:off x="6653443" y="389667"/>
+            <a:ext cx="3528392" cy="369332"/>
+          </a:xfrm>
+          <a:prstGeom prst="rect">
+            <a:avLst/>
+          </a:prstGeom>
+          <a:noFill/>
+        </p:spPr>
+        <p:txBody>
+          <a:bodyPr wrap="square" rtlCol="0">
             <a:spAutoFit/>
           </a:bodyPr>
           <a:lstStyle/>
           <a:p>
             <a:r>
-              <a:rPr lang="en-US" dirty="0"/>
-              <a:t>PCA Windspeed</a:t>
-            </a:r>
-          </a:p>
-          <a:p>
-            <a:endParaRPr lang="en-US" dirty="0"/>
-          </a:p>
-          <a:p>
-            <a:r>
-              <a:rPr lang="x-none" dirty="0"/>
-              <a:t>[[1.         0.62589092 0.63877069]</a:t>
-            </a:r>
-          </a:p>
-          <a:p>
-            <a:r>
-              <a:rPr lang="x-none" dirty="0"/>
-              <a:t> [0.62589092 1.         0.69326062]</a:t>
-            </a:r>
-          </a:p>
-          <a:p>
-            <a:r>
-              <a:rPr lang="x-none" dirty="0"/>
-              <a:t> [0.63877069 0.69326062 1.        ]]</a:t>
-            </a:r>
-          </a:p>
-          <a:p>
-            <a:r>
-              <a:rPr lang="x-none" dirty="0"/>
-              <a:t>eigenvalues:  [2.30572493+0.j 0.38824158+0.j 0.30603349+0.j]</a:t>
-            </a:r>
-          </a:p>
-          <a:p>
-            <a:r>
-              <a:rPr lang="x-none" dirty="0"/>
-              <a:t>Eigenvalue 1 =  2.30572492652982</a:t>
-            </a:r>
-          </a:p>
-          <a:p>
-            <a:r>
-              <a:rPr lang="x-none" dirty="0"/>
-              <a:t>Eigenvalue 2 =  0.3882415812665583</a:t>
-            </a:r>
-          </a:p>
-          <a:p>
-            <a:r>
-              <a:rPr lang="x-none" dirty="0"/>
-              <a:t>Eigenvalue 3 =  0.3060334922036205</a:t>
-            </a:r>
-          </a:p>
-          <a:p>
-            <a:r>
-              <a:rPr lang="x-none" dirty="0"/>
-              <a:t>Variance of total data:</a:t>
-            </a:r>
-          </a:p>
-          <a:p>
-            <a:r>
-              <a:rPr lang="x-none" dirty="0"/>
-              <a:t>Eigenvalue 1 =  76.857497550994</a:t>
-            </a:r>
-          </a:p>
-          <a:p>
-            <a:r>
-              <a:rPr lang="x-none" dirty="0"/>
-              <a:t>Eigenvalue 2 =  12.941386042218609</a:t>
-            </a:r>
-          </a:p>
-          <a:p>
-            <a:r>
-              <a:rPr lang="x-none" dirty="0"/>
-              <a:t>Eigenvalue 3 =  10.201116406787351</a:t>
-            </a:r>
-          </a:p>
-          <a:p>
-            <a:r>
-              <a:rPr lang="x-none" dirty="0"/>
-              <a:t>eigenvectors: </a:t>
-            </a:r>
-          </a:p>
-          <a:p>
-            <a:r>
-              <a:rPr lang="x-none" dirty="0"/>
-              <a:t>[[ 0.56506437  0.82142899 -0.07717944]</a:t>
-            </a:r>
-          </a:p>
-          <a:p>
-            <a:r>
-              <a:rPr lang="x-none" dirty="0"/>
-              <a:t> [ 0.58157296 -0.46291829 -0.66893912]</a:t>
-            </a:r>
-          </a:p>
-          <a:p>
-            <a:r>
-              <a:rPr lang="x-none" dirty="0"/>
-              <a:t> [ 0.58521376 -0.33310818  0.73929953]]</a:t>
-            </a:r>
-          </a:p>
-          <a:p>
-            <a:r>
-              <a:rPr lang="x-none" dirty="0"/>
-              <a:t>number 1: 0.5650643708906329 0.5815729647028391 0.585213758789661</a:t>
-            </a:r>
-          </a:p>
-          <a:p>
-            <a:r>
-              <a:rPr lang="x-none" dirty="0"/>
-              <a:t>number 2: 0.8214289931302869 -0.46291829370832854 -0.3331081845213845</a:t>
-            </a:r>
-          </a:p>
-          <a:p>
-            <a:r>
-              <a:rPr lang="x-none" dirty="0"/>
-              <a:t>number 3: -0.07717944023466546 -0.6689391153736788 0.7392995292357111</a:t>
+              <a:rPr lang="en-GB" dirty="0" err="1"/>
+              <a:t>Nordenskiöldbreen</a:t>
+            </a:r>
+            <a:r>
+              <a:rPr lang="en-GB" dirty="0"/>
+              <a:t> – 529 m </a:t>
+            </a:r>
+            <a:r>
+              <a:rPr lang="en-GB" dirty="0" err="1"/>
+              <a:t>a.s.l</a:t>
+            </a:r>
+            <a:r>
+              <a:rPr lang="en-GB" dirty="0"/>
+              <a:t>.</a:t>
+            </a:r>
+          </a:p>
+        </p:txBody>
+      </p:sp>
+      <p:sp>
+        <p:nvSpPr>
+          <p:cNvPr id="9" name="Tekstvak 4">
+            <a:extLst>
+              <a:ext uri="{FF2B5EF4-FFF2-40B4-BE49-F238E27FC236}">
+                <a16:creationId xmlns:a16="http://schemas.microsoft.com/office/drawing/2014/main" xmlns="" id="{85EBD6BF-AED2-4565-8EEA-7221708F4BB6}"/>
+              </a:ext>
+            </a:extLst>
+          </p:cNvPr>
+          <p:cNvSpPr txBox="1"/>
+          <p:nvPr/>
+        </p:nvSpPr>
+        <p:spPr>
+          <a:xfrm>
+            <a:off x="6653443" y="767948"/>
+            <a:ext cx="2672407" cy="369332"/>
+          </a:xfrm>
+          <a:prstGeom prst="rect">
+            <a:avLst/>
+          </a:prstGeom>
+          <a:noFill/>
+        </p:spPr>
+        <p:txBody>
+          <a:bodyPr wrap="square" rtlCol="0">
+            <a:spAutoFit/>
+          </a:bodyPr>
+          <a:lstStyle/>
+          <a:p>
+            <a:r>
+              <a:rPr lang="en-GB" dirty="0" err="1"/>
+              <a:t>Ulvebreen</a:t>
+            </a:r>
+            <a:r>
+              <a:rPr lang="en-GB" dirty="0"/>
+              <a:t> – 140 m </a:t>
+            </a:r>
+            <a:r>
+              <a:rPr lang="en-GB" dirty="0" err="1"/>
+              <a:t>a.s.l</a:t>
+            </a:r>
+            <a:r>
+              <a:rPr lang="en-GB" dirty="0"/>
+              <a:t>.</a:t>
+            </a:r>
+          </a:p>
+        </p:txBody>
+      </p:sp>
+      <p:sp>
+        <p:nvSpPr>
+          <p:cNvPr id="10" name="Tekstvak 4">
+            <a:extLst>
+              <a:ext uri="{FF2B5EF4-FFF2-40B4-BE49-F238E27FC236}">
+                <a16:creationId xmlns:a16="http://schemas.microsoft.com/office/drawing/2014/main" xmlns="" id="{639EA36E-F7CC-487D-9DC0-72EC84565058}"/>
+              </a:ext>
+            </a:extLst>
+          </p:cNvPr>
+          <p:cNvSpPr txBox="1"/>
+          <p:nvPr/>
+        </p:nvSpPr>
+        <p:spPr>
+          <a:xfrm>
+            <a:off x="6670476" y="1152331"/>
+            <a:ext cx="5518349" cy="369332"/>
+          </a:xfrm>
+          <a:prstGeom prst="rect">
+            <a:avLst/>
+          </a:prstGeom>
+          <a:noFill/>
+        </p:spPr>
+        <p:txBody>
+          <a:bodyPr wrap="square" rtlCol="0">
+            <a:spAutoFit/>
+          </a:bodyPr>
+          <a:lstStyle/>
+          <a:p>
+            <a:r>
+              <a:rPr lang="en-GB" dirty="0"/>
+              <a:t>529 – 140 = 389 * 0.6 degrees / meter = 2,3 degrees</a:t>
             </a:r>
           </a:p>
         </p:txBody>
@@ -6081,25 +6742,13 @@
     </p:spTree>
     <p:extLst>
       <p:ext uri="{BB962C8B-B14F-4D97-AF65-F5344CB8AC3E}">
-        <p14:creationId xmlns:p14="http://schemas.microsoft.com/office/powerpoint/2010/main" val="722039877"/>
+        <p14:creationId xmlns:p14="http://schemas.microsoft.com/office/powerpoint/2010/main" val="1942872799"/>
       </p:ext>
     </p:extLst>
   </p:cSld>
   <p:clrMapOvr>
     <a:masterClrMapping/>
   </p:clrMapOvr>
-  <mc:AlternateContent xmlns:mc="http://schemas.openxmlformats.org/markup-compatibility/2006" xmlns:p14="http://schemas.microsoft.com/office/powerpoint/2010/main">
-    <mc:Choice Requires="p14">
-      <p:transition spd="med" p14:dur="700">
-        <p:fade/>
-      </p:transition>
-    </mc:Choice>
-    <mc:Fallback xmlns="">
-      <p:transition spd="med">
-        <p:fade/>
-      </p:transition>
-    </mc:Fallback>
-  </mc:AlternateContent>
 </p:sld>
 </file>
 
@@ -6899,15 +7548,6 @@
 </file>
 
 <file path=customXml/item1.xml><?xml version="1.0" encoding="utf-8"?>
-<?mso-contentType ?>
-<FormTemplates xmlns="http://schemas.microsoft.com/sharepoint/v3/contenttype/forms">
-  <Display>DocumentLibraryForm</Display>
-  <Edit>DocumentLibraryForm</Edit>
-  <New>DocumentLibraryForm</New>
-</FormTemplates>
-</file>
-
-<file path=customXml/item2.xml><?xml version="1.0" encoding="utf-8"?>
 <p:properties xmlns:p="http://schemas.microsoft.com/office/2006/metadata/properties" xmlns:xsi="http://www.w3.org/2001/XMLSchema-instance" xmlns:pc="http://schemas.microsoft.com/office/infopath/2007/PartnerControls">
   <documentManagement>
     <VSO_x0020_item_x0020_id xmlns="40262f94-9f35-4ac3-9a90-690165a166b7" xsi:nil="true"/>
@@ -6916,6 +7556,15 @@
     <Template_x0020_details xmlns="40262f94-9f35-4ac3-9a90-690165a166b7" xsi:nil="true"/>
   </documentManagement>
 </p:properties>
+</file>
+
+<file path=customXml/item2.xml><?xml version="1.0" encoding="utf-8"?>
+<?mso-contentType ?>
+<FormTemplates xmlns="http://schemas.microsoft.com/sharepoint/v3/contenttype/forms">
+  <Display>DocumentLibraryForm</Display>
+  <Edit>DocumentLibraryForm</Edit>
+  <New>DocumentLibraryForm</New>
+</FormTemplates>
 </file>
 
 <file path=customXml/item3.xml><?xml version="1.0" encoding="utf-8"?>
@@ -7100,14 +7749,6 @@
 </file>
 
 <file path=customXml/itemProps1.xml><?xml version="1.0" encoding="utf-8"?>
-<ds:datastoreItem xmlns:ds="http://schemas.openxmlformats.org/officeDocument/2006/customXml" ds:itemID="{3E783485-1103-4BBC-98A1-D39A248154C3}">
-  <ds:schemaRefs>
-    <ds:schemaRef ds:uri="http://schemas.microsoft.com/sharepoint/v3/contenttype/forms"/>
-  </ds:schemaRefs>
-</ds:datastoreItem>
-</file>
-
-<file path=customXml/itemProps2.xml><?xml version="1.0" encoding="utf-8"?>
 <ds:datastoreItem xmlns:ds="http://schemas.openxmlformats.org/officeDocument/2006/customXml" ds:itemID="{2915ED37-D514-41C3-9B3C-B262145D17B7}">
   <ds:schemaRefs>
     <ds:schemaRef ds:uri="a4f35948-e619-41b3-aa29-22878b09cfd2"/>
@@ -7120,6 +7761,14 @@
     <ds:schemaRef ds:uri="http://purl.org/dc/elements/1.1/"/>
     <ds:schemaRef ds:uri="http://schemas.openxmlformats.org/package/2006/metadata/core-properties"/>
     <ds:schemaRef ds:uri="40262f94-9f35-4ac3-9a90-690165a166b7"/>
+  </ds:schemaRefs>
+</ds:datastoreItem>
+</file>
+
+<file path=customXml/itemProps2.xml><?xml version="1.0" encoding="utf-8"?>
+<ds:datastoreItem xmlns:ds="http://schemas.openxmlformats.org/officeDocument/2006/customXml" ds:itemID="{3E783485-1103-4BBC-98A1-D39A248154C3}">
+  <ds:schemaRefs>
+    <ds:schemaRef ds:uri="http://schemas.microsoft.com/sharepoint/v3/contenttype/forms"/>
   </ds:schemaRefs>
 </ds:datastoreItem>
 </file>
